--- a/sys-doc/Präsentation.pptx
+++ b/sys-doc/Präsentation.pptx
@@ -8115,14 +8115,10 @@
           <a:lstStyle/>
           <a:p>
             <a:r>
-              <a:rPr lang="de-DE" dirty="0">
-                <a:solidFill>
-                  <a:schemeClr val="bg1"/>
-                </a:solidFill>
-                <a:latin typeface="Meta Pro" panose="02000503040000020004" pitchFamily="2" charset="0"/>
-              </a:rPr>
-              <a:t>Datum</a:t>
-            </a:r>
+              <a:rPr lang="de-DE" dirty="0"/>
+              <a:t>04.07.2022</a:t>
+            </a:r>
+            <a:endParaRPr lang="en-GB" dirty="0"/>
           </a:p>
         </p:txBody>
       </p:sp>
@@ -8534,11 +8530,10 @@
           <a:lstStyle/>
           <a:p>
             <a:r>
-              <a:rPr lang="de-DE" dirty="0">
-                <a:latin typeface="Meta Pro" panose="02000503040000020004" pitchFamily="2" charset="0"/>
-              </a:rPr>
-              <a:t>Datum</a:t>
-            </a:r>
+              <a:rPr lang="de-DE" dirty="0"/>
+              <a:t>04.07.2022</a:t>
+            </a:r>
+            <a:endParaRPr lang="en-GB" dirty="0"/>
           </a:p>
         </p:txBody>
       </p:sp>
@@ -8715,7 +8710,7 @@
           <a:lstStyle/>
           <a:p>
             <a:r>
-              <a:rPr lang="de-DE"/>
+              <a:rPr lang="de-DE" dirty="0"/>
               <a:t>04.07.2022</a:t>
             </a:r>
             <a:endParaRPr lang="en-GB" dirty="0"/>
@@ -8877,7 +8872,7 @@
         </p:spPr>
         <p:txBody>
           <a:bodyPr wrap="none" anchor="ctr">
-            <a:normAutofit/>
+            <a:noAutofit/>
           </a:bodyPr>
           <a:lstStyle/>
           <a:p>
@@ -8890,7 +8885,7 @@
               </a:spcAft>
             </a:pPr>
             <a:fld id="{58B5944C-422B-400C-ACEC-079F06A0E4F8}" type="slidenum">
-              <a:rPr lang="de-DE" sz="500" smtClean="0"/>
+              <a:rPr lang="de-DE" smtClean="0"/>
               <a:pPr>
                 <a:lnSpc>
                   <a:spcPct val="90000"/>
@@ -8901,7 +8896,7 @@
               </a:pPr>
               <a:t>3</a:t>
             </a:fld>
-            <a:endParaRPr lang="de-DE" sz="500"/>
+            <a:endParaRPr lang="de-DE" dirty="0"/>
           </a:p>
         </p:txBody>
       </p:sp>
@@ -8969,22 +8964,15 @@
         </p:spPr>
         <p:txBody>
           <a:bodyPr wrap="none" anchor="ctr">
-            <a:normAutofit/>
+            <a:noAutofit/>
           </a:bodyPr>
           <a:lstStyle/>
           <a:p>
-            <a:pPr>
-              <a:lnSpc>
-                <a:spcPct val="90000"/>
-              </a:lnSpc>
-              <a:spcAft>
-                <a:spcPts val="600"/>
-              </a:spcAft>
-            </a:pPr>
-            <a:r>
-              <a:rPr lang="de-DE" sz="500"/>
-              <a:t>Datum</a:t>
-            </a:r>
+            <a:r>
+              <a:rPr lang="de-DE" dirty="0"/>
+              <a:t>04.07.2022</a:t>
+            </a:r>
+            <a:endParaRPr lang="en-GB" dirty="0"/>
           </a:p>
         </p:txBody>
       </p:sp>
@@ -9579,7 +9567,7 @@
         </p:spPr>
         <p:txBody>
           <a:bodyPr wrap="none" anchor="ctr">
-            <a:normAutofit/>
+            <a:noAutofit/>
           </a:bodyPr>
           <a:lstStyle/>
           <a:p>
@@ -9592,7 +9580,7 @@
               </a:spcAft>
             </a:pPr>
             <a:fld id="{58B5944C-422B-400C-ACEC-079F06A0E4F8}" type="slidenum">
-              <a:rPr lang="de-DE" sz="500" smtClean="0"/>
+              <a:rPr lang="de-DE" smtClean="0"/>
               <a:pPr>
                 <a:lnSpc>
                   <a:spcPct val="90000"/>
@@ -9603,7 +9591,7 @@
               </a:pPr>
               <a:t>6</a:t>
             </a:fld>
-            <a:endParaRPr lang="de-DE" sz="500"/>
+            <a:endParaRPr lang="de-DE" dirty="0"/>
           </a:p>
         </p:txBody>
       </p:sp>
@@ -9671,7 +9659,7 @@
         </p:spPr>
         <p:txBody>
           <a:bodyPr wrap="none" anchor="ctr">
-            <a:normAutofit/>
+            <a:noAutofit/>
           </a:bodyPr>
           <a:lstStyle/>
           <a:p>
@@ -9684,10 +9672,10 @@
               </a:spcAft>
             </a:pPr>
             <a:r>
-              <a:rPr lang="de-DE" sz="500"/>
+              <a:rPr lang="de-DE" dirty="0"/>
               <a:t>04.07.2022</a:t>
             </a:r>
-            <a:endParaRPr lang="en-GB" sz="500"/>
+            <a:endParaRPr lang="en-GB" dirty="0"/>
           </a:p>
         </p:txBody>
       </p:sp>
@@ -9944,56 +9932,6 @@
       </p:grpSpPr>
       <p:sp>
         <p:nvSpPr>
-          <p:cNvPr id="2" name="Inhaltsplatzhalter 1">
-            <a:extLst>
-              <a:ext uri="{FF2B5EF4-FFF2-40B4-BE49-F238E27FC236}">
-                <a16:creationId xmlns:a16="http://schemas.microsoft.com/office/drawing/2014/main" id="{184AAB47-F3B2-F517-5273-9204B09D96B2}"/>
-              </a:ext>
-            </a:extLst>
-          </p:cNvPr>
-          <p:cNvSpPr>
-            <a:spLocks noGrp="1"/>
-          </p:cNvSpPr>
-          <p:nvPr>
-            <p:ph idx="1"/>
-          </p:nvPr>
-        </p:nvSpPr>
-        <p:spPr/>
-        <p:txBody>
-          <a:bodyPr/>
-          <a:lstStyle/>
-          <a:p>
-            <a:endParaRPr lang="de-DE"/>
-          </a:p>
-        </p:txBody>
-      </p:sp>
-      <p:sp>
-        <p:nvSpPr>
-          <p:cNvPr id="3" name="Inhaltsplatzhalter 2">
-            <a:extLst>
-              <a:ext uri="{FF2B5EF4-FFF2-40B4-BE49-F238E27FC236}">
-                <a16:creationId xmlns:a16="http://schemas.microsoft.com/office/drawing/2014/main" id="{08160BA4-F705-3E68-4657-008B952AEE18}"/>
-              </a:ext>
-            </a:extLst>
-          </p:cNvPr>
-          <p:cNvSpPr>
-            <a:spLocks noGrp="1"/>
-          </p:cNvSpPr>
-          <p:nvPr>
-            <p:ph idx="11"/>
-          </p:nvPr>
-        </p:nvSpPr>
-        <p:spPr/>
-        <p:txBody>
-          <a:bodyPr/>
-          <a:lstStyle/>
-          <a:p>
-            <a:endParaRPr lang="de-DE"/>
-          </a:p>
-        </p:txBody>
-      </p:sp>
-      <p:sp>
-        <p:nvSpPr>
           <p:cNvPr id="4" name="Titel 3">
             <a:extLst>
               <a:ext uri="{FF2B5EF4-FFF2-40B4-BE49-F238E27FC236}">
@@ -10008,9 +9946,16 @@
             <p:ph type="title"/>
           </p:nvPr>
         </p:nvSpPr>
-        <p:spPr/>
-        <p:txBody>
-          <a:bodyPr/>
+        <p:spPr>
+          <a:xfrm>
+            <a:off x="211139" y="153988"/>
+            <a:ext cx="6377086" cy="826740"/>
+          </a:xfrm>
+        </p:spPr>
+        <p:txBody>
+          <a:bodyPr anchor="t">
+            <a:normAutofit/>
+          </a:bodyPr>
           <a:lstStyle/>
           <a:p>
             <a:r>
@@ -10036,14 +9981,36 @@
             <p:ph type="sldNum" sz="quarter" idx="4"/>
           </p:nvPr>
         </p:nvSpPr>
-        <p:spPr/>
-        <p:txBody>
-          <a:bodyPr/>
+        <p:spPr>
+          <a:xfrm>
+            <a:off x="5292080" y="6677050"/>
+            <a:ext cx="758825" cy="162000"/>
+          </a:xfrm>
+        </p:spPr>
+        <p:txBody>
+          <a:bodyPr wrap="none" anchor="ctr">
+            <a:noAutofit/>
+          </a:bodyPr>
           <a:lstStyle/>
           <a:p>
+            <a:pPr>
+              <a:lnSpc>
+                <a:spcPct val="90000"/>
+              </a:lnSpc>
+              <a:spcAft>
+                <a:spcPts val="600"/>
+              </a:spcAft>
+            </a:pPr>
             <a:fld id="{58B5944C-422B-400C-ACEC-079F06A0E4F8}" type="slidenum">
               <a:rPr lang="de-DE" smtClean="0"/>
-              <a:pPr/>
+              <a:pPr>
+                <a:lnSpc>
+                  <a:spcPct val="90000"/>
+                </a:lnSpc>
+                <a:spcAft>
+                  <a:spcPts val="600"/>
+                </a:spcAft>
+              </a:pPr>
               <a:t>8</a:t>
             </a:fld>
             <a:endParaRPr lang="de-DE" dirty="0"/>
@@ -10066,16 +10033,27 @@
             <p:ph type="ftr" sz="quarter" idx="3"/>
           </p:nvPr>
         </p:nvSpPr>
-        <p:spPr/>
-        <p:txBody>
-          <a:bodyPr/>
+        <p:spPr>
+          <a:xfrm>
+            <a:off x="539792" y="6513414"/>
+            <a:ext cx="3240120" cy="327273"/>
+          </a:xfrm>
+        </p:spPr>
+        <p:txBody>
+          <a:bodyPr wrap="none" anchor="ctr">
+            <a:normAutofit/>
+          </a:bodyPr>
           <a:lstStyle/>
           <a:p>
+            <a:pPr>
+              <a:spcAft>
+                <a:spcPts val="600"/>
+              </a:spcAft>
+            </a:pPr>
             <a:r>
               <a:rPr lang="de-DE"/>
               <a:t>Web-Anwendungsentwicklung [MI, 6. Sem.]</a:t>
             </a:r>
-            <a:endParaRPr lang="de-DE" dirty="0"/>
           </a:p>
         </p:txBody>
       </p:sp>
@@ -10095,19 +10073,67 @@
             <p:ph type="dt" sz="half" idx="2"/>
           </p:nvPr>
         </p:nvSpPr>
-        <p:spPr/>
-        <p:txBody>
-          <a:bodyPr/>
+        <p:spPr>
+          <a:xfrm>
+            <a:off x="4139952" y="6678642"/>
+            <a:ext cx="1152128" cy="162000"/>
+          </a:xfrm>
+        </p:spPr>
+        <p:txBody>
+          <a:bodyPr wrap="none" anchor="ctr">
+            <a:noAutofit/>
+          </a:bodyPr>
           <a:lstStyle/>
           <a:p>
-            <a:r>
-              <a:rPr lang="de-DE"/>
+            <a:pPr>
+              <a:lnSpc>
+                <a:spcPct val="90000"/>
+              </a:lnSpc>
+              <a:spcAft>
+                <a:spcPts val="600"/>
+              </a:spcAft>
+            </a:pPr>
+            <a:r>
+              <a:rPr lang="de-DE" dirty="0"/>
               <a:t>04.07.2022</a:t>
             </a:r>
             <a:endParaRPr lang="en-GB" dirty="0"/>
           </a:p>
         </p:txBody>
       </p:sp>
+      <p:pic>
+        <p:nvPicPr>
+          <p:cNvPr id="9" name="Inhaltsplatzhalter 8" descr="Ein Bild, das Tisch enthält.&#10;&#10;Automatisch generierte Beschreibung">
+            <a:extLst>
+              <a:ext uri="{FF2B5EF4-FFF2-40B4-BE49-F238E27FC236}">
+                <a16:creationId xmlns:a16="http://schemas.microsoft.com/office/drawing/2014/main" id="{B9AB1A2E-455B-BC8A-56FF-A67B0879EFFB}"/>
+              </a:ext>
+            </a:extLst>
+          </p:cNvPr>
+          <p:cNvPicPr>
+            <a:picLocks noGrp="1" noChangeAspect="1"/>
+          </p:cNvPicPr>
+          <p:nvPr>
+            <p:ph idx="11"/>
+          </p:nvPr>
+        </p:nvPicPr>
+        <p:blipFill>
+          <a:blip r:embed="rId2"/>
+          <a:stretch>
+            <a:fillRect/>
+          </a:stretch>
+        </p:blipFill>
+        <p:spPr>
+          <a:xfrm>
+            <a:off x="211138" y="1960852"/>
+            <a:ext cx="8753475" cy="3632692"/>
+          </a:xfrm>
+          <a:prstGeom prst="rect">
+            <a:avLst/>
+          </a:prstGeom>
+          <a:noFill/>
+        </p:spPr>
+      </p:pic>
     </p:spTree>
     <p:extLst>
       <p:ext uri="{BB962C8B-B14F-4D97-AF65-F5344CB8AC3E}">
@@ -10197,7 +10223,7 @@
         </p:spPr>
         <p:txBody>
           <a:bodyPr wrap="none" anchor="ctr">
-            <a:normAutofit/>
+            <a:noAutofit/>
           </a:bodyPr>
           <a:lstStyle/>
           <a:p>
@@ -10210,7 +10236,7 @@
               </a:spcAft>
             </a:pPr>
             <a:fld id="{58B5944C-422B-400C-ACEC-079F06A0E4F8}" type="slidenum">
-              <a:rPr lang="de-DE" sz="500" smtClean="0"/>
+              <a:rPr lang="de-DE" smtClean="0"/>
               <a:pPr>
                 <a:lnSpc>
                   <a:spcPct val="90000"/>
@@ -10221,7 +10247,7 @@
               </a:pPr>
               <a:t>9</a:t>
             </a:fld>
-            <a:endParaRPr lang="de-DE" sz="500"/>
+            <a:endParaRPr lang="de-DE" dirty="0"/>
           </a:p>
         </p:txBody>
       </p:sp>
@@ -10289,7 +10315,7 @@
         </p:spPr>
         <p:txBody>
           <a:bodyPr wrap="none" anchor="ctr">
-            <a:normAutofit/>
+            <a:noAutofit/>
           </a:bodyPr>
           <a:lstStyle/>
           <a:p>
@@ -10302,10 +10328,10 @@
               </a:spcAft>
             </a:pPr>
             <a:r>
-              <a:rPr lang="de-DE" sz="500"/>
+              <a:rPr lang="de-DE" dirty="0"/>
               <a:t>04.07.2022</a:t>
             </a:r>
-            <a:endParaRPr lang="en-GB" sz="500"/>
+            <a:endParaRPr lang="en-GB" dirty="0"/>
           </a:p>
         </p:txBody>
       </p:sp>

--- a/sys-doc/Präsentation.pptx
+++ b/sys-doc/Präsentation.pptx
@@ -9016,7 +9016,7 @@
 </file>
 
 <file path=ppt/slides/slide4.xml><?xml version="1.0" encoding="utf-8"?>
-<p:sld xmlns:a="http://schemas.openxmlformats.org/drawingml/2006/main" xmlns:r="http://schemas.openxmlformats.org/officeDocument/2006/relationships" xmlns:p="http://schemas.openxmlformats.org/presentationml/2006/main">
+<p:sld xmlns:a="http://schemas.openxmlformats.org/drawingml/2006/main" xmlns:r="http://schemas.openxmlformats.org/officeDocument/2006/relationships" xmlns:p="http://schemas.openxmlformats.org/presentationml/2006/main" show="0">
   <p:cSld>
     <p:spTree>
       <p:nvGrpSpPr>
@@ -9216,7 +9216,7 @@
 </file>
 
 <file path=ppt/slides/slide5.xml><?xml version="1.0" encoding="utf-8"?>
-<p:sld xmlns:a="http://schemas.openxmlformats.org/drawingml/2006/main" xmlns:r="http://schemas.openxmlformats.org/officeDocument/2006/relationships" xmlns:p="http://schemas.openxmlformats.org/presentationml/2006/main">
+<p:sld xmlns:a="http://schemas.openxmlformats.org/drawingml/2006/main" xmlns:r="http://schemas.openxmlformats.org/officeDocument/2006/relationships" xmlns:p="http://schemas.openxmlformats.org/presentationml/2006/main" show="0">
   <p:cSld>
     <p:spTree>
       <p:nvGrpSpPr>
@@ -9411,7 +9411,7 @@
 </file>
 
 <file path=ppt/slides/slide6.xml><?xml version="1.0" encoding="utf-8"?>
-<p:sld xmlns:a="http://schemas.openxmlformats.org/drawingml/2006/main" xmlns:r="http://schemas.openxmlformats.org/officeDocument/2006/relationships" xmlns:p="http://schemas.openxmlformats.org/presentationml/2006/main">
+<p:sld xmlns:a="http://schemas.openxmlformats.org/drawingml/2006/main" xmlns:r="http://schemas.openxmlformats.org/officeDocument/2006/relationships" xmlns:p="http://schemas.openxmlformats.org/presentationml/2006/main" show="0">
   <p:cSld>
     <p:spTree>
       <p:nvGrpSpPr>
@@ -9693,7 +9693,7 @@
 </file>
 
 <file path=ppt/slides/slide7.xml><?xml version="1.0" encoding="utf-8"?>
-<p:sld xmlns:a="http://schemas.openxmlformats.org/drawingml/2006/main" xmlns:r="http://schemas.openxmlformats.org/officeDocument/2006/relationships" xmlns:p="http://schemas.openxmlformats.org/presentationml/2006/main">
+<p:sld xmlns:a="http://schemas.openxmlformats.org/drawingml/2006/main" xmlns:r="http://schemas.openxmlformats.org/officeDocument/2006/relationships" xmlns:p="http://schemas.openxmlformats.org/presentationml/2006/main" show="0">
   <p:cSld>
     <p:spTree>
       <p:nvGrpSpPr>
@@ -10094,7 +10094,7 @@
               </a:spcAft>
             </a:pPr>
             <a:r>
-              <a:rPr lang="de-DE" dirty="0"/>
+              <a:rPr lang="de-DE"/>
               <a:t>04.07.2022</a:t>
             </a:r>
             <a:endParaRPr lang="en-GB" dirty="0"/>
@@ -10103,10 +10103,10 @@
       </p:sp>
       <p:pic>
         <p:nvPicPr>
-          <p:cNvPr id="9" name="Inhaltsplatzhalter 8" descr="Ein Bild, das Tisch enthält.&#10;&#10;Automatisch generierte Beschreibung">
+          <p:cNvPr id="10" name="Inhaltsplatzhalter 9">
             <a:extLst>
               <a:ext uri="{FF2B5EF4-FFF2-40B4-BE49-F238E27FC236}">
-                <a16:creationId xmlns:a16="http://schemas.microsoft.com/office/drawing/2014/main" id="{B9AB1A2E-455B-BC8A-56FF-A67B0879EFFB}"/>
+                <a16:creationId xmlns:a16="http://schemas.microsoft.com/office/drawing/2014/main" id="{E175253E-708B-3CFA-D071-97CCA5D49576}"/>
               </a:ext>
             </a:extLst>
           </p:cNvPr>
@@ -10125,13 +10125,9 @@
         </p:blipFill>
         <p:spPr>
           <a:xfrm>
-            <a:off x="211138" y="1960852"/>
-            <a:ext cx="8753475" cy="3632692"/>
+            <a:off x="211138" y="1961527"/>
+            <a:ext cx="8753475" cy="3631859"/>
           </a:xfrm>
-          <a:prstGeom prst="rect">
-            <a:avLst/>
-          </a:prstGeom>
-          <a:noFill/>
         </p:spPr>
       </p:pic>
     </p:spTree>

--- a/sys-doc/Präsentation.pptx
+++ b/sys-doc/Präsentation.pptx
@@ -1215,7 +1215,7 @@
       </dsp:nvSpPr>
       <dsp:spPr>
         <a:xfrm>
-          <a:off x="0" y="1526291"/>
+          <a:off x="0" y="409440"/>
           <a:ext cx="2461914" cy="1563315"/>
         </a:xfrm>
         <a:prstGeom prst="roundRect">
@@ -1291,7 +1291,7 @@
       </dsp:nvSpPr>
       <dsp:spPr>
         <a:xfrm>
-          <a:off x="273546" y="1786160"/>
+          <a:off x="273546" y="669309"/>
           <a:ext cx="2461914" cy="1563315"/>
         </a:xfrm>
         <a:prstGeom prst="roundRect">
@@ -1359,7 +1359,7 @@
         </a:p>
       </dsp:txBody>
       <dsp:txXfrm>
-        <a:off x="319334" y="1831948"/>
+        <a:off x="319334" y="715097"/>
         <a:ext cx="2370338" cy="1471739"/>
       </dsp:txXfrm>
     </dsp:sp>
@@ -1370,7 +1370,7 @@
       </dsp:nvSpPr>
       <dsp:spPr>
         <a:xfrm>
-          <a:off x="3009007" y="1526291"/>
+          <a:off x="3009007" y="409440"/>
           <a:ext cx="2461914" cy="1563315"/>
         </a:xfrm>
         <a:prstGeom prst="roundRect">
@@ -1446,7 +1446,7 @@
       </dsp:nvSpPr>
       <dsp:spPr>
         <a:xfrm>
-          <a:off x="3282553" y="1786160"/>
+          <a:off x="3282553" y="669309"/>
           <a:ext cx="2461914" cy="1563315"/>
         </a:xfrm>
         <a:prstGeom prst="roundRect">
@@ -1514,7 +1514,7 @@
         </a:p>
       </dsp:txBody>
       <dsp:txXfrm>
-        <a:off x="3328341" y="1831948"/>
+        <a:off x="3328341" y="715097"/>
         <a:ext cx="2370338" cy="1471739"/>
       </dsp:txXfrm>
     </dsp:sp>
@@ -1525,7 +1525,7 @@
       </dsp:nvSpPr>
       <dsp:spPr>
         <a:xfrm>
-          <a:off x="6018014" y="1526291"/>
+          <a:off x="6018014" y="409440"/>
           <a:ext cx="2461914" cy="1563315"/>
         </a:xfrm>
         <a:prstGeom prst="roundRect">
@@ -1601,7 +1601,7 @@
       </dsp:nvSpPr>
       <dsp:spPr>
         <a:xfrm>
-          <a:off x="6291560" y="1786160"/>
+          <a:off x="6291560" y="669309"/>
           <a:ext cx="2461914" cy="1563315"/>
         </a:xfrm>
         <a:prstGeom prst="roundRect">
@@ -1669,7 +1669,7 @@
         </a:p>
       </dsp:txBody>
       <dsp:txXfrm>
-        <a:off x="6337348" y="1831948"/>
+        <a:off x="6337348" y="715097"/>
         <a:ext cx="2370338" cy="1471739"/>
       </dsp:txXfrm>
     </dsp:sp>
@@ -8992,14 +8992,14 @@
             <p:ph idx="11"/>
             <p:extLst>
               <p:ext uri="{D42A27DB-BD31-4B8C-83A1-F6EECF244321}">
-                <p14:modId xmlns:p14="http://schemas.microsoft.com/office/powerpoint/2010/main" val="1048077046"/>
+                <p14:modId xmlns:p14="http://schemas.microsoft.com/office/powerpoint/2010/main" val="1589724969"/>
               </p:ext>
             </p:extLst>
           </p:nvPr>
         </p:nvGraphicFramePr>
         <p:xfrm>
-          <a:off x="211138" y="1339314"/>
-          <a:ext cx="8753475" cy="4875768"/>
+          <a:off x="155248" y="1556792"/>
+          <a:ext cx="8753475" cy="2642066"/>
         </p:xfrm>
         <a:graphic>
           <a:graphicData uri="http://schemas.openxmlformats.org/drawingml/2006/diagram">
@@ -9007,6 +9007,222 @@
           </a:graphicData>
         </a:graphic>
       </p:graphicFrame>
+      <p:pic>
+        <p:nvPicPr>
+          <p:cNvPr id="1026" name="Picture 2" descr="TypeScript">
+            <a:extLst>
+              <a:ext uri="{FF2B5EF4-FFF2-40B4-BE49-F238E27FC236}">
+                <a16:creationId xmlns:a16="http://schemas.microsoft.com/office/drawing/2014/main" id="{A0E98218-A8F5-18DA-871A-2B78E275C5E4}"/>
+              </a:ext>
+            </a:extLst>
+          </p:cNvPr>
+          <p:cNvPicPr>
+            <a:picLocks noChangeAspect="1" noChangeArrowheads="1"/>
+          </p:cNvPicPr>
+          <p:nvPr/>
+        </p:nvPicPr>
+        <p:blipFill rotWithShape="1">
+          <a:blip r:embed="rId8" cstate="print">
+            <a:extLst>
+              <a:ext uri="{28A0092B-C50C-407E-A947-70E740481C1C}">
+                <a14:useLocalDpi xmlns:a14="http://schemas.microsoft.com/office/drawing/2010/main" val="0"/>
+              </a:ext>
+            </a:extLst>
+          </a:blip>
+          <a:srcRect t="18443" b="13838"/>
+          <a:stretch/>
+        </p:blipFill>
+        <p:spPr bwMode="auto">
+          <a:xfrm>
+            <a:off x="755576" y="5345428"/>
+            <a:ext cx="4996541" cy="1068538"/>
+          </a:xfrm>
+          <a:prstGeom prst="rect">
+            <a:avLst/>
+          </a:prstGeom>
+          <a:noFill/>
+          <a:extLst>
+            <a:ext uri="{909E8E84-426E-40DD-AFC4-6F175D3DCCD1}">
+              <a14:hiddenFill xmlns:a14="http://schemas.microsoft.com/office/drawing/2010/main">
+                <a:solidFill>
+                  <a:srgbClr val="FFFFFF"/>
+                </a:solidFill>
+              </a14:hiddenFill>
+            </a:ext>
+          </a:extLst>
+        </p:spPr>
+      </p:pic>
+      <p:pic>
+        <p:nvPicPr>
+          <p:cNvPr id="1028" name="Picture 4">
+            <a:extLst>
+              <a:ext uri="{FF2B5EF4-FFF2-40B4-BE49-F238E27FC236}">
+                <a16:creationId xmlns:a16="http://schemas.microsoft.com/office/drawing/2014/main" id="{FEEA3F8E-53FB-C2AB-DF9F-C2E96D51717F}"/>
+              </a:ext>
+            </a:extLst>
+          </p:cNvPr>
+          <p:cNvPicPr>
+            <a:picLocks noChangeAspect="1" noChangeArrowheads="1"/>
+          </p:cNvPicPr>
+          <p:nvPr/>
+        </p:nvPicPr>
+        <p:blipFill>
+          <a:blip r:embed="rId9" cstate="print">
+            <a:extLst>
+              <a:ext uri="{28A0092B-C50C-407E-A947-70E740481C1C}">
+                <a14:useLocalDpi xmlns:a14="http://schemas.microsoft.com/office/drawing/2010/main" val="0"/>
+              </a:ext>
+            </a:extLst>
+          </a:blip>
+          <a:srcRect/>
+          <a:stretch>
+            <a:fillRect/>
+          </a:stretch>
+        </p:blipFill>
+        <p:spPr bwMode="auto">
+          <a:xfrm>
+            <a:off x="330013" y="3897744"/>
+            <a:ext cx="1106590" cy="962252"/>
+          </a:xfrm>
+          <a:prstGeom prst="rect">
+            <a:avLst/>
+          </a:prstGeom>
+          <a:noFill/>
+          <a:extLst>
+            <a:ext uri="{909E8E84-426E-40DD-AFC4-6F175D3DCCD1}">
+              <a14:hiddenFill xmlns:a14="http://schemas.microsoft.com/office/drawing/2010/main">
+                <a:solidFill>
+                  <a:srgbClr val="FFFFFF"/>
+                </a:solidFill>
+              </a14:hiddenFill>
+            </a:ext>
+          </a:extLst>
+        </p:spPr>
+      </p:pic>
+      <p:pic>
+        <p:nvPicPr>
+          <p:cNvPr id="6" name="Grafik 5">
+            <a:extLst>
+              <a:ext uri="{FF2B5EF4-FFF2-40B4-BE49-F238E27FC236}">
+                <a16:creationId xmlns:a16="http://schemas.microsoft.com/office/drawing/2014/main" id="{E11A2144-4BD1-D64C-2360-ADE475EFED3E}"/>
+              </a:ext>
+            </a:extLst>
+          </p:cNvPr>
+          <p:cNvPicPr>
+            <a:picLocks noChangeAspect="1"/>
+          </p:cNvPicPr>
+          <p:nvPr/>
+        </p:nvPicPr>
+        <p:blipFill>
+          <a:blip r:embed="rId10"/>
+          <a:stretch>
+            <a:fillRect/>
+          </a:stretch>
+        </p:blipFill>
+        <p:spPr>
+          <a:xfrm>
+            <a:off x="1611367" y="3897744"/>
+            <a:ext cx="1096969" cy="962252"/>
+          </a:xfrm>
+          <a:prstGeom prst="rect">
+            <a:avLst/>
+          </a:prstGeom>
+        </p:spPr>
+      </p:pic>
+      <p:pic>
+        <p:nvPicPr>
+          <p:cNvPr id="1030" name="Picture 6" descr="Working with Express, a Node.js Framework | by Daniel Wagener | Medium">
+            <a:extLst>
+              <a:ext uri="{FF2B5EF4-FFF2-40B4-BE49-F238E27FC236}">
+                <a16:creationId xmlns:a16="http://schemas.microsoft.com/office/drawing/2014/main" id="{79F3500C-E078-541A-5BD8-6C0005EBC2AC}"/>
+              </a:ext>
+            </a:extLst>
+          </p:cNvPr>
+          <p:cNvPicPr>
+            <a:picLocks noChangeAspect="1" noChangeArrowheads="1"/>
+          </p:cNvPicPr>
+          <p:nvPr/>
+        </p:nvPicPr>
+        <p:blipFill>
+          <a:blip r:embed="rId11">
+            <a:extLst>
+              <a:ext uri="{28A0092B-C50C-407E-A947-70E740481C1C}">
+                <a14:useLocalDpi xmlns:a14="http://schemas.microsoft.com/office/drawing/2010/main" val="0"/>
+              </a:ext>
+            </a:extLst>
+          </a:blip>
+          <a:srcRect/>
+          <a:stretch>
+            <a:fillRect/>
+          </a:stretch>
+        </p:blipFill>
+        <p:spPr bwMode="auto">
+          <a:xfrm>
+            <a:off x="3465941" y="3923337"/>
+            <a:ext cx="2303620" cy="1268569"/>
+          </a:xfrm>
+          <a:prstGeom prst="rect">
+            <a:avLst/>
+          </a:prstGeom>
+          <a:noFill/>
+          <a:extLst>
+            <a:ext uri="{909E8E84-426E-40DD-AFC4-6F175D3DCCD1}">
+              <a14:hiddenFill xmlns:a14="http://schemas.microsoft.com/office/drawing/2010/main">
+                <a:solidFill>
+                  <a:srgbClr val="FFFFFF"/>
+                </a:solidFill>
+              </a14:hiddenFill>
+            </a:ext>
+          </a:extLst>
+        </p:spPr>
+      </p:pic>
+      <p:pic>
+        <p:nvPicPr>
+          <p:cNvPr id="1036" name="Picture 12">
+            <a:extLst>
+              <a:ext uri="{FF2B5EF4-FFF2-40B4-BE49-F238E27FC236}">
+                <a16:creationId xmlns:a16="http://schemas.microsoft.com/office/drawing/2014/main" id="{C6E4D747-E6D7-5101-7A27-D02A06EF3F8E}"/>
+              </a:ext>
+            </a:extLst>
+          </p:cNvPr>
+          <p:cNvPicPr>
+            <a:picLocks noChangeAspect="1" noChangeArrowheads="1"/>
+          </p:cNvPicPr>
+          <p:nvPr/>
+        </p:nvPicPr>
+        <p:blipFill>
+          <a:blip r:embed="rId12" cstate="print">
+            <a:extLst>
+              <a:ext uri="{28A0092B-C50C-407E-A947-70E740481C1C}">
+                <a14:useLocalDpi xmlns:a14="http://schemas.microsoft.com/office/drawing/2010/main" val="0"/>
+              </a:ext>
+            </a:extLst>
+          </a:blip>
+          <a:srcRect/>
+          <a:stretch>
+            <a:fillRect/>
+          </a:stretch>
+        </p:blipFill>
+        <p:spPr bwMode="auto">
+          <a:xfrm>
+            <a:off x="6285894" y="3852730"/>
+            <a:ext cx="2550812" cy="1339176"/>
+          </a:xfrm>
+          <a:prstGeom prst="rect">
+            <a:avLst/>
+          </a:prstGeom>
+          <a:noFill/>
+          <a:extLst>
+            <a:ext uri="{909E8E84-426E-40DD-AFC4-6F175D3DCCD1}">
+              <a14:hiddenFill xmlns:a14="http://schemas.microsoft.com/office/drawing/2010/main">
+                <a:solidFill>
+                  <a:srgbClr val="FFFFFF"/>
+                </a:solidFill>
+              </a14:hiddenFill>
+            </a:ext>
+          </a:extLst>
+        </p:spPr>
+      </p:pic>
     </p:spTree>
   </p:cSld>
   <p:clrMapOvr>

--- a/sys-doc/Präsentation.pptx
+++ b/sys-doc/Präsentation.pptx
@@ -923,6 +923,886 @@
     <dgm:fillClrLst meth="repeat">
       <a:schemeClr val="accent3">
         <a:tint val="60000"/>
+      </a:schemeClr>
+    </dgm:fillClrLst>
+    <dgm:linClrLst meth="repeat">
+      <a:schemeClr val="lt1"/>
+    </dgm:linClrLst>
+    <dgm:effectClrLst/>
+    <dgm:txLinClrLst/>
+    <dgm:txFillClrLst meth="repeat">
+      <a:schemeClr val="dk1"/>
+    </dgm:txFillClrLst>
+    <dgm:txEffectClrLst/>
+  </dgm:styleLbl>
+  <dgm:styleLbl name="revTx">
+    <dgm:fillClrLst meth="repeat">
+      <a:schemeClr val="lt1">
+        <a:alpha val="0"/>
+      </a:schemeClr>
+    </dgm:fillClrLst>
+    <dgm:linClrLst meth="repeat">
+      <a:schemeClr val="dk1">
+        <a:alpha val="0"/>
+      </a:schemeClr>
+    </dgm:linClrLst>
+    <dgm:effectClrLst/>
+    <dgm:txLinClrLst/>
+    <dgm:txFillClrLst meth="repeat">
+      <a:schemeClr val="tx1"/>
+    </dgm:txFillClrLst>
+    <dgm:txEffectClrLst/>
+  </dgm:styleLbl>
+</dgm:colorsDef>
+</file>
+
+<file path=ppt/diagrams/colors2.xml><?xml version="1.0" encoding="utf-8"?>
+<dgm:colorsDef xmlns:dgm="http://schemas.openxmlformats.org/drawingml/2006/diagram" xmlns:a="http://schemas.openxmlformats.org/drawingml/2006/main" uniqueId="urn:microsoft.com/office/officeart/2005/8/colors/accent3_5">
+  <dgm:title val=""/>
+  <dgm:desc val=""/>
+  <dgm:catLst>
+    <dgm:cat type="accent3" pri="11500"/>
+  </dgm:catLst>
+  <dgm:styleLbl name="node0">
+    <dgm:fillClrLst meth="cycle">
+      <a:schemeClr val="accent3">
+        <a:alpha val="80000"/>
+      </a:schemeClr>
+    </dgm:fillClrLst>
+    <dgm:linClrLst meth="repeat">
+      <a:schemeClr val="lt1"/>
+    </dgm:linClrLst>
+    <dgm:effectClrLst/>
+    <dgm:txLinClrLst/>
+    <dgm:txFillClrLst/>
+    <dgm:txEffectClrLst/>
+  </dgm:styleLbl>
+  <dgm:styleLbl name="node1">
+    <dgm:fillClrLst>
+      <a:schemeClr val="accent3">
+        <a:alpha val="90000"/>
+      </a:schemeClr>
+      <a:schemeClr val="accent3">
+        <a:alpha val="50000"/>
+      </a:schemeClr>
+    </dgm:fillClrLst>
+    <dgm:linClrLst meth="repeat">
+      <a:schemeClr val="lt1"/>
+    </dgm:linClrLst>
+    <dgm:effectClrLst/>
+    <dgm:txLinClrLst/>
+    <dgm:txFillClrLst/>
+    <dgm:txEffectClrLst/>
+  </dgm:styleLbl>
+  <dgm:styleLbl name="alignNode1">
+    <dgm:fillClrLst>
+      <a:schemeClr val="accent3">
+        <a:alpha val="90000"/>
+      </a:schemeClr>
+      <a:schemeClr val="accent3">
+        <a:alpha val="50000"/>
+      </a:schemeClr>
+    </dgm:fillClrLst>
+    <dgm:linClrLst>
+      <a:schemeClr val="accent3">
+        <a:alpha val="90000"/>
+      </a:schemeClr>
+      <a:schemeClr val="accent3">
+        <a:alpha val="50000"/>
+      </a:schemeClr>
+    </dgm:linClrLst>
+    <dgm:effectClrLst/>
+    <dgm:txLinClrLst/>
+    <dgm:txFillClrLst/>
+    <dgm:txEffectClrLst/>
+  </dgm:styleLbl>
+  <dgm:styleLbl name="lnNode1">
+    <dgm:fillClrLst>
+      <a:schemeClr val="accent3">
+        <a:shade val="90000"/>
+      </a:schemeClr>
+      <a:schemeClr val="accent3">
+        <a:alpha val="50000"/>
+        <a:tint val="50000"/>
+      </a:schemeClr>
+    </dgm:fillClrLst>
+    <dgm:linClrLst meth="repeat">
+      <a:schemeClr val="lt1"/>
+    </dgm:linClrLst>
+    <dgm:effectClrLst/>
+    <dgm:txLinClrLst/>
+    <dgm:txFillClrLst/>
+    <dgm:txEffectClrLst/>
+  </dgm:styleLbl>
+  <dgm:styleLbl name="vennNode1">
+    <dgm:fillClrLst>
+      <a:schemeClr val="accent3">
+        <a:shade val="80000"/>
+        <a:alpha val="50000"/>
+      </a:schemeClr>
+      <a:schemeClr val="accent3">
+        <a:alpha val="80000"/>
+      </a:schemeClr>
+    </dgm:fillClrLst>
+    <dgm:linClrLst meth="repeat">
+      <a:schemeClr val="lt1"/>
+    </dgm:linClrLst>
+    <dgm:effectClrLst/>
+    <dgm:txLinClrLst/>
+    <dgm:txFillClrLst/>
+    <dgm:txEffectClrLst/>
+  </dgm:styleLbl>
+  <dgm:styleLbl name="node2">
+    <dgm:fillClrLst>
+      <a:schemeClr val="accent3">
+        <a:alpha val="70000"/>
+      </a:schemeClr>
+    </dgm:fillClrLst>
+    <dgm:linClrLst meth="repeat">
+      <a:schemeClr val="lt1"/>
+    </dgm:linClrLst>
+    <dgm:effectClrLst/>
+    <dgm:txLinClrLst/>
+    <dgm:txFillClrLst/>
+    <dgm:txEffectClrLst/>
+  </dgm:styleLbl>
+  <dgm:styleLbl name="node3">
+    <dgm:fillClrLst>
+      <a:schemeClr val="accent3">
+        <a:alpha val="50000"/>
+      </a:schemeClr>
+    </dgm:fillClrLst>
+    <dgm:linClrLst meth="repeat">
+      <a:schemeClr val="lt1"/>
+    </dgm:linClrLst>
+    <dgm:effectClrLst/>
+    <dgm:txLinClrLst/>
+    <dgm:txFillClrLst/>
+    <dgm:txEffectClrLst/>
+  </dgm:styleLbl>
+  <dgm:styleLbl name="node4">
+    <dgm:fillClrLst>
+      <a:schemeClr val="accent3">
+        <a:alpha val="30000"/>
+      </a:schemeClr>
+    </dgm:fillClrLst>
+    <dgm:linClrLst meth="repeat">
+      <a:schemeClr val="lt1"/>
+    </dgm:linClrLst>
+    <dgm:effectClrLst/>
+    <dgm:txLinClrLst/>
+    <dgm:txFillClrLst/>
+    <dgm:txEffectClrLst/>
+  </dgm:styleLbl>
+  <dgm:styleLbl name="fgImgPlace1">
+    <dgm:fillClrLst>
+      <a:schemeClr val="accent3">
+        <a:tint val="50000"/>
+        <a:alpha val="90000"/>
+      </a:schemeClr>
+      <a:schemeClr val="accent3">
+        <a:tint val="20000"/>
+        <a:alpha val="50000"/>
+      </a:schemeClr>
+    </dgm:fillClrLst>
+    <dgm:linClrLst meth="repeat">
+      <a:schemeClr val="lt1"/>
+    </dgm:linClrLst>
+    <dgm:effectClrLst/>
+    <dgm:txLinClrLst/>
+    <dgm:txFillClrLst meth="repeat">
+      <a:schemeClr val="lt1"/>
+    </dgm:txFillClrLst>
+    <dgm:txEffectClrLst/>
+  </dgm:styleLbl>
+  <dgm:styleLbl name="alignImgPlace1">
+    <dgm:fillClrLst>
+      <a:schemeClr val="accent3">
+        <a:tint val="50000"/>
+      </a:schemeClr>
+      <a:schemeClr val="accent3">
+        <a:tint val="20000"/>
+      </a:schemeClr>
+    </dgm:fillClrLst>
+    <dgm:linClrLst meth="repeat">
+      <a:schemeClr val="lt1"/>
+    </dgm:linClrLst>
+    <dgm:effectClrLst/>
+    <dgm:txLinClrLst/>
+    <dgm:txFillClrLst meth="repeat">
+      <a:schemeClr val="lt1"/>
+    </dgm:txFillClrLst>
+    <dgm:txEffectClrLst/>
+  </dgm:styleLbl>
+  <dgm:styleLbl name="bgImgPlace1">
+    <dgm:fillClrLst>
+      <a:schemeClr val="accent3">
+        <a:tint val="50000"/>
+      </a:schemeClr>
+      <a:schemeClr val="accent3">
+        <a:tint val="20000"/>
+      </a:schemeClr>
+    </dgm:fillClrLst>
+    <dgm:linClrLst meth="repeat">
+      <a:schemeClr val="lt1"/>
+    </dgm:linClrLst>
+    <dgm:effectClrLst/>
+    <dgm:txLinClrLst/>
+    <dgm:txFillClrLst meth="repeat">
+      <a:schemeClr val="lt1"/>
+    </dgm:txFillClrLst>
+    <dgm:txEffectClrLst/>
+  </dgm:styleLbl>
+  <dgm:styleLbl name="sibTrans2D1">
+    <dgm:fillClrLst>
+      <a:schemeClr val="accent3">
+        <a:shade val="90000"/>
+      </a:schemeClr>
+      <a:schemeClr val="accent3">
+        <a:tint val="50000"/>
+      </a:schemeClr>
+    </dgm:fillClrLst>
+    <dgm:linClrLst>
+      <a:schemeClr val="accent3">
+        <a:shade val="90000"/>
+      </a:schemeClr>
+      <a:schemeClr val="accent3">
+        <a:tint val="50000"/>
+      </a:schemeClr>
+    </dgm:linClrLst>
+    <dgm:effectClrLst/>
+    <dgm:txLinClrLst/>
+    <dgm:txFillClrLst/>
+    <dgm:txEffectClrLst/>
+  </dgm:styleLbl>
+  <dgm:styleLbl name="fgSibTrans2D1">
+    <dgm:fillClrLst>
+      <a:schemeClr val="accent3">
+        <a:shade val="90000"/>
+      </a:schemeClr>
+      <a:schemeClr val="accent3">
+        <a:tint val="50000"/>
+      </a:schemeClr>
+    </dgm:fillClrLst>
+    <dgm:linClrLst>
+      <a:schemeClr val="accent3">
+        <a:shade val="90000"/>
+      </a:schemeClr>
+      <a:schemeClr val="accent3">
+        <a:tint val="50000"/>
+      </a:schemeClr>
+    </dgm:linClrLst>
+    <dgm:effectClrLst/>
+    <dgm:txLinClrLst/>
+    <dgm:txFillClrLst/>
+    <dgm:txEffectClrLst/>
+  </dgm:styleLbl>
+  <dgm:styleLbl name="bgSibTrans2D1">
+    <dgm:fillClrLst>
+      <a:schemeClr val="accent3">
+        <a:shade val="90000"/>
+      </a:schemeClr>
+      <a:schemeClr val="accent3">
+        <a:tint val="50000"/>
+      </a:schemeClr>
+    </dgm:fillClrLst>
+    <dgm:linClrLst>
+      <a:schemeClr val="accent3">
+        <a:shade val="90000"/>
+      </a:schemeClr>
+      <a:schemeClr val="accent3">
+        <a:tint val="50000"/>
+      </a:schemeClr>
+    </dgm:linClrLst>
+    <dgm:effectClrLst/>
+    <dgm:txLinClrLst/>
+    <dgm:txFillClrLst/>
+    <dgm:txEffectClrLst/>
+  </dgm:styleLbl>
+  <dgm:styleLbl name="sibTrans1D1">
+    <dgm:fillClrLst>
+      <a:schemeClr val="accent3">
+        <a:shade val="90000"/>
+      </a:schemeClr>
+      <a:schemeClr val="accent3">
+        <a:tint val="50000"/>
+      </a:schemeClr>
+    </dgm:fillClrLst>
+    <dgm:linClrLst>
+      <a:schemeClr val="accent3">
+        <a:shade val="90000"/>
+      </a:schemeClr>
+      <a:schemeClr val="accent3">
+        <a:tint val="50000"/>
+      </a:schemeClr>
+    </dgm:linClrLst>
+    <dgm:effectClrLst/>
+    <dgm:txLinClrLst/>
+    <dgm:txFillClrLst meth="repeat">
+      <a:schemeClr val="tx1"/>
+    </dgm:txFillClrLst>
+    <dgm:txEffectClrLst/>
+  </dgm:styleLbl>
+  <dgm:styleLbl name="callout">
+    <dgm:fillClrLst meth="repeat">
+      <a:schemeClr val="accent3"/>
+    </dgm:fillClrLst>
+    <dgm:linClrLst meth="repeat">
+      <a:schemeClr val="accent3"/>
+    </dgm:linClrLst>
+    <dgm:effectClrLst/>
+    <dgm:txLinClrLst/>
+    <dgm:txFillClrLst meth="repeat">
+      <a:schemeClr val="tx1"/>
+    </dgm:txFillClrLst>
+    <dgm:txEffectClrLst/>
+  </dgm:styleLbl>
+  <dgm:styleLbl name="asst0">
+    <dgm:fillClrLst meth="repeat">
+      <a:schemeClr val="accent3">
+        <a:alpha val="90000"/>
+      </a:schemeClr>
+    </dgm:fillClrLst>
+    <dgm:linClrLst meth="repeat">
+      <a:schemeClr val="lt1"/>
+    </dgm:linClrLst>
+    <dgm:effectClrLst/>
+    <dgm:txLinClrLst/>
+    <dgm:txFillClrLst/>
+    <dgm:txEffectClrLst/>
+  </dgm:styleLbl>
+  <dgm:styleLbl name="asst1">
+    <dgm:fillClrLst meth="repeat">
+      <a:schemeClr val="accent3">
+        <a:alpha val="90000"/>
+      </a:schemeClr>
+    </dgm:fillClrLst>
+    <dgm:linClrLst meth="repeat">
+      <a:schemeClr val="lt1"/>
+    </dgm:linClrLst>
+    <dgm:effectClrLst/>
+    <dgm:txLinClrLst/>
+    <dgm:txFillClrLst/>
+    <dgm:txEffectClrLst/>
+  </dgm:styleLbl>
+  <dgm:styleLbl name="asst2">
+    <dgm:fillClrLst>
+      <a:schemeClr val="accent3">
+        <a:alpha val="90000"/>
+      </a:schemeClr>
+    </dgm:fillClrLst>
+    <dgm:linClrLst meth="repeat">
+      <a:schemeClr val="lt1"/>
+    </dgm:linClrLst>
+    <dgm:effectClrLst/>
+    <dgm:txLinClrLst/>
+    <dgm:txFillClrLst/>
+    <dgm:txEffectClrLst/>
+  </dgm:styleLbl>
+  <dgm:styleLbl name="asst3">
+    <dgm:fillClrLst>
+      <a:schemeClr val="accent3">
+        <a:alpha val="70000"/>
+      </a:schemeClr>
+    </dgm:fillClrLst>
+    <dgm:linClrLst meth="repeat">
+      <a:schemeClr val="lt1"/>
+    </dgm:linClrLst>
+    <dgm:effectClrLst/>
+    <dgm:txLinClrLst/>
+    <dgm:txFillClrLst/>
+    <dgm:txEffectClrLst/>
+  </dgm:styleLbl>
+  <dgm:styleLbl name="asst4">
+    <dgm:fillClrLst>
+      <a:schemeClr val="accent3">
+        <a:alpha val="50000"/>
+      </a:schemeClr>
+    </dgm:fillClrLst>
+    <dgm:linClrLst meth="repeat">
+      <a:schemeClr val="lt1"/>
+    </dgm:linClrLst>
+    <dgm:effectClrLst/>
+    <dgm:txLinClrLst/>
+    <dgm:txFillClrLst/>
+    <dgm:txEffectClrLst/>
+  </dgm:styleLbl>
+  <dgm:styleLbl name="parChTrans2D1">
+    <dgm:fillClrLst meth="repeat">
+      <a:schemeClr val="accent3">
+        <a:shade val="80000"/>
+      </a:schemeClr>
+    </dgm:fillClrLst>
+    <dgm:linClrLst meth="repeat">
+      <a:schemeClr val="accent3">
+        <a:shade val="80000"/>
+      </a:schemeClr>
+    </dgm:linClrLst>
+    <dgm:effectClrLst/>
+    <dgm:txLinClrLst/>
+    <dgm:txFillClrLst/>
+    <dgm:txEffectClrLst/>
+  </dgm:styleLbl>
+  <dgm:styleLbl name="parChTrans2D2">
+    <dgm:fillClrLst meth="repeat">
+      <a:schemeClr val="accent3">
+        <a:tint val="90000"/>
+      </a:schemeClr>
+    </dgm:fillClrLst>
+    <dgm:linClrLst meth="repeat">
+      <a:schemeClr val="accent3">
+        <a:tint val="90000"/>
+      </a:schemeClr>
+    </dgm:linClrLst>
+    <dgm:effectClrLst/>
+    <dgm:txLinClrLst/>
+    <dgm:txFillClrLst/>
+    <dgm:txEffectClrLst/>
+  </dgm:styleLbl>
+  <dgm:styleLbl name="parChTrans2D3">
+    <dgm:fillClrLst meth="repeat">
+      <a:schemeClr val="accent3">
+        <a:tint val="70000"/>
+      </a:schemeClr>
+    </dgm:fillClrLst>
+    <dgm:linClrLst meth="repeat">
+      <a:schemeClr val="accent3">
+        <a:tint val="70000"/>
+      </a:schemeClr>
+    </dgm:linClrLst>
+    <dgm:effectClrLst/>
+    <dgm:txLinClrLst/>
+    <dgm:txFillClrLst/>
+    <dgm:txEffectClrLst/>
+  </dgm:styleLbl>
+  <dgm:styleLbl name="parChTrans2D4">
+    <dgm:fillClrLst meth="repeat">
+      <a:schemeClr val="accent3">
+        <a:tint val="50000"/>
+      </a:schemeClr>
+    </dgm:fillClrLst>
+    <dgm:linClrLst meth="repeat">
+      <a:schemeClr val="accent3">
+        <a:tint val="50000"/>
+      </a:schemeClr>
+    </dgm:linClrLst>
+    <dgm:effectClrLst/>
+    <dgm:txLinClrLst/>
+    <dgm:txFillClrLst meth="repeat">
+      <a:schemeClr val="dk1"/>
+    </dgm:txFillClrLst>
+    <dgm:txEffectClrLst/>
+  </dgm:styleLbl>
+  <dgm:styleLbl name="parChTrans1D1">
+    <dgm:fillClrLst meth="repeat">
+      <a:schemeClr val="accent3">
+        <a:shade val="80000"/>
+      </a:schemeClr>
+    </dgm:fillClrLst>
+    <dgm:linClrLst meth="repeat">
+      <a:schemeClr val="accent3">
+        <a:shade val="80000"/>
+      </a:schemeClr>
+    </dgm:linClrLst>
+    <dgm:effectClrLst/>
+    <dgm:txLinClrLst/>
+    <dgm:txFillClrLst meth="repeat">
+      <a:schemeClr val="tx1"/>
+    </dgm:txFillClrLst>
+    <dgm:txEffectClrLst/>
+  </dgm:styleLbl>
+  <dgm:styleLbl name="parChTrans1D2">
+    <dgm:fillClrLst meth="repeat">
+      <a:schemeClr val="accent3">
+        <a:tint val="90000"/>
+      </a:schemeClr>
+    </dgm:fillClrLst>
+    <dgm:linClrLst meth="repeat">
+      <a:schemeClr val="accent3">
+        <a:tint val="90000"/>
+      </a:schemeClr>
+    </dgm:linClrLst>
+    <dgm:effectClrLst/>
+    <dgm:txLinClrLst/>
+    <dgm:txFillClrLst meth="repeat">
+      <a:schemeClr val="tx1"/>
+    </dgm:txFillClrLst>
+    <dgm:txEffectClrLst/>
+  </dgm:styleLbl>
+  <dgm:styleLbl name="parChTrans1D3">
+    <dgm:fillClrLst meth="repeat">
+      <a:schemeClr val="accent3">
+        <a:tint val="70000"/>
+      </a:schemeClr>
+    </dgm:fillClrLst>
+    <dgm:linClrLst meth="repeat">
+      <a:schemeClr val="accent3">
+        <a:tint val="70000"/>
+      </a:schemeClr>
+    </dgm:linClrLst>
+    <dgm:effectClrLst/>
+    <dgm:txLinClrLst/>
+    <dgm:txFillClrLst meth="repeat">
+      <a:schemeClr val="tx1"/>
+    </dgm:txFillClrLst>
+    <dgm:txEffectClrLst/>
+  </dgm:styleLbl>
+  <dgm:styleLbl name="parChTrans1D4">
+    <dgm:fillClrLst meth="repeat">
+      <a:schemeClr val="accent3">
+        <a:tint val="50000"/>
+      </a:schemeClr>
+    </dgm:fillClrLst>
+    <dgm:linClrLst meth="repeat">
+      <a:schemeClr val="accent3">
+        <a:tint val="50000"/>
+      </a:schemeClr>
+    </dgm:linClrLst>
+    <dgm:effectClrLst/>
+    <dgm:txLinClrLst/>
+    <dgm:txFillClrLst meth="repeat">
+      <a:schemeClr val="tx1"/>
+    </dgm:txFillClrLst>
+    <dgm:txEffectClrLst/>
+  </dgm:styleLbl>
+  <dgm:styleLbl name="fgAcc1">
+    <dgm:fillClrLst meth="repeat">
+      <a:schemeClr val="lt1">
+        <a:alpha val="90000"/>
+      </a:schemeClr>
+    </dgm:fillClrLst>
+    <dgm:linClrLst>
+      <a:schemeClr val="accent3">
+        <a:alpha val="90000"/>
+      </a:schemeClr>
+      <a:schemeClr val="accent3">
+        <a:alpha val="50000"/>
+      </a:schemeClr>
+    </dgm:linClrLst>
+    <dgm:effectClrLst/>
+    <dgm:txLinClrLst/>
+    <dgm:txFillClrLst meth="repeat">
+      <a:schemeClr val="dk1"/>
+    </dgm:txFillClrLst>
+    <dgm:txEffectClrLst/>
+  </dgm:styleLbl>
+  <dgm:styleLbl name="conFgAcc1">
+    <dgm:fillClrLst meth="repeat">
+      <a:schemeClr val="lt1">
+        <a:alpha val="90000"/>
+      </a:schemeClr>
+    </dgm:fillClrLst>
+    <dgm:linClrLst>
+      <a:schemeClr val="accent3">
+        <a:alpha val="90000"/>
+      </a:schemeClr>
+      <a:schemeClr val="accent3">
+        <a:alpha val="50000"/>
+      </a:schemeClr>
+    </dgm:linClrLst>
+    <dgm:effectClrLst/>
+    <dgm:txLinClrLst/>
+    <dgm:txFillClrLst meth="repeat">
+      <a:schemeClr val="dk1"/>
+    </dgm:txFillClrLst>
+    <dgm:txEffectClrLst/>
+  </dgm:styleLbl>
+  <dgm:styleLbl name="alignAcc1">
+    <dgm:fillClrLst meth="repeat">
+      <a:schemeClr val="lt1">
+        <a:alpha val="90000"/>
+      </a:schemeClr>
+    </dgm:fillClrLst>
+    <dgm:linClrLst>
+      <a:schemeClr val="accent3">
+        <a:alpha val="90000"/>
+      </a:schemeClr>
+      <a:schemeClr val="accent3">
+        <a:alpha val="50000"/>
+      </a:schemeClr>
+    </dgm:linClrLst>
+    <dgm:effectClrLst/>
+    <dgm:txLinClrLst/>
+    <dgm:txFillClrLst meth="repeat">
+      <a:schemeClr val="dk1"/>
+    </dgm:txFillClrLst>
+    <dgm:txEffectClrLst/>
+  </dgm:styleLbl>
+  <dgm:styleLbl name="trAlignAcc1">
+    <dgm:fillClrLst meth="repeat">
+      <a:schemeClr val="lt1">
+        <a:alpha val="40000"/>
+      </a:schemeClr>
+    </dgm:fillClrLst>
+    <dgm:linClrLst>
+      <a:schemeClr val="accent3">
+        <a:alpha val="90000"/>
+      </a:schemeClr>
+      <a:schemeClr val="accent3">
+        <a:alpha val="50000"/>
+      </a:schemeClr>
+    </dgm:linClrLst>
+    <dgm:effectClrLst/>
+    <dgm:txLinClrLst/>
+    <dgm:txFillClrLst meth="repeat">
+      <a:schemeClr val="dk1"/>
+    </dgm:txFillClrLst>
+    <dgm:txEffectClrLst/>
+  </dgm:styleLbl>
+  <dgm:styleLbl name="bgAcc1">
+    <dgm:fillClrLst meth="repeat">
+      <a:schemeClr val="lt1">
+        <a:alpha val="90000"/>
+      </a:schemeClr>
+    </dgm:fillClrLst>
+    <dgm:linClrLst>
+      <a:schemeClr val="accent3">
+        <a:alpha val="90000"/>
+      </a:schemeClr>
+      <a:schemeClr val="accent3">
+        <a:alpha val="50000"/>
+      </a:schemeClr>
+    </dgm:linClrLst>
+    <dgm:effectClrLst/>
+    <dgm:txLinClrLst/>
+    <dgm:txFillClrLst meth="repeat">
+      <a:schemeClr val="dk1"/>
+    </dgm:txFillClrLst>
+    <dgm:txEffectClrLst/>
+  </dgm:styleLbl>
+  <dgm:styleLbl name="solidFgAcc1">
+    <dgm:fillClrLst meth="repeat">
+      <a:schemeClr val="lt1"/>
+    </dgm:fillClrLst>
+    <dgm:linClrLst>
+      <a:schemeClr val="accent3">
+        <a:alpha val="90000"/>
+      </a:schemeClr>
+      <a:schemeClr val="accent3">
+        <a:alpha val="50000"/>
+      </a:schemeClr>
+    </dgm:linClrLst>
+    <dgm:effectClrLst/>
+    <dgm:txLinClrLst/>
+    <dgm:txFillClrLst meth="repeat">
+      <a:schemeClr val="dk1"/>
+    </dgm:txFillClrLst>
+    <dgm:txEffectClrLst/>
+  </dgm:styleLbl>
+  <dgm:styleLbl name="solidAlignAcc1">
+    <dgm:fillClrLst meth="repeat">
+      <a:schemeClr val="lt1"/>
+    </dgm:fillClrLst>
+    <dgm:linClrLst meth="repeat">
+      <a:schemeClr val="accent3"/>
+    </dgm:linClrLst>
+    <dgm:effectClrLst/>
+    <dgm:txLinClrLst/>
+    <dgm:txFillClrLst meth="repeat">
+      <a:schemeClr val="dk1"/>
+    </dgm:txFillClrLst>
+    <dgm:txEffectClrLst/>
+  </dgm:styleLbl>
+  <dgm:styleLbl name="solidBgAcc1">
+    <dgm:fillClrLst meth="repeat">
+      <a:schemeClr val="lt1"/>
+    </dgm:fillClrLst>
+    <dgm:linClrLst meth="repeat">
+      <a:schemeClr val="accent3"/>
+    </dgm:linClrLst>
+    <dgm:effectClrLst/>
+    <dgm:txLinClrLst/>
+    <dgm:txFillClrLst meth="repeat">
+      <a:schemeClr val="dk1"/>
+    </dgm:txFillClrLst>
+    <dgm:txEffectClrLst/>
+  </dgm:styleLbl>
+  <dgm:styleLbl name="fgAccFollowNode1">
+    <dgm:fillClrLst>
+      <a:schemeClr val="accent3">
+        <a:alpha val="90000"/>
+        <a:tint val="40000"/>
+      </a:schemeClr>
+      <a:schemeClr val="accent3">
+        <a:alpha val="50000"/>
+        <a:tint val="40000"/>
+      </a:schemeClr>
+    </dgm:fillClrLst>
+    <dgm:linClrLst meth="repeat">
+      <a:schemeClr val="accent3">
+        <a:alpha val="90000"/>
+        <a:tint val="40000"/>
+      </a:schemeClr>
+    </dgm:linClrLst>
+    <dgm:effectClrLst/>
+    <dgm:txLinClrLst/>
+    <dgm:txFillClrLst meth="repeat">
+      <a:schemeClr val="dk1"/>
+    </dgm:txFillClrLst>
+    <dgm:txEffectClrLst/>
+  </dgm:styleLbl>
+  <dgm:styleLbl name="alignAccFollowNode1">
+    <dgm:fillClrLst meth="repeat">
+      <a:schemeClr val="accent3">
+        <a:alpha val="90000"/>
+        <a:tint val="40000"/>
+      </a:schemeClr>
+    </dgm:fillClrLst>
+    <dgm:linClrLst meth="repeat">
+      <a:schemeClr val="accent3">
+        <a:alpha val="90000"/>
+        <a:tint val="40000"/>
+      </a:schemeClr>
+    </dgm:linClrLst>
+    <dgm:effectClrLst/>
+    <dgm:txLinClrLst/>
+    <dgm:txFillClrLst meth="repeat">
+      <a:schemeClr val="dk1"/>
+    </dgm:txFillClrLst>
+    <dgm:txEffectClrLst/>
+  </dgm:styleLbl>
+  <dgm:styleLbl name="bgAccFollowNode1">
+    <dgm:fillClrLst meth="repeat">
+      <a:schemeClr val="accent3">
+        <a:alpha val="90000"/>
+        <a:tint val="40000"/>
+      </a:schemeClr>
+    </dgm:fillClrLst>
+    <dgm:linClrLst meth="repeat">
+      <a:schemeClr val="lt1"/>
+    </dgm:linClrLst>
+    <dgm:effectClrLst/>
+    <dgm:txLinClrLst/>
+    <dgm:txFillClrLst meth="repeat">
+      <a:schemeClr val="dk1"/>
+    </dgm:txFillClrLst>
+    <dgm:txEffectClrLst/>
+  </dgm:styleLbl>
+  <dgm:styleLbl name="fgAcc0">
+    <dgm:fillClrLst meth="repeat">
+      <a:schemeClr val="lt1">
+        <a:alpha val="90000"/>
+      </a:schemeClr>
+    </dgm:fillClrLst>
+    <dgm:linClrLst meth="repeat">
+      <a:schemeClr val="accent3">
+        <a:shade val="80000"/>
+      </a:schemeClr>
+    </dgm:linClrLst>
+    <dgm:effectClrLst/>
+    <dgm:txLinClrLst/>
+    <dgm:txFillClrLst meth="repeat">
+      <a:schemeClr val="dk1"/>
+    </dgm:txFillClrLst>
+    <dgm:txEffectClrLst/>
+  </dgm:styleLbl>
+  <dgm:styleLbl name="fgAcc2">
+    <dgm:fillClrLst meth="repeat">
+      <a:schemeClr val="lt1">
+        <a:alpha val="90000"/>
+      </a:schemeClr>
+    </dgm:fillClrLst>
+    <dgm:linClrLst meth="repeat">
+      <a:schemeClr val="accent3">
+        <a:tint val="90000"/>
+      </a:schemeClr>
+    </dgm:linClrLst>
+    <dgm:effectClrLst/>
+    <dgm:txLinClrLst/>
+    <dgm:txFillClrLst meth="repeat">
+      <a:schemeClr val="dk1"/>
+    </dgm:txFillClrLst>
+    <dgm:txEffectClrLst/>
+  </dgm:styleLbl>
+  <dgm:styleLbl name="fgAcc3">
+    <dgm:fillClrLst meth="repeat">
+      <a:schemeClr val="lt1">
+        <a:alpha val="90000"/>
+      </a:schemeClr>
+    </dgm:fillClrLst>
+    <dgm:linClrLst meth="repeat">
+      <a:schemeClr val="accent3">
+        <a:tint val="70000"/>
+      </a:schemeClr>
+    </dgm:linClrLst>
+    <dgm:effectClrLst/>
+    <dgm:txLinClrLst/>
+    <dgm:txFillClrLst meth="repeat">
+      <a:schemeClr val="dk1"/>
+    </dgm:txFillClrLst>
+    <dgm:txEffectClrLst/>
+  </dgm:styleLbl>
+  <dgm:styleLbl name="fgAcc4">
+    <dgm:fillClrLst meth="repeat">
+      <a:schemeClr val="lt1">
+        <a:alpha val="90000"/>
+      </a:schemeClr>
+    </dgm:fillClrLst>
+    <dgm:linClrLst meth="repeat">
+      <a:schemeClr val="accent3">
+        <a:tint val="50000"/>
+      </a:schemeClr>
+    </dgm:linClrLst>
+    <dgm:effectClrLst/>
+    <dgm:txLinClrLst/>
+    <dgm:txFillClrLst meth="repeat">
+      <a:schemeClr val="dk1"/>
+    </dgm:txFillClrLst>
+    <dgm:txEffectClrLst/>
+  </dgm:styleLbl>
+  <dgm:styleLbl name="bgShp">
+    <dgm:fillClrLst meth="repeat">
+      <a:schemeClr val="accent3">
+        <a:tint val="40000"/>
+      </a:schemeClr>
+    </dgm:fillClrLst>
+    <dgm:linClrLst meth="repeat">
+      <a:schemeClr val="dk1"/>
+    </dgm:linClrLst>
+    <dgm:effectClrLst/>
+    <dgm:txLinClrLst/>
+    <dgm:txFillClrLst meth="repeat">
+      <a:schemeClr val="dk1"/>
+    </dgm:txFillClrLst>
+    <dgm:txEffectClrLst/>
+  </dgm:styleLbl>
+  <dgm:styleLbl name="dkBgShp">
+    <dgm:fillClrLst meth="repeat">
+      <a:schemeClr val="accent3">
+        <a:shade val="90000"/>
+      </a:schemeClr>
+    </dgm:fillClrLst>
+    <dgm:linClrLst meth="repeat">
+      <a:schemeClr val="dk1"/>
+    </dgm:linClrLst>
+    <dgm:effectClrLst/>
+    <dgm:txLinClrLst/>
+    <dgm:txFillClrLst meth="repeat">
+      <a:schemeClr val="lt1"/>
+    </dgm:txFillClrLst>
+    <dgm:txEffectClrLst/>
+  </dgm:styleLbl>
+  <dgm:styleLbl name="trBgShp">
+    <dgm:fillClrLst meth="repeat">
+      <a:schemeClr val="accent3">
+        <a:tint val="50000"/>
+        <a:alpha val="40000"/>
+      </a:schemeClr>
+    </dgm:fillClrLst>
+    <dgm:linClrLst meth="repeat">
+      <a:schemeClr val="accent3"/>
+    </dgm:linClrLst>
+    <dgm:effectClrLst/>
+    <dgm:txLinClrLst/>
+    <dgm:txFillClrLst meth="repeat">
+      <a:schemeClr val="lt1"/>
+    </dgm:txFillClrLst>
+    <dgm:txEffectClrLst/>
+  </dgm:styleLbl>
+  <dgm:styleLbl name="fgShp">
+    <dgm:fillClrLst meth="repeat">
+      <a:schemeClr val="accent3">
+        <a:tint val="40000"/>
       </a:schemeClr>
     </dgm:fillClrLst>
     <dgm:linClrLst meth="repeat">
@@ -1189,6 +2069,374 @@
     <dgm:cxn modelId="{BFC08A19-05EA-4872-9B79-A11A70C84572}" type="presParOf" srcId="{6FAA4513-28BE-45ED-8695-3E57866796B6}" destId="{149B5B79-A422-4C47-941C-5719FEC0FBAA}" srcOrd="0" destOrd="0" presId="urn:microsoft.com/office/officeart/2005/8/layout/hierarchy1"/>
     <dgm:cxn modelId="{24931E08-1CF2-4AA4-B398-FD0A06E6B3BB}" type="presParOf" srcId="{6FAA4513-28BE-45ED-8695-3E57866796B6}" destId="{58AB861D-1ED9-45C2-AB7B-0570B4198E2A}" srcOrd="1" destOrd="0" presId="urn:microsoft.com/office/officeart/2005/8/layout/hierarchy1"/>
     <dgm:cxn modelId="{C956BF99-53BB-4FDC-B0B9-21351F6B168E}" type="presParOf" srcId="{CA00001E-4EEA-4002-A53A-91E314781A69}" destId="{69E7F914-DE8A-4191-A8DE-1E22CF222FEC}" srcOrd="1" destOrd="0" presId="urn:microsoft.com/office/officeart/2005/8/layout/hierarchy1"/>
+  </dgm:cxnLst>
+  <dgm:bg/>
+  <dgm:whole/>
+  <dgm:extLst>
+    <a:ext uri="http://schemas.microsoft.com/office/drawing/2008/diagram">
+      <dsp:dataModelExt xmlns:dsp="http://schemas.microsoft.com/office/drawing/2008/diagram" relId="rId7" minVer="http://schemas.openxmlformats.org/drawingml/2006/diagram"/>
+    </a:ext>
+  </dgm:extLst>
+</dgm:dataModel>
+</file>
+
+<file path=ppt/diagrams/data2.xml><?xml version="1.0" encoding="utf-8"?>
+<dgm:dataModel xmlns:dgm="http://schemas.openxmlformats.org/drawingml/2006/diagram" xmlns:a="http://schemas.openxmlformats.org/drawingml/2006/main">
+  <dgm:ptLst>
+    <dgm:pt modelId="{6D7A55AF-AE23-4D6D-8115-C640B35E3A9B}" type="doc">
+      <dgm:prSet loTypeId="urn:microsoft.com/office/officeart/2005/8/layout/venn1" loCatId="relationship" qsTypeId="urn:microsoft.com/office/officeart/2005/8/quickstyle/simple1" qsCatId="simple" csTypeId="urn:microsoft.com/office/officeart/2005/8/colors/accent3_5" csCatId="accent3"/>
+      <dgm:spPr/>
+      <dgm:t>
+        <a:bodyPr/>
+        <a:lstStyle/>
+        <a:p>
+          <a:endParaRPr lang="de-DE"/>
+        </a:p>
+      </dgm:t>
+    </dgm:pt>
+    <dgm:pt modelId="{E8AC7C08-7F76-4A76-AF93-23A7278C2511}">
+      <dgm:prSet/>
+      <dgm:spPr/>
+      <dgm:t>
+        <a:bodyPr/>
+        <a:lstStyle/>
+        <a:p>
+          <a:r>
+            <a:rPr lang="de-DE" b="1" dirty="0"/>
+            <a:t>Alle User-Stories </a:t>
+          </a:r>
+          <a:endParaRPr lang="de-DE" dirty="0"/>
+        </a:p>
+      </dgm:t>
+    </dgm:pt>
+    <dgm:pt modelId="{59F9A02A-9A5D-46C4-970B-091F809FF320}" type="parTrans" cxnId="{BC51388B-6FEB-44B7-9144-9B8DF1C59980}">
+      <dgm:prSet/>
+      <dgm:spPr/>
+      <dgm:t>
+        <a:bodyPr/>
+        <a:lstStyle/>
+        <a:p>
+          <a:endParaRPr lang="de-DE"/>
+        </a:p>
+      </dgm:t>
+    </dgm:pt>
+    <dgm:pt modelId="{CD2B6ADC-6018-4739-A95D-B67B336C23BF}" type="sibTrans" cxnId="{BC51388B-6FEB-44B7-9144-9B8DF1C59980}">
+      <dgm:prSet/>
+      <dgm:spPr/>
+      <dgm:t>
+        <a:bodyPr/>
+        <a:lstStyle/>
+        <a:p>
+          <a:endParaRPr lang="de-DE"/>
+        </a:p>
+      </dgm:t>
+    </dgm:pt>
+    <dgm:pt modelId="{BABA6C76-26F6-4C01-9E58-122912F1C24C}">
+      <dgm:prSet/>
+      <dgm:spPr/>
+      <dgm:t>
+        <a:bodyPr/>
+        <a:lstStyle/>
+        <a:p>
+          <a:r>
+            <a:rPr lang="de-DE" b="1"/>
+            <a:t>Testen ist wichtig und richtig</a:t>
+          </a:r>
+          <a:endParaRPr lang="de-DE"/>
+        </a:p>
+      </dgm:t>
+    </dgm:pt>
+    <dgm:pt modelId="{01D32549-73C2-4C27-AD4D-154AC20310D7}" type="parTrans" cxnId="{6DB04E16-136F-4509-9DCF-7449EF36F29E}">
+      <dgm:prSet/>
+      <dgm:spPr/>
+      <dgm:t>
+        <a:bodyPr/>
+        <a:lstStyle/>
+        <a:p>
+          <a:endParaRPr lang="de-DE"/>
+        </a:p>
+      </dgm:t>
+    </dgm:pt>
+    <dgm:pt modelId="{88CA863D-E19F-458A-984E-7E725A911624}" type="sibTrans" cxnId="{6DB04E16-136F-4509-9DCF-7449EF36F29E}">
+      <dgm:prSet/>
+      <dgm:spPr/>
+      <dgm:t>
+        <a:bodyPr/>
+        <a:lstStyle/>
+        <a:p>
+          <a:endParaRPr lang="de-DE"/>
+        </a:p>
+      </dgm:t>
+    </dgm:pt>
+    <dgm:pt modelId="{E7D5BD11-2FFF-483F-9DD9-1156679F3BC6}">
+      <dgm:prSet/>
+      <dgm:spPr/>
+      <dgm:t>
+        <a:bodyPr/>
+        <a:lstStyle/>
+        <a:p>
+          <a:r>
+            <a:rPr lang="de-DE" b="1" dirty="0"/>
+            <a:t>Viele Technologien</a:t>
+          </a:r>
+          <a:endParaRPr lang="de-DE" dirty="0"/>
+        </a:p>
+      </dgm:t>
+    </dgm:pt>
+    <dgm:pt modelId="{C4213200-172E-4104-8713-00D111D89248}" type="parTrans" cxnId="{71550321-6347-4253-A21F-AA3A42ADF668}">
+      <dgm:prSet/>
+      <dgm:spPr/>
+      <dgm:t>
+        <a:bodyPr/>
+        <a:lstStyle/>
+        <a:p>
+          <a:endParaRPr lang="de-DE"/>
+        </a:p>
+      </dgm:t>
+    </dgm:pt>
+    <dgm:pt modelId="{093241E5-05E7-4411-87D7-C2713F2D8913}" type="sibTrans" cxnId="{71550321-6347-4253-A21F-AA3A42ADF668}">
+      <dgm:prSet/>
+      <dgm:spPr/>
+      <dgm:t>
+        <a:bodyPr/>
+        <a:lstStyle/>
+        <a:p>
+          <a:endParaRPr lang="de-DE"/>
+        </a:p>
+      </dgm:t>
+    </dgm:pt>
+    <dgm:pt modelId="{E69A39AF-86AA-4C10-990A-BEDF8DE9FCCC}">
+      <dgm:prSet/>
+      <dgm:spPr/>
+      <dgm:t>
+        <a:bodyPr/>
+        <a:lstStyle/>
+        <a:p>
+          <a:r>
+            <a:rPr lang="de-DE" b="1" dirty="0"/>
+            <a:t>Mentor-Mentee-Beziehungen</a:t>
+          </a:r>
+          <a:endParaRPr lang="de-DE" dirty="0"/>
+        </a:p>
+      </dgm:t>
+    </dgm:pt>
+    <dgm:pt modelId="{9E0374F9-8B9E-47C1-B1AF-D655936B1171}" type="parTrans" cxnId="{3A915B46-F098-4F39-B5B0-B19F32FD7931}">
+      <dgm:prSet/>
+      <dgm:spPr/>
+      <dgm:t>
+        <a:bodyPr/>
+        <a:lstStyle/>
+        <a:p>
+          <a:endParaRPr lang="de-DE"/>
+        </a:p>
+      </dgm:t>
+    </dgm:pt>
+    <dgm:pt modelId="{DBBD0A6A-2FC8-47FD-A67C-187CFD6CA64C}" type="sibTrans" cxnId="{3A915B46-F098-4F39-B5B0-B19F32FD7931}">
+      <dgm:prSet/>
+      <dgm:spPr/>
+      <dgm:t>
+        <a:bodyPr/>
+        <a:lstStyle/>
+        <a:p>
+          <a:endParaRPr lang="de-DE"/>
+        </a:p>
+      </dgm:t>
+    </dgm:pt>
+    <dgm:pt modelId="{0E6B4B5E-8154-436B-9A0D-A098A05BD0A1}">
+      <dgm:prSet/>
+      <dgm:spPr/>
+      <dgm:t>
+        <a:bodyPr/>
+        <a:lstStyle/>
+        <a:p>
+          <a:r>
+            <a:rPr lang="de-DE" b="1"/>
+            <a:t>Persönliche Meeting</a:t>
+          </a:r>
+          <a:endParaRPr lang="de-DE"/>
+        </a:p>
+      </dgm:t>
+    </dgm:pt>
+    <dgm:pt modelId="{F627725C-E24B-4807-8231-9CB932B129B9}" type="parTrans" cxnId="{EF81CA84-CA5A-4C97-8DEA-9CA874C7F35C}">
+      <dgm:prSet/>
+      <dgm:spPr/>
+      <dgm:t>
+        <a:bodyPr/>
+        <a:lstStyle/>
+        <a:p>
+          <a:endParaRPr lang="de-DE"/>
+        </a:p>
+      </dgm:t>
+    </dgm:pt>
+    <dgm:pt modelId="{A97B0918-870D-4F65-847D-1A506B324B12}" type="sibTrans" cxnId="{EF81CA84-CA5A-4C97-8DEA-9CA874C7F35C}">
+      <dgm:prSet/>
+      <dgm:spPr/>
+      <dgm:t>
+        <a:bodyPr/>
+        <a:lstStyle/>
+        <a:p>
+          <a:endParaRPr lang="de-DE"/>
+        </a:p>
+      </dgm:t>
+    </dgm:pt>
+    <dgm:pt modelId="{428C3AB0-DA70-4131-8D03-5641889988C3}">
+      <dgm:prSet/>
+      <dgm:spPr/>
+      <dgm:t>
+        <a:bodyPr/>
+        <a:lstStyle/>
+        <a:p>
+          <a:r>
+            <a:rPr lang="de-DE" b="1" dirty="0"/>
+            <a:t>Mockup</a:t>
+          </a:r>
+          <a:endParaRPr lang="de-DE" dirty="0"/>
+        </a:p>
+      </dgm:t>
+    </dgm:pt>
+    <dgm:pt modelId="{EB574460-7B03-4EBF-8296-0A8631B3F239}" type="parTrans" cxnId="{150D8E9C-A231-4835-B89B-CD6E5813BE94}">
+      <dgm:prSet/>
+      <dgm:spPr/>
+      <dgm:t>
+        <a:bodyPr/>
+        <a:lstStyle/>
+        <a:p>
+          <a:endParaRPr lang="de-DE"/>
+        </a:p>
+      </dgm:t>
+    </dgm:pt>
+    <dgm:pt modelId="{23337770-F52F-46CA-8988-02B9153D1BF5}" type="sibTrans" cxnId="{150D8E9C-A231-4835-B89B-CD6E5813BE94}">
+      <dgm:prSet/>
+      <dgm:spPr/>
+      <dgm:t>
+        <a:bodyPr/>
+        <a:lstStyle/>
+        <a:p>
+          <a:endParaRPr lang="de-DE"/>
+        </a:p>
+      </dgm:t>
+    </dgm:pt>
+    <dgm:pt modelId="{359BF485-6FEE-49F4-B3A3-639E428D87F7}" type="pres">
+      <dgm:prSet presAssocID="{6D7A55AF-AE23-4D6D-8115-C640B35E3A9B}" presName="compositeShape" presStyleCnt="0">
+        <dgm:presLayoutVars>
+          <dgm:chMax val="7"/>
+          <dgm:dir/>
+          <dgm:resizeHandles val="exact"/>
+        </dgm:presLayoutVars>
+      </dgm:prSet>
+      <dgm:spPr/>
+    </dgm:pt>
+    <dgm:pt modelId="{BA7B33E7-D7DF-432D-BD39-17CFDA8430E8}" type="pres">
+      <dgm:prSet presAssocID="{E8AC7C08-7F76-4A76-AF93-23A7278C2511}" presName="circ1" presStyleLbl="vennNode1" presStyleIdx="0" presStyleCnt="6"/>
+      <dgm:spPr/>
+    </dgm:pt>
+    <dgm:pt modelId="{A43F60DA-7F3A-4CAC-8E1C-6067D752825D}" type="pres">
+      <dgm:prSet presAssocID="{E8AC7C08-7F76-4A76-AF93-23A7278C2511}" presName="circ1Tx" presStyleLbl="revTx" presStyleIdx="0" presStyleCnt="0">
+        <dgm:presLayoutVars>
+          <dgm:chMax val="0"/>
+          <dgm:chPref val="0"/>
+          <dgm:bulletEnabled val="1"/>
+        </dgm:presLayoutVars>
+      </dgm:prSet>
+      <dgm:spPr/>
+    </dgm:pt>
+    <dgm:pt modelId="{252F9DFA-3FBF-4780-B573-8FF953692268}" type="pres">
+      <dgm:prSet presAssocID="{BABA6C76-26F6-4C01-9E58-122912F1C24C}" presName="circ2" presStyleLbl="vennNode1" presStyleIdx="1" presStyleCnt="6"/>
+      <dgm:spPr/>
+    </dgm:pt>
+    <dgm:pt modelId="{2A2885E0-E06B-40EB-AA76-BA54A9DC59D8}" type="pres">
+      <dgm:prSet presAssocID="{BABA6C76-26F6-4C01-9E58-122912F1C24C}" presName="circ2Tx" presStyleLbl="revTx" presStyleIdx="0" presStyleCnt="0">
+        <dgm:presLayoutVars>
+          <dgm:chMax val="0"/>
+          <dgm:chPref val="0"/>
+          <dgm:bulletEnabled val="1"/>
+        </dgm:presLayoutVars>
+      </dgm:prSet>
+      <dgm:spPr/>
+    </dgm:pt>
+    <dgm:pt modelId="{2DA7F986-01B9-4397-8F0F-6001D7C27F4B}" type="pres">
+      <dgm:prSet presAssocID="{E7D5BD11-2FFF-483F-9DD9-1156679F3BC6}" presName="circ3" presStyleLbl="vennNode1" presStyleIdx="2" presStyleCnt="6"/>
+      <dgm:spPr/>
+    </dgm:pt>
+    <dgm:pt modelId="{186842FF-A225-4561-BAB8-38C7BF0CB5F9}" type="pres">
+      <dgm:prSet presAssocID="{E7D5BD11-2FFF-483F-9DD9-1156679F3BC6}" presName="circ3Tx" presStyleLbl="revTx" presStyleIdx="0" presStyleCnt="0">
+        <dgm:presLayoutVars>
+          <dgm:chMax val="0"/>
+          <dgm:chPref val="0"/>
+          <dgm:bulletEnabled val="1"/>
+        </dgm:presLayoutVars>
+      </dgm:prSet>
+      <dgm:spPr/>
+    </dgm:pt>
+    <dgm:pt modelId="{D281BE1A-6E8D-43F7-A1F9-3F1ECF6D1D94}" type="pres">
+      <dgm:prSet presAssocID="{E69A39AF-86AA-4C10-990A-BEDF8DE9FCCC}" presName="circ4" presStyleLbl="vennNode1" presStyleIdx="3" presStyleCnt="6"/>
+      <dgm:spPr/>
+    </dgm:pt>
+    <dgm:pt modelId="{CEE3B31A-8C1D-4C65-BB92-68061AF8CE48}" type="pres">
+      <dgm:prSet presAssocID="{E69A39AF-86AA-4C10-990A-BEDF8DE9FCCC}" presName="circ4Tx" presStyleLbl="revTx" presStyleIdx="0" presStyleCnt="0">
+        <dgm:presLayoutVars>
+          <dgm:chMax val="0"/>
+          <dgm:chPref val="0"/>
+          <dgm:bulletEnabled val="1"/>
+        </dgm:presLayoutVars>
+      </dgm:prSet>
+      <dgm:spPr/>
+    </dgm:pt>
+    <dgm:pt modelId="{30F68546-248F-48A7-B61D-00F862945016}" type="pres">
+      <dgm:prSet presAssocID="{0E6B4B5E-8154-436B-9A0D-A098A05BD0A1}" presName="circ5" presStyleLbl="vennNode1" presStyleIdx="4" presStyleCnt="6"/>
+      <dgm:spPr/>
+    </dgm:pt>
+    <dgm:pt modelId="{0487B6F0-24F1-4E6F-A3CC-05F83BD7EE0D}" type="pres">
+      <dgm:prSet presAssocID="{0E6B4B5E-8154-436B-9A0D-A098A05BD0A1}" presName="circ5Tx" presStyleLbl="revTx" presStyleIdx="0" presStyleCnt="0">
+        <dgm:presLayoutVars>
+          <dgm:chMax val="0"/>
+          <dgm:chPref val="0"/>
+          <dgm:bulletEnabled val="1"/>
+        </dgm:presLayoutVars>
+      </dgm:prSet>
+      <dgm:spPr/>
+    </dgm:pt>
+    <dgm:pt modelId="{92E57EFB-29B0-40A5-9DCB-F02A3A91060D}" type="pres">
+      <dgm:prSet presAssocID="{428C3AB0-DA70-4131-8D03-5641889988C3}" presName="circ6" presStyleLbl="vennNode1" presStyleIdx="5" presStyleCnt="6"/>
+      <dgm:spPr/>
+    </dgm:pt>
+    <dgm:pt modelId="{A85B139B-740D-496D-AB79-BEBFD48A8081}" type="pres">
+      <dgm:prSet presAssocID="{428C3AB0-DA70-4131-8D03-5641889988C3}" presName="circ6Tx" presStyleLbl="revTx" presStyleIdx="0" presStyleCnt="0">
+        <dgm:presLayoutVars>
+          <dgm:chMax val="0"/>
+          <dgm:chPref val="0"/>
+          <dgm:bulletEnabled val="1"/>
+        </dgm:presLayoutVars>
+      </dgm:prSet>
+      <dgm:spPr/>
+    </dgm:pt>
+  </dgm:ptLst>
+  <dgm:cxnLst>
+    <dgm:cxn modelId="{6DB04E16-136F-4509-9DCF-7449EF36F29E}" srcId="{6D7A55AF-AE23-4D6D-8115-C640B35E3A9B}" destId="{BABA6C76-26F6-4C01-9E58-122912F1C24C}" srcOrd="1" destOrd="0" parTransId="{01D32549-73C2-4C27-AD4D-154AC20310D7}" sibTransId="{88CA863D-E19F-458A-984E-7E725A911624}"/>
+    <dgm:cxn modelId="{71550321-6347-4253-A21F-AA3A42ADF668}" srcId="{6D7A55AF-AE23-4D6D-8115-C640B35E3A9B}" destId="{E7D5BD11-2FFF-483F-9DD9-1156679F3BC6}" srcOrd="2" destOrd="0" parTransId="{C4213200-172E-4104-8713-00D111D89248}" sibTransId="{093241E5-05E7-4411-87D7-C2713F2D8913}"/>
+    <dgm:cxn modelId="{B9B02F2C-17CE-4D9E-AB4A-B25C4CD58986}" type="presOf" srcId="{E69A39AF-86AA-4C10-990A-BEDF8DE9FCCC}" destId="{CEE3B31A-8C1D-4C65-BB92-68061AF8CE48}" srcOrd="0" destOrd="0" presId="urn:microsoft.com/office/officeart/2005/8/layout/venn1"/>
+    <dgm:cxn modelId="{3A915B46-F098-4F39-B5B0-B19F32FD7931}" srcId="{6D7A55AF-AE23-4D6D-8115-C640B35E3A9B}" destId="{E69A39AF-86AA-4C10-990A-BEDF8DE9FCCC}" srcOrd="3" destOrd="0" parTransId="{9E0374F9-8B9E-47C1-B1AF-D655936B1171}" sibTransId="{DBBD0A6A-2FC8-47FD-A67C-187CFD6CA64C}"/>
+    <dgm:cxn modelId="{D7E6DC46-23BF-4FCF-BA1A-36B50C8FF331}" type="presOf" srcId="{0E6B4B5E-8154-436B-9A0D-A098A05BD0A1}" destId="{0487B6F0-24F1-4E6F-A3CC-05F83BD7EE0D}" srcOrd="0" destOrd="0" presId="urn:microsoft.com/office/officeart/2005/8/layout/venn1"/>
+    <dgm:cxn modelId="{EF81CA84-CA5A-4C97-8DEA-9CA874C7F35C}" srcId="{6D7A55AF-AE23-4D6D-8115-C640B35E3A9B}" destId="{0E6B4B5E-8154-436B-9A0D-A098A05BD0A1}" srcOrd="4" destOrd="0" parTransId="{F627725C-E24B-4807-8231-9CB932B129B9}" sibTransId="{A97B0918-870D-4F65-847D-1A506B324B12}"/>
+    <dgm:cxn modelId="{BC51388B-6FEB-44B7-9144-9B8DF1C59980}" srcId="{6D7A55AF-AE23-4D6D-8115-C640B35E3A9B}" destId="{E8AC7C08-7F76-4A76-AF93-23A7278C2511}" srcOrd="0" destOrd="0" parTransId="{59F9A02A-9A5D-46C4-970B-091F809FF320}" sibTransId="{CD2B6ADC-6018-4739-A95D-B67B336C23BF}"/>
+    <dgm:cxn modelId="{1F875E99-3F3B-426A-9DA8-CB8902568762}" type="presOf" srcId="{E7D5BD11-2FFF-483F-9DD9-1156679F3BC6}" destId="{186842FF-A225-4561-BAB8-38C7BF0CB5F9}" srcOrd="0" destOrd="0" presId="urn:microsoft.com/office/officeart/2005/8/layout/venn1"/>
+    <dgm:cxn modelId="{6C7A659C-497B-4F03-B448-AA68794C2D38}" type="presOf" srcId="{BABA6C76-26F6-4C01-9E58-122912F1C24C}" destId="{2A2885E0-E06B-40EB-AA76-BA54A9DC59D8}" srcOrd="0" destOrd="0" presId="urn:microsoft.com/office/officeart/2005/8/layout/venn1"/>
+    <dgm:cxn modelId="{150D8E9C-A231-4835-B89B-CD6E5813BE94}" srcId="{6D7A55AF-AE23-4D6D-8115-C640B35E3A9B}" destId="{428C3AB0-DA70-4131-8D03-5641889988C3}" srcOrd="5" destOrd="0" parTransId="{EB574460-7B03-4EBF-8296-0A8631B3F239}" sibTransId="{23337770-F52F-46CA-8988-02B9153D1BF5}"/>
+    <dgm:cxn modelId="{02B6D9A7-9536-4406-8843-AE74FC0B53E1}" type="presOf" srcId="{E8AC7C08-7F76-4A76-AF93-23A7278C2511}" destId="{A43F60DA-7F3A-4CAC-8E1C-6067D752825D}" srcOrd="0" destOrd="0" presId="urn:microsoft.com/office/officeart/2005/8/layout/venn1"/>
+    <dgm:cxn modelId="{921DF7D5-ABB0-490C-93FC-9EE599DA1D8B}" type="presOf" srcId="{428C3AB0-DA70-4131-8D03-5641889988C3}" destId="{A85B139B-740D-496D-AB79-BEBFD48A8081}" srcOrd="0" destOrd="0" presId="urn:microsoft.com/office/officeart/2005/8/layout/venn1"/>
+    <dgm:cxn modelId="{56C683DF-5274-4244-910F-AF82DFAF860A}" type="presOf" srcId="{6D7A55AF-AE23-4D6D-8115-C640B35E3A9B}" destId="{359BF485-6FEE-49F4-B3A3-639E428D87F7}" srcOrd="0" destOrd="0" presId="urn:microsoft.com/office/officeart/2005/8/layout/venn1"/>
+    <dgm:cxn modelId="{2A144FD7-A309-4C94-9EEB-3A94F38B8409}" type="presParOf" srcId="{359BF485-6FEE-49F4-B3A3-639E428D87F7}" destId="{BA7B33E7-D7DF-432D-BD39-17CFDA8430E8}" srcOrd="0" destOrd="0" presId="urn:microsoft.com/office/officeart/2005/8/layout/venn1"/>
+    <dgm:cxn modelId="{F663F6DF-9CE9-4178-AEF5-12959EDB3F47}" type="presParOf" srcId="{359BF485-6FEE-49F4-B3A3-639E428D87F7}" destId="{A43F60DA-7F3A-4CAC-8E1C-6067D752825D}" srcOrd="1" destOrd="0" presId="urn:microsoft.com/office/officeart/2005/8/layout/venn1"/>
+    <dgm:cxn modelId="{900394A5-EF81-4773-B2C2-8A4838B4F249}" type="presParOf" srcId="{359BF485-6FEE-49F4-B3A3-639E428D87F7}" destId="{252F9DFA-3FBF-4780-B573-8FF953692268}" srcOrd="2" destOrd="0" presId="urn:microsoft.com/office/officeart/2005/8/layout/venn1"/>
+    <dgm:cxn modelId="{8D9EA102-0B00-45F6-B57C-0F949447F218}" type="presParOf" srcId="{359BF485-6FEE-49F4-B3A3-639E428D87F7}" destId="{2A2885E0-E06B-40EB-AA76-BA54A9DC59D8}" srcOrd="3" destOrd="0" presId="urn:microsoft.com/office/officeart/2005/8/layout/venn1"/>
+    <dgm:cxn modelId="{50BCE1E2-3936-40AD-AB49-75627B32D668}" type="presParOf" srcId="{359BF485-6FEE-49F4-B3A3-639E428D87F7}" destId="{2DA7F986-01B9-4397-8F0F-6001D7C27F4B}" srcOrd="4" destOrd="0" presId="urn:microsoft.com/office/officeart/2005/8/layout/venn1"/>
+    <dgm:cxn modelId="{61B4AB02-23FD-4E9C-8775-52C0A7267478}" type="presParOf" srcId="{359BF485-6FEE-49F4-B3A3-639E428D87F7}" destId="{186842FF-A225-4561-BAB8-38C7BF0CB5F9}" srcOrd="5" destOrd="0" presId="urn:microsoft.com/office/officeart/2005/8/layout/venn1"/>
+    <dgm:cxn modelId="{D4DCFF97-2B9B-4F05-A7A2-3EF5A49ED221}" type="presParOf" srcId="{359BF485-6FEE-49F4-B3A3-639E428D87F7}" destId="{D281BE1A-6E8D-43F7-A1F9-3F1ECF6D1D94}" srcOrd="6" destOrd="0" presId="urn:microsoft.com/office/officeart/2005/8/layout/venn1"/>
+    <dgm:cxn modelId="{642136EA-94EF-4D66-8150-2FD293B520FE}" type="presParOf" srcId="{359BF485-6FEE-49F4-B3A3-639E428D87F7}" destId="{CEE3B31A-8C1D-4C65-BB92-68061AF8CE48}" srcOrd="7" destOrd="0" presId="urn:microsoft.com/office/officeart/2005/8/layout/venn1"/>
+    <dgm:cxn modelId="{FC97086C-FA29-4D23-9364-0C7116D4EBAB}" type="presParOf" srcId="{359BF485-6FEE-49F4-B3A3-639E428D87F7}" destId="{30F68546-248F-48A7-B61D-00F862945016}" srcOrd="8" destOrd="0" presId="urn:microsoft.com/office/officeart/2005/8/layout/venn1"/>
+    <dgm:cxn modelId="{7B274D12-7E20-472D-BEB6-77C2853F325F}" type="presParOf" srcId="{359BF485-6FEE-49F4-B3A3-639E428D87F7}" destId="{0487B6F0-24F1-4E6F-A3CC-05F83BD7EE0D}" srcOrd="9" destOrd="0" presId="urn:microsoft.com/office/officeart/2005/8/layout/venn1"/>
+    <dgm:cxn modelId="{7F8E6BA1-E513-4EED-9D43-D8977EE80E49}" type="presParOf" srcId="{359BF485-6FEE-49F4-B3A3-639E428D87F7}" destId="{92E57EFB-29B0-40A5-9DCB-F02A3A91060D}" srcOrd="10" destOrd="0" presId="urn:microsoft.com/office/officeart/2005/8/layout/venn1"/>
+    <dgm:cxn modelId="{53834A23-51D9-4C4E-9D00-DF35F63BF321}" type="presParOf" srcId="{359BF485-6FEE-49F4-B3A3-639E428D87F7}" destId="{A85B139B-740D-496D-AB79-BEBFD48A8081}" srcOrd="11" destOrd="0" presId="urn:microsoft.com/office/officeart/2005/8/layout/venn1"/>
   </dgm:cxnLst>
   <dgm:bg/>
   <dgm:whole/>
@@ -1671,6 +2919,696 @@
       <dsp:txXfrm>
         <a:off x="6337348" y="715097"/>
         <a:ext cx="2370338" cy="1471739"/>
+      </dsp:txXfrm>
+    </dsp:sp>
+  </dsp:spTree>
+</dsp:drawing>
+</file>
+
+<file path=ppt/diagrams/drawing2.xml><?xml version="1.0" encoding="utf-8"?>
+<dsp:drawing xmlns:dgm="http://schemas.openxmlformats.org/drawingml/2006/diagram" xmlns:dsp="http://schemas.microsoft.com/office/drawing/2008/diagram" xmlns:a="http://schemas.openxmlformats.org/drawingml/2006/main">
+  <dsp:spTree>
+    <dsp:nvGrpSpPr>
+      <dsp:cNvPr id="0" name=""/>
+      <dsp:cNvGrpSpPr/>
+    </dsp:nvGrpSpPr>
+    <dsp:grpSpPr/>
+    <dsp:sp modelId="{BA7B33E7-D7DF-432D-BD39-17CFDA8430E8}">
+      <dsp:nvSpPr>
+        <dsp:cNvPr id="0" name=""/>
+        <dsp:cNvSpPr/>
+      </dsp:nvSpPr>
+      <dsp:spPr>
+        <a:xfrm>
+          <a:off x="3624894" y="1122401"/>
+          <a:ext cx="1503686" cy="1503686"/>
+        </a:xfrm>
+        <a:prstGeom prst="ellipse">
+          <a:avLst/>
+        </a:prstGeom>
+        <a:solidFill>
+          <a:schemeClr val="accent3">
+            <a:shade val="80000"/>
+            <a:alpha val="50000"/>
+            <a:hueOff val="0"/>
+            <a:satOff val="0"/>
+            <a:lumOff val="0"/>
+            <a:alphaOff val="0"/>
+          </a:schemeClr>
+        </a:solidFill>
+        <a:ln w="25400" cap="flat" cmpd="sng" algn="ctr">
+          <a:solidFill>
+            <a:schemeClr val="lt1">
+              <a:hueOff val="0"/>
+              <a:satOff val="0"/>
+              <a:lumOff val="0"/>
+              <a:alphaOff val="0"/>
+            </a:schemeClr>
+          </a:solidFill>
+          <a:prstDash val="solid"/>
+        </a:ln>
+        <a:effectLst/>
+      </dsp:spPr>
+      <dsp:style>
+        <a:lnRef idx="2">
+          <a:scrgbClr r="0" g="0" b="0"/>
+        </a:lnRef>
+        <a:fillRef idx="1">
+          <a:scrgbClr r="0" g="0" b="0"/>
+        </a:fillRef>
+        <a:effectRef idx="0">
+          <a:scrgbClr r="0" g="0" b="0"/>
+        </a:effectRef>
+        <a:fontRef idx="minor">
+          <a:schemeClr val="tx1"/>
+        </a:fontRef>
+      </dsp:style>
+    </dsp:sp>
+    <dsp:sp modelId="{A43F60DA-7F3A-4CAC-8E1C-6067D752825D}">
+      <dsp:nvSpPr>
+        <dsp:cNvPr id="0" name=""/>
+        <dsp:cNvSpPr/>
+      </dsp:nvSpPr>
+      <dsp:spPr>
+        <a:xfrm>
+          <a:off x="3436933" y="0"/>
+          <a:ext cx="1879608" cy="1023911"/>
+        </a:xfrm>
+        <a:prstGeom prst="rect">
+          <a:avLst/>
+        </a:prstGeom>
+        <a:noFill/>
+        <a:ln>
+          <a:noFill/>
+        </a:ln>
+        <a:effectLst/>
+        <a:sp3d/>
+      </dsp:spPr>
+      <dsp:style>
+        <a:lnRef idx="0">
+          <a:scrgbClr r="0" g="0" b="0"/>
+        </a:lnRef>
+        <a:fillRef idx="0">
+          <a:scrgbClr r="0" g="0" b="0"/>
+        </a:fillRef>
+        <a:effectRef idx="0">
+          <a:scrgbClr r="0" g="0" b="0"/>
+        </a:effectRef>
+        <a:fontRef idx="minor"/>
+      </dsp:style>
+      <dsp:txBody>
+        <a:bodyPr spcFirstLastPara="0" vert="horz" wrap="square" lIns="0" tIns="0" rIns="0" bIns="0" numCol="1" spcCol="1270" anchor="ctr" anchorCtr="0">
+          <a:noAutofit/>
+        </a:bodyPr>
+        <a:lstStyle/>
+        <a:p>
+          <a:pPr marL="0" lvl="0" indent="0" algn="ctr" defTabSz="1066800">
+            <a:lnSpc>
+              <a:spcPct val="90000"/>
+            </a:lnSpc>
+            <a:spcBef>
+              <a:spcPct val="0"/>
+            </a:spcBef>
+            <a:spcAft>
+              <a:spcPct val="35000"/>
+            </a:spcAft>
+            <a:buNone/>
+          </a:pPr>
+          <a:r>
+            <a:rPr lang="de-DE" sz="2400" b="1" kern="1200" dirty="0"/>
+            <a:t>Alle User-Stories </a:t>
+          </a:r>
+          <a:endParaRPr lang="de-DE" sz="2400" kern="1200" dirty="0"/>
+        </a:p>
+      </dsp:txBody>
+      <dsp:txXfrm>
+        <a:off x="3436933" y="0"/>
+        <a:ext cx="1879608" cy="1023911"/>
+      </dsp:txXfrm>
+    </dsp:sp>
+    <dsp:sp modelId="{252F9DFA-3FBF-4780-B573-8FF953692268}">
+      <dsp:nvSpPr>
+        <dsp:cNvPr id="0" name=""/>
+        <dsp:cNvSpPr/>
+      </dsp:nvSpPr>
+      <dsp:spPr>
+        <a:xfrm>
+          <a:off x="4112965" y="1404221"/>
+          <a:ext cx="1503686" cy="1503686"/>
+        </a:xfrm>
+        <a:prstGeom prst="ellipse">
+          <a:avLst/>
+        </a:prstGeom>
+        <a:solidFill>
+          <a:schemeClr val="accent3">
+            <a:shade val="80000"/>
+            <a:alpha val="50000"/>
+            <a:hueOff val="1591"/>
+            <a:satOff val="0"/>
+            <a:lumOff val="891"/>
+            <a:alphaOff val="6000"/>
+          </a:schemeClr>
+        </a:solidFill>
+        <a:ln w="25400" cap="flat" cmpd="sng" algn="ctr">
+          <a:solidFill>
+            <a:schemeClr val="lt1">
+              <a:hueOff val="0"/>
+              <a:satOff val="0"/>
+              <a:lumOff val="0"/>
+              <a:alphaOff val="0"/>
+            </a:schemeClr>
+          </a:solidFill>
+          <a:prstDash val="solid"/>
+        </a:ln>
+        <a:effectLst/>
+      </dsp:spPr>
+      <dsp:style>
+        <a:lnRef idx="2">
+          <a:scrgbClr r="0" g="0" b="0"/>
+        </a:lnRef>
+        <a:fillRef idx="1">
+          <a:scrgbClr r="0" g="0" b="0"/>
+        </a:fillRef>
+        <a:effectRef idx="0">
+          <a:scrgbClr r="0" g="0" b="0"/>
+        </a:effectRef>
+        <a:fontRef idx="minor">
+          <a:schemeClr val="tx1"/>
+        </a:fontRef>
+      </dsp:style>
+    </dsp:sp>
+    <dsp:sp modelId="{2A2885E0-E06B-40EB-AA76-BA54A9DC59D8}">
+      <dsp:nvSpPr>
+        <dsp:cNvPr id="0" name=""/>
+        <dsp:cNvSpPr/>
+      </dsp:nvSpPr>
+      <dsp:spPr>
+        <a:xfrm>
+          <a:off x="5728176" y="975153"/>
+          <a:ext cx="1781242" cy="1121426"/>
+        </a:xfrm>
+        <a:prstGeom prst="rect">
+          <a:avLst/>
+        </a:prstGeom>
+        <a:noFill/>
+        <a:ln>
+          <a:noFill/>
+        </a:ln>
+        <a:effectLst/>
+        <a:sp3d/>
+      </dsp:spPr>
+      <dsp:style>
+        <a:lnRef idx="0">
+          <a:scrgbClr r="0" g="0" b="0"/>
+        </a:lnRef>
+        <a:fillRef idx="0">
+          <a:scrgbClr r="0" g="0" b="0"/>
+        </a:fillRef>
+        <a:effectRef idx="0">
+          <a:scrgbClr r="0" g="0" b="0"/>
+        </a:effectRef>
+        <a:fontRef idx="minor"/>
+      </dsp:style>
+      <dsp:txBody>
+        <a:bodyPr spcFirstLastPara="0" vert="horz" wrap="square" lIns="0" tIns="0" rIns="0" bIns="0" numCol="1" spcCol="1270" anchor="ctr" anchorCtr="0">
+          <a:noAutofit/>
+        </a:bodyPr>
+        <a:lstStyle/>
+        <a:p>
+          <a:pPr marL="0" lvl="0" indent="0" algn="ctr" defTabSz="1066800">
+            <a:lnSpc>
+              <a:spcPct val="90000"/>
+            </a:lnSpc>
+            <a:spcBef>
+              <a:spcPct val="0"/>
+            </a:spcBef>
+            <a:spcAft>
+              <a:spcPct val="35000"/>
+            </a:spcAft>
+            <a:buNone/>
+          </a:pPr>
+          <a:r>
+            <a:rPr lang="de-DE" sz="2400" b="1" kern="1200"/>
+            <a:t>Testen ist wichtig und richtig</a:t>
+          </a:r>
+          <a:endParaRPr lang="de-DE" sz="2400" kern="1200"/>
+        </a:p>
+      </dsp:txBody>
+      <dsp:txXfrm>
+        <a:off x="5728176" y="975153"/>
+        <a:ext cx="1781242" cy="1121426"/>
+      </dsp:txXfrm>
+    </dsp:sp>
+    <dsp:sp modelId="{2DA7F986-01B9-4397-8F0F-6001D7C27F4B}">
+      <dsp:nvSpPr>
+        <dsp:cNvPr id="0" name=""/>
+        <dsp:cNvSpPr/>
+      </dsp:nvSpPr>
+      <dsp:spPr>
+        <a:xfrm>
+          <a:off x="4112965" y="1967859"/>
+          <a:ext cx="1503686" cy="1503686"/>
+        </a:xfrm>
+        <a:prstGeom prst="ellipse">
+          <a:avLst/>
+        </a:prstGeom>
+        <a:solidFill>
+          <a:schemeClr val="accent3">
+            <a:shade val="80000"/>
+            <a:alpha val="50000"/>
+            <a:hueOff val="3182"/>
+            <a:satOff val="0"/>
+            <a:lumOff val="1783"/>
+            <a:alphaOff val="12000"/>
+          </a:schemeClr>
+        </a:solidFill>
+        <a:ln w="25400" cap="flat" cmpd="sng" algn="ctr">
+          <a:solidFill>
+            <a:schemeClr val="lt1">
+              <a:hueOff val="0"/>
+              <a:satOff val="0"/>
+              <a:lumOff val="0"/>
+              <a:alphaOff val="0"/>
+            </a:schemeClr>
+          </a:solidFill>
+          <a:prstDash val="solid"/>
+        </a:ln>
+        <a:effectLst/>
+      </dsp:spPr>
+      <dsp:style>
+        <a:lnRef idx="2">
+          <a:scrgbClr r="0" g="0" b="0"/>
+        </a:lnRef>
+        <a:fillRef idx="1">
+          <a:scrgbClr r="0" g="0" b="0"/>
+        </a:fillRef>
+        <a:effectRef idx="0">
+          <a:scrgbClr r="0" g="0" b="0"/>
+        </a:effectRef>
+        <a:fontRef idx="minor">
+          <a:schemeClr val="tx1"/>
+        </a:fontRef>
+      </dsp:style>
+    </dsp:sp>
+    <dsp:sp modelId="{186842FF-A225-4561-BAB8-38C7BF0CB5F9}">
+      <dsp:nvSpPr>
+        <dsp:cNvPr id="0" name=""/>
+        <dsp:cNvSpPr/>
+      </dsp:nvSpPr>
+      <dsp:spPr>
+        <a:xfrm>
+          <a:off x="5728176" y="2647542"/>
+          <a:ext cx="1781242" cy="1253072"/>
+        </a:xfrm>
+        <a:prstGeom prst="rect">
+          <a:avLst/>
+        </a:prstGeom>
+        <a:noFill/>
+        <a:ln>
+          <a:noFill/>
+        </a:ln>
+        <a:effectLst/>
+        <a:sp3d/>
+      </dsp:spPr>
+      <dsp:style>
+        <a:lnRef idx="0">
+          <a:scrgbClr r="0" g="0" b="0"/>
+        </a:lnRef>
+        <a:fillRef idx="0">
+          <a:scrgbClr r="0" g="0" b="0"/>
+        </a:fillRef>
+        <a:effectRef idx="0">
+          <a:scrgbClr r="0" g="0" b="0"/>
+        </a:effectRef>
+        <a:fontRef idx="minor"/>
+      </dsp:style>
+      <dsp:txBody>
+        <a:bodyPr spcFirstLastPara="0" vert="horz" wrap="square" lIns="0" tIns="0" rIns="0" bIns="0" numCol="1" spcCol="1270" anchor="ctr" anchorCtr="0">
+          <a:noAutofit/>
+        </a:bodyPr>
+        <a:lstStyle/>
+        <a:p>
+          <a:pPr marL="0" lvl="0" indent="0" algn="ctr" defTabSz="1066800">
+            <a:lnSpc>
+              <a:spcPct val="90000"/>
+            </a:lnSpc>
+            <a:spcBef>
+              <a:spcPct val="0"/>
+            </a:spcBef>
+            <a:spcAft>
+              <a:spcPct val="35000"/>
+            </a:spcAft>
+            <a:buNone/>
+          </a:pPr>
+          <a:r>
+            <a:rPr lang="de-DE" sz="2400" b="1" kern="1200" dirty="0"/>
+            <a:t>Viele Technologien</a:t>
+          </a:r>
+          <a:endParaRPr lang="de-DE" sz="2400" kern="1200" dirty="0"/>
+        </a:p>
+      </dsp:txBody>
+      <dsp:txXfrm>
+        <a:off x="5728176" y="2647542"/>
+        <a:ext cx="1781242" cy="1253072"/>
+      </dsp:txXfrm>
+    </dsp:sp>
+    <dsp:sp modelId="{D281BE1A-6E8D-43F7-A1F9-3F1ECF6D1D94}">
+      <dsp:nvSpPr>
+        <dsp:cNvPr id="0" name=""/>
+        <dsp:cNvSpPr/>
+      </dsp:nvSpPr>
+      <dsp:spPr>
+        <a:xfrm>
+          <a:off x="3624894" y="2250166"/>
+          <a:ext cx="1503686" cy="1503686"/>
+        </a:xfrm>
+        <a:prstGeom prst="ellipse">
+          <a:avLst/>
+        </a:prstGeom>
+        <a:solidFill>
+          <a:schemeClr val="accent3">
+            <a:shade val="80000"/>
+            <a:alpha val="50000"/>
+            <a:hueOff val="4773"/>
+            <a:satOff val="0"/>
+            <a:lumOff val="2674"/>
+            <a:alphaOff val="18000"/>
+          </a:schemeClr>
+        </a:solidFill>
+        <a:ln w="25400" cap="flat" cmpd="sng" algn="ctr">
+          <a:solidFill>
+            <a:schemeClr val="lt1">
+              <a:hueOff val="0"/>
+              <a:satOff val="0"/>
+              <a:lumOff val="0"/>
+              <a:alphaOff val="0"/>
+            </a:schemeClr>
+          </a:solidFill>
+          <a:prstDash val="solid"/>
+        </a:ln>
+        <a:effectLst/>
+      </dsp:spPr>
+      <dsp:style>
+        <a:lnRef idx="2">
+          <a:scrgbClr r="0" g="0" b="0"/>
+        </a:lnRef>
+        <a:fillRef idx="1">
+          <a:scrgbClr r="0" g="0" b="0"/>
+        </a:fillRef>
+        <a:effectRef idx="0">
+          <a:scrgbClr r="0" g="0" b="0"/>
+        </a:effectRef>
+        <a:fontRef idx="minor">
+          <a:schemeClr val="tx1"/>
+        </a:fontRef>
+      </dsp:style>
+    </dsp:sp>
+    <dsp:sp modelId="{CEE3B31A-8C1D-4C65-BB92-68061AF8CE48}">
+      <dsp:nvSpPr>
+        <dsp:cNvPr id="0" name=""/>
+        <dsp:cNvSpPr/>
+      </dsp:nvSpPr>
+      <dsp:spPr>
+        <a:xfrm>
+          <a:off x="3436933" y="3851856"/>
+          <a:ext cx="1879608" cy="1023911"/>
+        </a:xfrm>
+        <a:prstGeom prst="rect">
+          <a:avLst/>
+        </a:prstGeom>
+        <a:noFill/>
+        <a:ln>
+          <a:noFill/>
+        </a:ln>
+        <a:effectLst/>
+        <a:sp3d/>
+      </dsp:spPr>
+      <dsp:style>
+        <a:lnRef idx="0">
+          <a:scrgbClr r="0" g="0" b="0"/>
+        </a:lnRef>
+        <a:fillRef idx="0">
+          <a:scrgbClr r="0" g="0" b="0"/>
+        </a:fillRef>
+        <a:effectRef idx="0">
+          <a:scrgbClr r="0" g="0" b="0"/>
+        </a:effectRef>
+        <a:fontRef idx="minor"/>
+      </dsp:style>
+      <dsp:txBody>
+        <a:bodyPr spcFirstLastPara="0" vert="horz" wrap="square" lIns="0" tIns="0" rIns="0" bIns="0" numCol="1" spcCol="1270" anchor="ctr" anchorCtr="0">
+          <a:noAutofit/>
+        </a:bodyPr>
+        <a:lstStyle/>
+        <a:p>
+          <a:pPr marL="0" lvl="0" indent="0" algn="ctr" defTabSz="1066800">
+            <a:lnSpc>
+              <a:spcPct val="90000"/>
+            </a:lnSpc>
+            <a:spcBef>
+              <a:spcPct val="0"/>
+            </a:spcBef>
+            <a:spcAft>
+              <a:spcPct val="35000"/>
+            </a:spcAft>
+            <a:buNone/>
+          </a:pPr>
+          <a:r>
+            <a:rPr lang="de-DE" sz="2400" b="1" kern="1200" dirty="0"/>
+            <a:t>Mentor-Mentee-Beziehungen</a:t>
+          </a:r>
+          <a:endParaRPr lang="de-DE" sz="2400" kern="1200" dirty="0"/>
+        </a:p>
+      </dsp:txBody>
+      <dsp:txXfrm>
+        <a:off x="3436933" y="3851856"/>
+        <a:ext cx="1879608" cy="1023911"/>
+      </dsp:txXfrm>
+    </dsp:sp>
+    <dsp:sp modelId="{30F68546-248F-48A7-B61D-00F862945016}">
+      <dsp:nvSpPr>
+        <dsp:cNvPr id="0" name=""/>
+        <dsp:cNvSpPr/>
+      </dsp:nvSpPr>
+      <dsp:spPr>
+        <a:xfrm>
+          <a:off x="3136822" y="1967859"/>
+          <a:ext cx="1503686" cy="1503686"/>
+        </a:xfrm>
+        <a:prstGeom prst="ellipse">
+          <a:avLst/>
+        </a:prstGeom>
+        <a:solidFill>
+          <a:schemeClr val="accent3">
+            <a:shade val="80000"/>
+            <a:alpha val="50000"/>
+            <a:hueOff val="6364"/>
+            <a:satOff val="0"/>
+            <a:lumOff val="3566"/>
+            <a:alphaOff val="24000"/>
+          </a:schemeClr>
+        </a:solidFill>
+        <a:ln w="25400" cap="flat" cmpd="sng" algn="ctr">
+          <a:solidFill>
+            <a:schemeClr val="lt1">
+              <a:hueOff val="0"/>
+              <a:satOff val="0"/>
+              <a:lumOff val="0"/>
+              <a:alphaOff val="0"/>
+            </a:schemeClr>
+          </a:solidFill>
+          <a:prstDash val="solid"/>
+        </a:ln>
+        <a:effectLst/>
+      </dsp:spPr>
+      <dsp:style>
+        <a:lnRef idx="2">
+          <a:scrgbClr r="0" g="0" b="0"/>
+        </a:lnRef>
+        <a:fillRef idx="1">
+          <a:scrgbClr r="0" g="0" b="0"/>
+        </a:fillRef>
+        <a:effectRef idx="0">
+          <a:scrgbClr r="0" g="0" b="0"/>
+        </a:effectRef>
+        <a:fontRef idx="minor">
+          <a:schemeClr val="tx1"/>
+        </a:fontRef>
+      </dsp:style>
+    </dsp:sp>
+    <dsp:sp modelId="{0487B6F0-24F1-4E6F-A3CC-05F83BD7EE0D}">
+      <dsp:nvSpPr>
+        <dsp:cNvPr id="0" name=""/>
+        <dsp:cNvSpPr/>
+      </dsp:nvSpPr>
+      <dsp:spPr>
+        <a:xfrm>
+          <a:off x="1244056" y="2647542"/>
+          <a:ext cx="1781242" cy="1253072"/>
+        </a:xfrm>
+        <a:prstGeom prst="rect">
+          <a:avLst/>
+        </a:prstGeom>
+        <a:noFill/>
+        <a:ln>
+          <a:noFill/>
+        </a:ln>
+        <a:effectLst/>
+        <a:sp3d/>
+      </dsp:spPr>
+      <dsp:style>
+        <a:lnRef idx="0">
+          <a:scrgbClr r="0" g="0" b="0"/>
+        </a:lnRef>
+        <a:fillRef idx="0">
+          <a:scrgbClr r="0" g="0" b="0"/>
+        </a:fillRef>
+        <a:effectRef idx="0">
+          <a:scrgbClr r="0" g="0" b="0"/>
+        </a:effectRef>
+        <a:fontRef idx="minor"/>
+      </dsp:style>
+      <dsp:txBody>
+        <a:bodyPr spcFirstLastPara="0" vert="horz" wrap="square" lIns="0" tIns="0" rIns="0" bIns="0" numCol="1" spcCol="1270" anchor="ctr" anchorCtr="0">
+          <a:noAutofit/>
+        </a:bodyPr>
+        <a:lstStyle/>
+        <a:p>
+          <a:pPr marL="0" lvl="0" indent="0" algn="ctr" defTabSz="1066800">
+            <a:lnSpc>
+              <a:spcPct val="90000"/>
+            </a:lnSpc>
+            <a:spcBef>
+              <a:spcPct val="0"/>
+            </a:spcBef>
+            <a:spcAft>
+              <a:spcPct val="35000"/>
+            </a:spcAft>
+            <a:buNone/>
+          </a:pPr>
+          <a:r>
+            <a:rPr lang="de-DE" sz="2400" b="1" kern="1200"/>
+            <a:t>Persönliche Meeting</a:t>
+          </a:r>
+          <a:endParaRPr lang="de-DE" sz="2400" kern="1200"/>
+        </a:p>
+      </dsp:txBody>
+      <dsp:txXfrm>
+        <a:off x="1244056" y="2647542"/>
+        <a:ext cx="1781242" cy="1253072"/>
+      </dsp:txXfrm>
+    </dsp:sp>
+    <dsp:sp modelId="{92E57EFB-29B0-40A5-9DCB-F02A3A91060D}">
+      <dsp:nvSpPr>
+        <dsp:cNvPr id="0" name=""/>
+        <dsp:cNvSpPr/>
+      </dsp:nvSpPr>
+      <dsp:spPr>
+        <a:xfrm>
+          <a:off x="3136822" y="1404221"/>
+          <a:ext cx="1503686" cy="1503686"/>
+        </a:xfrm>
+        <a:prstGeom prst="ellipse">
+          <a:avLst/>
+        </a:prstGeom>
+        <a:solidFill>
+          <a:schemeClr val="accent3">
+            <a:shade val="80000"/>
+            <a:alpha val="50000"/>
+            <a:hueOff val="7955"/>
+            <a:satOff val="0"/>
+            <a:lumOff val="4457"/>
+            <a:alphaOff val="30000"/>
+          </a:schemeClr>
+        </a:solidFill>
+        <a:ln w="25400" cap="flat" cmpd="sng" algn="ctr">
+          <a:solidFill>
+            <a:schemeClr val="lt1">
+              <a:hueOff val="0"/>
+              <a:satOff val="0"/>
+              <a:lumOff val="0"/>
+              <a:alphaOff val="0"/>
+            </a:schemeClr>
+          </a:solidFill>
+          <a:prstDash val="solid"/>
+        </a:ln>
+        <a:effectLst/>
+      </dsp:spPr>
+      <dsp:style>
+        <a:lnRef idx="2">
+          <a:scrgbClr r="0" g="0" b="0"/>
+        </a:lnRef>
+        <a:fillRef idx="1">
+          <a:scrgbClr r="0" g="0" b="0"/>
+        </a:fillRef>
+        <a:effectRef idx="0">
+          <a:scrgbClr r="0" g="0" b="0"/>
+        </a:effectRef>
+        <a:fontRef idx="minor">
+          <a:schemeClr val="tx1"/>
+        </a:fontRef>
+      </dsp:style>
+    </dsp:sp>
+    <dsp:sp modelId="{A85B139B-740D-496D-AB79-BEBFD48A8081}">
+      <dsp:nvSpPr>
+        <dsp:cNvPr id="0" name=""/>
+        <dsp:cNvSpPr/>
+      </dsp:nvSpPr>
+      <dsp:spPr>
+        <a:xfrm>
+          <a:off x="1244056" y="975153"/>
+          <a:ext cx="1781242" cy="1253072"/>
+        </a:xfrm>
+        <a:prstGeom prst="rect">
+          <a:avLst/>
+        </a:prstGeom>
+        <a:noFill/>
+        <a:ln>
+          <a:noFill/>
+        </a:ln>
+        <a:effectLst/>
+        <a:sp3d/>
+      </dsp:spPr>
+      <dsp:style>
+        <a:lnRef idx="0">
+          <a:scrgbClr r="0" g="0" b="0"/>
+        </a:lnRef>
+        <a:fillRef idx="0">
+          <a:scrgbClr r="0" g="0" b="0"/>
+        </a:fillRef>
+        <a:effectRef idx="0">
+          <a:scrgbClr r="0" g="0" b="0"/>
+        </a:effectRef>
+        <a:fontRef idx="minor"/>
+      </dsp:style>
+      <dsp:txBody>
+        <a:bodyPr spcFirstLastPara="0" vert="horz" wrap="square" lIns="0" tIns="0" rIns="0" bIns="0" numCol="1" spcCol="1270" anchor="ctr" anchorCtr="0">
+          <a:noAutofit/>
+        </a:bodyPr>
+        <a:lstStyle/>
+        <a:p>
+          <a:pPr marL="0" lvl="0" indent="0" algn="ctr" defTabSz="1066800">
+            <a:lnSpc>
+              <a:spcPct val="90000"/>
+            </a:lnSpc>
+            <a:spcBef>
+              <a:spcPct val="0"/>
+            </a:spcBef>
+            <a:spcAft>
+              <a:spcPct val="35000"/>
+            </a:spcAft>
+            <a:buNone/>
+          </a:pPr>
+          <a:r>
+            <a:rPr lang="de-DE" sz="2400" b="1" kern="1200" dirty="0"/>
+            <a:t>Mockup</a:t>
+          </a:r>
+          <a:endParaRPr lang="de-DE" sz="2400" kern="1200" dirty="0"/>
+        </a:p>
+      </dsp:txBody>
+      <dsp:txXfrm>
+        <a:off x="1244056" y="975153"/>
+        <a:ext cx="1781242" cy="1253072"/>
       </dsp:txXfrm>
     </dsp:sp>
   </dsp:spTree>
@@ -2240,6 +4178,881 @@
 </dgm:layoutDef>
 </file>
 
+<file path=ppt/diagrams/layout2.xml><?xml version="1.0" encoding="utf-8"?>
+<dgm:layoutDef xmlns:dgm="http://schemas.openxmlformats.org/drawingml/2006/diagram" xmlns:a="http://schemas.openxmlformats.org/drawingml/2006/main" uniqueId="urn:microsoft.com/office/officeart/2005/8/layout/venn1">
+  <dgm:title val=""/>
+  <dgm:desc val=""/>
+  <dgm:catLst>
+    <dgm:cat type="relationship" pri="28000"/>
+    <dgm:cat type="convert" pri="19000"/>
+  </dgm:catLst>
+  <dgm:sampData useDef="1">
+    <dgm:dataModel>
+      <dgm:ptLst/>
+      <dgm:bg/>
+      <dgm:whole/>
+    </dgm:dataModel>
+  </dgm:sampData>
+  <dgm:styleData useDef="1">
+    <dgm:dataModel>
+      <dgm:ptLst/>
+      <dgm:bg/>
+      <dgm:whole/>
+    </dgm:dataModel>
+  </dgm:styleData>
+  <dgm:clrData>
+    <dgm:dataModel>
+      <dgm:ptLst>
+        <dgm:pt modelId="0" type="doc"/>
+        <dgm:pt modelId="1"/>
+        <dgm:pt modelId="2"/>
+        <dgm:pt modelId="3"/>
+        <dgm:pt modelId="4"/>
+      </dgm:ptLst>
+      <dgm:cxnLst>
+        <dgm:cxn modelId="7" srcId="0" destId="1" srcOrd="0" destOrd="0"/>
+        <dgm:cxn modelId="8" srcId="0" destId="2" srcOrd="1" destOrd="0"/>
+        <dgm:cxn modelId="9" srcId="0" destId="3" srcOrd="2" destOrd="0"/>
+        <dgm:cxn modelId="10" srcId="0" destId="4" srcOrd="3" destOrd="0"/>
+      </dgm:cxnLst>
+      <dgm:bg/>
+      <dgm:whole/>
+    </dgm:dataModel>
+  </dgm:clrData>
+  <dgm:layoutNode name="compositeShape">
+    <dgm:varLst>
+      <dgm:chMax val="7"/>
+      <dgm:dir/>
+      <dgm:resizeHandles val="exact"/>
+    </dgm:varLst>
+    <dgm:choose name="Name0">
+      <dgm:if name="Name1" axis="ch" ptType="node" func="cnt" op="equ" val="1">
+        <dgm:alg type="composite">
+          <dgm:param type="ar" val="1"/>
+        </dgm:alg>
+      </dgm:if>
+      <dgm:if name="Name2" axis="ch" ptType="node" func="cnt" op="equ" val="2">
+        <dgm:alg type="composite">
+          <dgm:param type="ar" val="1.792"/>
+        </dgm:alg>
+      </dgm:if>
+      <dgm:if name="Name3" axis="ch" ptType="node" func="cnt" op="equ" val="3">
+        <dgm:alg type="composite">
+          <dgm:param type="ar" val="1"/>
+        </dgm:alg>
+      </dgm:if>
+      <dgm:if name="Name4" axis="ch" ptType="node" func="cnt" op="equ" val="4">
+        <dgm:alg type="composite">
+          <dgm:param type="ar" val="1"/>
+        </dgm:alg>
+      </dgm:if>
+      <dgm:if name="Name5" axis="ch" ptType="node" func="cnt" op="equ" val="5">
+        <dgm:alg type="composite">
+          <dgm:param type="ar" val="1.4"/>
+        </dgm:alg>
+      </dgm:if>
+      <dgm:if name="Name6" axis="ch" ptType="node" func="cnt" op="equ" val="6">
+        <dgm:alg type="composite">
+          <dgm:param type="ar" val="1.285"/>
+        </dgm:alg>
+      </dgm:if>
+      <dgm:if name="Name7" axis="ch" ptType="node" func="cnt" op="equ" val="7">
+        <dgm:alg type="composite">
+          <dgm:param type="ar" val="1.359"/>
+        </dgm:alg>
+      </dgm:if>
+      <dgm:else name="Name8">
+        <dgm:alg type="composite">
+          <dgm:param type="ar" val="1.359"/>
+        </dgm:alg>
+      </dgm:else>
+    </dgm:choose>
+    <dgm:shape xmlns:r="http://schemas.openxmlformats.org/officeDocument/2006/relationships" r:blip="">
+      <dgm:adjLst/>
+    </dgm:shape>
+    <dgm:presOf/>
+    <dgm:choose name="Name9">
+      <dgm:if name="Name10" axis="ch" ptType="node" func="cnt" op="equ" val="1">
+        <dgm:constrLst>
+          <dgm:constr type="ctrX" for="ch" forName="circ1TxSh" refType="w" fact="0.5"/>
+          <dgm:constr type="ctrY" for="ch" forName="circ1TxSh" refType="h" fact="0.5"/>
+          <dgm:constr type="w" for="ch" forName="circ1TxSh" refType="w"/>
+          <dgm:constr type="h" for="ch" forName="circ1TxSh" refType="h"/>
+          <dgm:constr type="primFontSz" for="ch" ptType="node" op="equ"/>
+        </dgm:constrLst>
+      </dgm:if>
+      <dgm:if name="Name11" axis="ch" ptType="node" func="cnt" op="equ" val="2">
+        <dgm:constrLst>
+          <dgm:constr type="ctrX" for="ch" forName="circ1" refType="w" fact="0.3"/>
+          <dgm:constr type="ctrY" for="ch" forName="circ1" refType="h" fact="0.5"/>
+          <dgm:constr type="w" for="ch" forName="circ1" refType="w" fact="0.555"/>
+          <dgm:constr type="h" for="ch" forName="circ1" refType="h" fact="0.99456"/>
+          <dgm:constr type="l" for="ch" forName="circ1Tx" refType="w" fact="0.1"/>
+          <dgm:constr type="t" for="ch" forName="circ1Tx" refType="h" fact="0.12"/>
+          <dgm:constr type="w" for="ch" forName="circ1Tx" refType="w" fact="0.32"/>
+          <dgm:constr type="h" for="ch" forName="circ1Tx" refType="h" fact="0.76"/>
+          <dgm:constr type="ctrX" for="ch" forName="circ2" refType="w" fact="0.7"/>
+          <dgm:constr type="ctrY" for="ch" forName="circ2" refType="h" fact="0.5"/>
+          <dgm:constr type="w" for="ch" forName="circ2" refType="w" fact="0.555"/>
+          <dgm:constr type="h" for="ch" forName="circ2" refType="h" fact="0.99456"/>
+          <dgm:constr type="l" for="ch" forName="circ2Tx" refType="w" fact="0.58"/>
+          <dgm:constr type="t" for="ch" forName="circ2Tx" refType="h" fact="0.12"/>
+          <dgm:constr type="w" for="ch" forName="circ2Tx" refType="w" fact="0.32"/>
+          <dgm:constr type="h" for="ch" forName="circ2Tx" refType="h" fact="0.76"/>
+          <dgm:constr type="primFontSz" for="ch" ptType="node" op="equ"/>
+        </dgm:constrLst>
+      </dgm:if>
+      <dgm:if name="Name12" axis="ch" ptType="node" func="cnt" op="equ" val="3">
+        <dgm:constrLst>
+          <dgm:constr type="ctrX" for="ch" forName="circ1" refType="w" fact="0.5"/>
+          <dgm:constr type="ctrY" for="ch" forName="circ1" refType="w" fact="0.25"/>
+          <dgm:constr type="w" for="ch" forName="circ1" refType="w" fact="0.6"/>
+          <dgm:constr type="h" for="ch" forName="circ1" refType="h" fact="0.6"/>
+          <dgm:constr type="l" for="ch" forName="circ1Tx" refType="w" fact="0.28"/>
+          <dgm:constr type="t" for="ch" forName="circ1Tx" refType="h" fact="0.055"/>
+          <dgm:constr type="w" for="ch" forName="circ1Tx" refType="w" fact="0.44"/>
+          <dgm:constr type="h" for="ch" forName="circ1Tx" refType="h" fact="0.27"/>
+          <dgm:constr type="ctrX" for="ch" forName="circ2" refType="w" fact="0.7165"/>
+          <dgm:constr type="ctrY" for="ch" forName="circ2" refType="w" fact="0.625"/>
+          <dgm:constr type="w" for="ch" forName="circ2" refType="w" fact="0.6"/>
+          <dgm:constr type="h" for="ch" forName="circ2" refType="h" fact="0.6"/>
+          <dgm:constr type="l" for="ch" forName="circ2Tx" refType="w" fact="0.6"/>
+          <dgm:constr type="t" for="ch" forName="circ2Tx" refType="h" fact="0.48"/>
+          <dgm:constr type="w" for="ch" forName="circ2Tx" refType="w" fact="0.36"/>
+          <dgm:constr type="h" for="ch" forName="circ2Tx" refType="h" fact="0.33"/>
+          <dgm:constr type="ctrX" for="ch" forName="circ3" refType="w" fact="0.2835"/>
+          <dgm:constr type="ctrY" for="ch" forName="circ3" refType="w" fact="0.625"/>
+          <dgm:constr type="w" for="ch" forName="circ3" refType="w" fact="0.6"/>
+          <dgm:constr type="h" for="ch" forName="circ3" refType="h" fact="0.6"/>
+          <dgm:constr type="l" for="ch" forName="circ3Tx" refType="w" fact="0.04"/>
+          <dgm:constr type="t" for="ch" forName="circ3Tx" refType="h" fact="0.48"/>
+          <dgm:constr type="w" for="ch" forName="circ3Tx" refType="w" fact="0.36"/>
+          <dgm:constr type="h" for="ch" forName="circ3Tx" refType="h" fact="0.33"/>
+          <dgm:constr type="primFontSz" for="ch" ptType="node" op="equ"/>
+        </dgm:constrLst>
+      </dgm:if>
+      <dgm:if name="Name13" axis="ch" ptType="node" func="cnt" op="equ" val="4">
+        <dgm:constrLst>
+          <dgm:constr type="ctrX" for="ch" forName="circ1" refType="w" fact="0.5"/>
+          <dgm:constr type="ctrY" for="ch" forName="circ1" refType="w" fact="0.27"/>
+          <dgm:constr type="w" for="ch" forName="circ1" refType="w" fact="0.52"/>
+          <dgm:constr type="h" for="ch" forName="circ1" refType="h" fact="0.52"/>
+          <dgm:constr type="l" for="ch" forName="circ1Tx" refType="w" fact="0.3"/>
+          <dgm:constr type="t" for="ch" forName="circ1Tx" refType="h" fact="0.08"/>
+          <dgm:constr type="w" for="ch" forName="circ1Tx" refType="w" fact="0.4"/>
+          <dgm:constr type="h" for="ch" forName="circ1Tx" refType="h" fact="0.165"/>
+          <dgm:constr type="ctrX" for="ch" forName="circ2" refType="w" fact="0.73"/>
+          <dgm:constr type="ctrY" for="ch" forName="circ2" refType="w" fact="0.5"/>
+          <dgm:constr type="w" for="ch" forName="circ2" refType="w" fact="0.52"/>
+          <dgm:constr type="h" for="ch" forName="circ2" refType="h" fact="0.52"/>
+          <dgm:constr type="r" for="ch" forName="circ2Tx" refType="w" fact="0.95"/>
+          <dgm:constr type="t" for="ch" forName="circ2Tx" refType="h" fact="0.3"/>
+          <dgm:constr type="w" for="ch" forName="circ2Tx" refType="w" fact="0.2"/>
+          <dgm:constr type="h" for="ch" forName="circ2Tx" refType="h" fact="0.4"/>
+          <dgm:constr type="ctrX" for="ch" forName="circ3" refType="w" fact="0.5"/>
+          <dgm:constr type="ctrY" for="ch" forName="circ3" refType="w" fact="0.73"/>
+          <dgm:constr type="w" for="ch" forName="circ3" refType="w" fact="0.52"/>
+          <dgm:constr type="h" for="ch" forName="circ3" refType="h" fact="0.52"/>
+          <dgm:constr type="l" for="ch" forName="circ3Tx" refType="w" fact="0.3"/>
+          <dgm:constr type="b" for="ch" forName="circ3Tx" refType="h" fact="0.92"/>
+          <dgm:constr type="w" for="ch" forName="circ3Tx" refType="w" fact="0.4"/>
+          <dgm:constr type="h" for="ch" forName="circ3Tx" refType="h" fact="0.165"/>
+          <dgm:constr type="ctrX" for="ch" forName="circ4" refType="w" fact="0.27"/>
+          <dgm:constr type="ctrY" for="ch" forName="circ4" refType="h" fact="0.5"/>
+          <dgm:constr type="w" for="ch" forName="circ4" refType="w" fact="0.52"/>
+          <dgm:constr type="h" for="ch" forName="circ4" refType="h" fact="0.52"/>
+          <dgm:constr type="l" for="ch" forName="circ4Tx" refType="w" fact="0.05"/>
+          <dgm:constr type="t" for="ch" forName="circ4Tx" refType="h" fact="0.3"/>
+          <dgm:constr type="w" for="ch" forName="circ4Tx" refType="w" fact="0.2"/>
+          <dgm:constr type="h" for="ch" forName="circ4Tx" refType="h" fact="0.4"/>
+          <dgm:constr type="primFontSz" for="ch" ptType="node" op="equ"/>
+        </dgm:constrLst>
+      </dgm:if>
+      <dgm:if name="Name14" axis="ch" ptType="node" func="cnt" op="equ" val="5">
+        <dgm:constrLst>
+          <dgm:constr type="ctrX" for="ch" forName="circ1" refType="w" fact="0.5"/>
+          <dgm:constr type="ctrY" for="ch" forName="circ1" refType="h" fact="0.46"/>
+          <dgm:constr type="w" for="ch" forName="circ1" refType="w" fact="0.25"/>
+          <dgm:constr type="h" for="ch" forName="circ1" refType="h" fact="0.35"/>
+          <dgm:constr type="l" for="ch" forName="circ1Tx" refType="w" fact="0.355"/>
+          <dgm:constr type="t" for="ch" forName="circ1Tx"/>
+          <dgm:constr type="w" for="ch" forName="circ1Tx" refType="w" fact="0.29"/>
+          <dgm:constr type="h" for="ch" forName="circ1Tx" refType="h" fact="0.235"/>
+          <dgm:constr type="ctrX" for="ch" forName="circ2" refType="w" fact="0.5951"/>
+          <dgm:constr type="ctrY" for="ch" forName="circ2" refType="h" fact="0.5567"/>
+          <dgm:constr type="w" for="ch" forName="circ2" refType="w" fact="0.25"/>
+          <dgm:constr type="h" for="ch" forName="circ2" refType="h" fact="0.35"/>
+          <dgm:constr type="l" for="ch" forName="circ2Tx" refType="w" fact="0.74"/>
+          <dgm:constr type="t" for="ch" forName="circ2Tx" refType="h" fact="0.31"/>
+          <dgm:constr type="w" for="ch" forName="circ2Tx" refType="w" fact="0.26"/>
+          <dgm:constr type="h" for="ch" forName="circ2Tx" refType="h" fact="0.255"/>
+          <dgm:constr type="ctrX" for="ch" forName="circ3" refType="w" fact="0.5588"/>
+          <dgm:constr type="ctrY" for="ch" forName="circ3" refType="h" fact="0.7133"/>
+          <dgm:constr type="w" for="ch" forName="circ3" refType="w" fact="0.25"/>
+          <dgm:constr type="h" for="ch" forName="circ3" refType="h" fact="0.35"/>
+          <dgm:constr type="l" for="ch" forName="circ3Tx" refType="w" fact="0.7"/>
+          <dgm:constr type="t" for="ch" forName="circ3Tx" refType="h" fact="0.745"/>
+          <dgm:constr type="w" for="ch" forName="circ3Tx" refType="w" fact="0.26"/>
+          <dgm:constr type="h" for="ch" forName="circ3Tx" refType="h" fact="0.255"/>
+          <dgm:constr type="ctrX" for="ch" forName="circ4" refType="w" fact="0.4412"/>
+          <dgm:constr type="ctrY" for="ch" forName="circ4" refType="h" fact="0.7133"/>
+          <dgm:constr type="w" for="ch" forName="circ4" refType="w" fact="0.25"/>
+          <dgm:constr type="h" for="ch" forName="circ4" refType="h" fact="0.35"/>
+          <dgm:constr type="l" for="ch" forName="circ4Tx" refType="w" fact="0.04"/>
+          <dgm:constr type="t" for="ch" forName="circ4Tx" refType="h" fact="0.745"/>
+          <dgm:constr type="w" for="ch" forName="circ4Tx" refType="w" fact="0.26"/>
+          <dgm:constr type="h" for="ch" forName="circ4Tx" refType="h" fact="0.255"/>
+          <dgm:constr type="ctrX" for="ch" forName="circ5" refType="w" fact="0.4049"/>
+          <dgm:constr type="ctrY" for="ch" forName="circ5" refType="h" fact="0.5567"/>
+          <dgm:constr type="w" for="ch" forName="circ5" refType="w" fact="0.25"/>
+          <dgm:constr type="h" for="ch" forName="circ5" refType="h" fact="0.35"/>
+          <dgm:constr type="l" for="ch" forName="circ5Tx"/>
+          <dgm:constr type="t" for="ch" forName="circ5Tx" refType="h" fact="0.31"/>
+          <dgm:constr type="w" for="ch" forName="circ5Tx" refType="w" fact="0.26"/>
+          <dgm:constr type="h" for="ch" forName="circ5Tx" refType="h" fact="0.255"/>
+          <dgm:constr type="primFontSz" for="ch" ptType="node" op="equ"/>
+        </dgm:constrLst>
+      </dgm:if>
+      <dgm:if name="Name15" axis="ch" ptType="node" func="cnt" op="equ" val="6">
+        <dgm:constrLst>
+          <dgm:constr type="ctrX" for="ch" forName="circ1" refType="w" fact="0.5"/>
+          <dgm:constr type="ctrY" for="ch" forName="circ1" refType="h" fact="0.3844"/>
+          <dgm:constr type="w" for="ch" forName="circ1" refType="w" fact="0.24"/>
+          <dgm:constr type="h" for="ch" forName="circ1" refType="h" fact="0.3084"/>
+          <dgm:constr type="l" for="ch" forName="circ1Tx" refType="w" fact="0.35"/>
+          <dgm:constr type="t" for="ch" forName="circ1Tx"/>
+          <dgm:constr type="w" for="ch" forName="circ1Tx" refType="w" fact="0.3"/>
+          <dgm:constr type="h" for="ch" forName="circ1Tx" refType="h" fact="0.21"/>
+          <dgm:constr type="ctrX" for="ch" forName="circ2" refType="w" fact="0.5779"/>
+          <dgm:constr type="ctrY" for="ch" forName="circ2" refType="h" fact="0.4422"/>
+          <dgm:constr type="w" for="ch" forName="circ2" refType="w" fact="0.24"/>
+          <dgm:constr type="h" for="ch" forName="circ2" refType="h" fact="0.3084"/>
+          <dgm:constr type="l" for="ch" forName="circ2Tx" refType="w" fact="0.7157"/>
+          <dgm:constr type="t" for="ch" forName="circ2Tx" refType="h" fact="0.2"/>
+          <dgm:constr type="w" for="ch" forName="circ2Tx" refType="w" fact="0.2843"/>
+          <dgm:constr type="h" for="ch" forName="circ2Tx" refType="h" fact="0.23"/>
+          <dgm:constr type="ctrX" for="ch" forName="circ3" refType="w" fact="0.5779"/>
+          <dgm:constr type="ctrY" for="ch" forName="circ3" refType="h" fact="0.5578"/>
+          <dgm:constr type="w" for="ch" forName="circ3" refType="w" fact="0.24"/>
+          <dgm:constr type="h" for="ch" forName="circ3" refType="h" fact="0.3084"/>
+          <dgm:constr type="l" for="ch" forName="circ3Tx" refType="w" fact="0.7157"/>
+          <dgm:constr type="t" for="ch" forName="circ3Tx" refType="h" fact="0.543"/>
+          <dgm:constr type="w" for="ch" forName="circ3Tx" refType="w" fact="0.2843"/>
+          <dgm:constr type="h" for="ch" forName="circ3Tx" refType="h" fact="0.257"/>
+          <dgm:constr type="ctrX" for="ch" forName="circ4" refType="w" fact="0.5"/>
+          <dgm:constr type="ctrY" for="ch" forName="circ4" refType="h" fact="0.6157"/>
+          <dgm:constr type="w" for="ch" forName="circ4" refType="w" fact="0.24"/>
+          <dgm:constr type="h" for="ch" forName="circ4" refType="h" fact="0.3084"/>
+          <dgm:constr type="l" for="ch" forName="circ4Tx" refType="w" fact="0.35"/>
+          <dgm:constr type="t" for="ch" forName="circ4Tx" refType="h" fact="0.79"/>
+          <dgm:constr type="w" for="ch" forName="circ4Tx" refType="w" fact="0.3"/>
+          <dgm:constr type="h" for="ch" forName="circ4Tx" refType="h" fact="0.21"/>
+          <dgm:constr type="ctrX" for="ch" forName="circ5" refType="w" fact="0.4221"/>
+          <dgm:constr type="ctrY" for="ch" forName="circ5" refType="h" fact="0.5578"/>
+          <dgm:constr type="w" for="ch" forName="circ5" refType="w" fact="0.24"/>
+          <dgm:constr type="h" for="ch" forName="circ5" refType="h" fact="0.3084"/>
+          <dgm:constr type="l" for="ch" forName="circ5Tx" refType="w" fact="0"/>
+          <dgm:constr type="t" for="ch" forName="circ5Tx" refType="h" fact="0.543"/>
+          <dgm:constr type="w" for="ch" forName="circ5Tx" refType="w" fact="0.2843"/>
+          <dgm:constr type="h" for="ch" forName="circ5Tx" refType="h" fact="0.257"/>
+          <dgm:constr type="ctrX" for="ch" forName="circ6" refType="w" fact="0.4221"/>
+          <dgm:constr type="ctrY" for="ch" forName="circ6" refType="h" fact="0.4422"/>
+          <dgm:constr type="w" for="ch" forName="circ6" refType="w" fact="0.24"/>
+          <dgm:constr type="h" for="ch" forName="circ6" refType="h" fact="0.3084"/>
+          <dgm:constr type="l" for="ch" forName="circ6Tx" refType="w" fact="0"/>
+          <dgm:constr type="t" for="ch" forName="circ6Tx" refType="h" fact="0.2"/>
+          <dgm:constr type="w" for="ch" forName="circ6Tx" refType="w" fact="0.2843"/>
+          <dgm:constr type="h" for="ch" forName="circ6Tx" refType="h" fact="0.257"/>
+          <dgm:constr type="primFontSz" for="ch" ptType="node" op="equ"/>
+        </dgm:constrLst>
+      </dgm:if>
+      <dgm:else name="Name16">
+        <dgm:constrLst>
+          <dgm:constr type="ctrX" for="ch" forName="circ1" refType="w" fact="0.5"/>
+          <dgm:constr type="ctrY" for="ch" forName="circ1" refType="h" fact="0.4177"/>
+          <dgm:constr type="w" for="ch" forName="circ1" refType="w" fact="0.24"/>
+          <dgm:constr type="h" for="ch" forName="circ1" refType="h" fact="0.3262"/>
+          <dgm:constr type="l" for="ch" forName="circ1Tx" refType="w" fact="0.3625"/>
+          <dgm:constr type="t" for="ch" forName="circ1Tx"/>
+          <dgm:constr type="w" for="ch" forName="circ1Tx" refType="w" fact="0.275"/>
+          <dgm:constr type="h" for="ch" forName="circ1Tx" refType="h" fact="0.2"/>
+          <dgm:constr type="ctrX" for="ch" forName="circ2" refType="w" fact="0.5704"/>
+          <dgm:constr type="ctrY" for="ch" forName="circ2" refType="h" fact="0.4637"/>
+          <dgm:constr type="w" for="ch" forName="circ2" refType="w" fact="0.24"/>
+          <dgm:constr type="h" for="ch" forName="circ2" refType="h" fact="0.3262"/>
+          <dgm:constr type="l" for="ch" forName="circ2Tx" refType="w" fact="0.72"/>
+          <dgm:constr type="t" for="ch" forName="circ2Tx" refType="h" fact="0.19"/>
+          <dgm:constr type="w" for="ch" forName="circ2Tx" refType="w" fact="0.26"/>
+          <dgm:constr type="h" for="ch" forName="circ2Tx" refType="h" fact="0.22"/>
+          <dgm:constr type="ctrX" for="ch" forName="circ3" refType="w" fact="0.5877"/>
+          <dgm:constr type="ctrY" for="ch" forName="circ3" refType="h" fact="0.5672"/>
+          <dgm:constr type="w" for="ch" forName="circ3" refType="w" fact="0.24"/>
+          <dgm:constr type="h" for="ch" forName="circ3" refType="h" fact="0.3262"/>
+          <dgm:constr type="l" for="ch" forName="circ3Tx" refType="w" fact="0.745"/>
+          <dgm:constr type="t" for="ch" forName="circ3Tx" refType="h" fact="0.47"/>
+          <dgm:constr type="w" for="ch" forName="circ3Tx" refType="w" fact="0.255"/>
+          <dgm:constr type="h" for="ch" forName="circ3Tx" refType="h" fact="0.235"/>
+          <dgm:constr type="ctrX" for="ch" forName="circ4" refType="w" fact="0.539"/>
+          <dgm:constr type="ctrY" for="ch" forName="circ4" refType="h" fact="0.6502"/>
+          <dgm:constr type="w" for="ch" forName="circ4" refType="w" fact="0.24"/>
+          <dgm:constr type="h" for="ch" forName="circ4" refType="h" fact="0.3262"/>
+          <dgm:constr type="l" for="ch" forName="circ4Tx" refType="w" fact="0.635"/>
+          <dgm:constr type="t" for="ch" forName="circ4Tx" refType="h" fact="0.785"/>
+          <dgm:constr type="w" for="ch" forName="circ4Tx" refType="w" fact="0.275"/>
+          <dgm:constr type="h" for="ch" forName="circ4Tx" refType="h" fact="0.215"/>
+          <dgm:constr type="ctrX" for="ch" forName="circ5" refType="w" fact="0.461"/>
+          <dgm:constr type="ctrY" for="ch" forName="circ5" refType="h" fact="0.6502"/>
+          <dgm:constr type="w" for="ch" forName="circ5" refType="w" fact="0.24"/>
+          <dgm:constr type="h" for="ch" forName="circ5" refType="h" fact="0.3262"/>
+          <dgm:constr type="l" for="ch" forName="circ5Tx" refType="w" fact="0.09"/>
+          <dgm:constr type="t" for="ch" forName="circ5Tx" refType="h" fact="0.785"/>
+          <dgm:constr type="w" for="ch" forName="circ5Tx" refType="w" fact="0.275"/>
+          <dgm:constr type="h" for="ch" forName="circ5Tx" refType="h" fact="0.215"/>
+          <dgm:constr type="ctrX" for="ch" forName="circ6" refType="w" fact="0.4123"/>
+          <dgm:constr type="ctrY" for="ch" forName="circ6" refType="h" fact="0.5672"/>
+          <dgm:constr type="w" for="ch" forName="circ6" refType="w" fact="0.24"/>
+          <dgm:constr type="h" for="ch" forName="circ6" refType="h" fact="0.3262"/>
+          <dgm:constr type="l" for="ch" forName="circ6Tx"/>
+          <dgm:constr type="t" for="ch" forName="circ6Tx" refType="h" fact="0.47"/>
+          <dgm:constr type="w" for="ch" forName="circ6Tx" refType="w" fact="0.255"/>
+          <dgm:constr type="h" for="ch" forName="circ6Tx" refType="h" fact="0.235"/>
+          <dgm:constr type="ctrX" for="ch" forName="circ7" refType="w" fact="0.4296"/>
+          <dgm:constr type="ctrY" for="ch" forName="circ7" refType="h" fact="0.4637"/>
+          <dgm:constr type="w" for="ch" forName="circ7" refType="w" fact="0.24"/>
+          <dgm:constr type="h" for="ch" forName="circ7" refType="h" fact="0.3262"/>
+          <dgm:constr type="l" for="ch" forName="circ7Tx" refType="w" fact="0.02"/>
+          <dgm:constr type="t" for="ch" forName="circ7Tx" refType="h" fact="0.19"/>
+          <dgm:constr type="w" for="ch" forName="circ7Tx" refType="w" fact="0.26"/>
+          <dgm:constr type="h" for="ch" forName="circ7Tx" refType="h" fact="0.22"/>
+          <dgm:constr type="primFontSz" for="ch" ptType="node" op="equ"/>
+        </dgm:constrLst>
+      </dgm:else>
+    </dgm:choose>
+    <dgm:ruleLst/>
+    <dgm:forEach name="Name17" axis="ch" ptType="node" cnt="1">
+      <dgm:choose name="Name18">
+        <dgm:if name="Name19" axis="root ch" ptType="all node" func="cnt" op="equ" val="1">
+          <dgm:layoutNode name="circ1TxSh" styleLbl="vennNode1">
+            <dgm:alg type="tx">
+              <dgm:param type="txAnchorHorzCh" val="ctr"/>
+              <dgm:param type="txAnchorVertCh" val="mid"/>
+            </dgm:alg>
+            <dgm:shape xmlns:r="http://schemas.openxmlformats.org/officeDocument/2006/relationships" type="ellipse" r:blip="">
+              <dgm:adjLst/>
+            </dgm:shape>
+            <dgm:choose name="Name20">
+              <dgm:if name="Name21" func="var" arg="dir" op="equ" val="norm">
+                <dgm:choose name="Name22">
+                  <dgm:if name="Name23" axis="root ch" ptType="all node" func="cnt" op="lte" val="4">
+                    <dgm:presOf axis="desOrSelf" ptType="node"/>
+                  </dgm:if>
+                  <dgm:else name="Name24">
+                    <dgm:presOf/>
+                  </dgm:else>
+                </dgm:choose>
+              </dgm:if>
+              <dgm:else name="Name25">
+                <dgm:choose name="Name26">
+                  <dgm:if name="Name27" axis="root ch" ptType="all node" func="cnt" op="equ" val="2">
+                    <dgm:presOf axis="root ch desOrSelf" ptType="all node node" st="1 2 1" cnt="1 1 0"/>
+                  </dgm:if>
+                  <dgm:else name="Name28">
+                    <dgm:presOf axis="desOrSelf" ptType="node"/>
+                  </dgm:else>
+                </dgm:choose>
+              </dgm:else>
+            </dgm:choose>
+            <dgm:constrLst>
+              <dgm:constr type="tMarg"/>
+              <dgm:constr type="bMarg"/>
+              <dgm:constr type="lMarg"/>
+              <dgm:constr type="rMarg"/>
+              <dgm:constr type="primFontSz" val="65"/>
+            </dgm:constrLst>
+            <dgm:ruleLst>
+              <dgm:rule type="primFontSz" val="5" fact="NaN" max="NaN"/>
+            </dgm:ruleLst>
+          </dgm:layoutNode>
+        </dgm:if>
+        <dgm:else name="Name29">
+          <dgm:layoutNode name="circ1" styleLbl="vennNode1">
+            <dgm:alg type="sp"/>
+            <dgm:shape xmlns:r="http://schemas.openxmlformats.org/officeDocument/2006/relationships" type="ellipse" r:blip="">
+              <dgm:adjLst/>
+            </dgm:shape>
+            <dgm:choose name="Name30">
+              <dgm:if name="Name31" func="var" arg="dir" op="equ" val="norm">
+                <dgm:choose name="Name32">
+                  <dgm:if name="Name33" axis="root ch" ptType="all node" func="cnt" op="lte" val="4">
+                    <dgm:presOf axis="desOrSelf" ptType="node"/>
+                  </dgm:if>
+                  <dgm:else name="Name34">
+                    <dgm:presOf/>
+                  </dgm:else>
+                </dgm:choose>
+              </dgm:if>
+              <dgm:else name="Name35">
+                <dgm:choose name="Name36">
+                  <dgm:if name="Name37" axis="root ch" ptType="all node" func="cnt" op="equ" val="2">
+                    <dgm:presOf axis="root ch desOrSelf" ptType="all node node" st="1 2 1" cnt="1 1 0"/>
+                  </dgm:if>
+                  <dgm:else name="Name38">
+                    <dgm:choose name="Name39">
+                      <dgm:if name="Name40" axis="root ch" ptType="all node" func="cnt" op="lte" val="4">
+                        <dgm:presOf axis="desOrSelf" ptType="node"/>
+                      </dgm:if>
+                      <dgm:else name="Name41">
+                        <dgm:presOf/>
+                      </dgm:else>
+                    </dgm:choose>
+                  </dgm:else>
+                </dgm:choose>
+              </dgm:else>
+            </dgm:choose>
+            <dgm:constrLst/>
+            <dgm:ruleLst/>
+          </dgm:layoutNode>
+          <dgm:layoutNode name="circ1Tx" styleLbl="revTx">
+            <dgm:varLst>
+              <dgm:chMax val="0"/>
+              <dgm:chPref val="0"/>
+              <dgm:bulletEnabled val="1"/>
+            </dgm:varLst>
+            <dgm:alg type="tx">
+              <dgm:param type="txAnchorHorzCh" val="ctr"/>
+              <dgm:param type="txAnchorVertCh" val="mid"/>
+            </dgm:alg>
+            <dgm:shape xmlns:r="http://schemas.openxmlformats.org/officeDocument/2006/relationships" type="rect" r:blip="" hideGeom="1">
+              <dgm:adjLst/>
+            </dgm:shape>
+            <dgm:choose name="Name42">
+              <dgm:if name="Name43" func="var" arg="dir" op="equ" val="norm">
+                <dgm:presOf axis="desOrSelf" ptType="node"/>
+              </dgm:if>
+              <dgm:else name="Name44">
+                <dgm:choose name="Name45">
+                  <dgm:if name="Name46" axis="root ch" ptType="all node" func="cnt" op="equ" val="2">
+                    <dgm:presOf axis="root ch desOrSelf" ptType="all node node" st="1 2 1" cnt="1 1 0"/>
+                  </dgm:if>
+                  <dgm:else name="Name47">
+                    <dgm:presOf axis="desOrSelf" ptType="node"/>
+                  </dgm:else>
+                </dgm:choose>
+              </dgm:else>
+            </dgm:choose>
+            <dgm:constrLst>
+              <dgm:constr type="tMarg"/>
+              <dgm:constr type="bMarg"/>
+              <dgm:constr type="lMarg"/>
+              <dgm:constr type="rMarg"/>
+              <dgm:constr type="primFontSz" val="65"/>
+            </dgm:constrLst>
+            <dgm:ruleLst>
+              <dgm:rule type="primFontSz" val="5" fact="NaN" max="NaN"/>
+            </dgm:ruleLst>
+          </dgm:layoutNode>
+        </dgm:else>
+      </dgm:choose>
+    </dgm:forEach>
+    <dgm:forEach name="Name48" axis="ch" ptType="node" st="2" cnt="1">
+      <dgm:layoutNode name="circ2" styleLbl="vennNode1">
+        <dgm:alg type="sp"/>
+        <dgm:shape xmlns:r="http://schemas.openxmlformats.org/officeDocument/2006/relationships" type="ellipse" r:blip="">
+          <dgm:adjLst/>
+        </dgm:shape>
+        <dgm:choose name="Name49">
+          <dgm:if name="Name50" func="var" arg="dir" op="equ" val="norm">
+            <dgm:choose name="Name51">
+              <dgm:if name="Name52" axis="root ch" ptType="all node" func="cnt" op="lte" val="4">
+                <dgm:presOf axis="desOrSelf" ptType="node"/>
+              </dgm:if>
+              <dgm:else name="Name53">
+                <dgm:presOf/>
+              </dgm:else>
+            </dgm:choose>
+          </dgm:if>
+          <dgm:else name="Name54">
+            <dgm:choose name="Name55">
+              <dgm:if name="Name56" axis="root ch" ptType="all node" func="cnt" op="equ" val="2">
+                <dgm:presOf axis="root ch desOrSelf" ptType="all node node" st="1 1 1" cnt="1 1 0"/>
+              </dgm:if>
+              <dgm:if name="Name57" axis="root ch" ptType="all node" func="cnt" op="equ" val="3">
+                <dgm:presOf axis="root ch desOrSelf" ptType="all node node" st="1 3 1" cnt="1 1 0"/>
+              </dgm:if>
+              <dgm:if name="Name58" axis="root ch" ptType="all node" func="cnt" op="equ" val="4">
+                <dgm:presOf axis="root ch desOrSelf" ptType="all node node" st="1 4 1" cnt="1 1 0"/>
+              </dgm:if>
+              <dgm:else name="Name59">
+                <dgm:presOf/>
+              </dgm:else>
+            </dgm:choose>
+          </dgm:else>
+        </dgm:choose>
+        <dgm:constrLst/>
+        <dgm:ruleLst/>
+      </dgm:layoutNode>
+      <dgm:layoutNode name="circ2Tx" styleLbl="revTx">
+        <dgm:varLst>
+          <dgm:chMax val="0"/>
+          <dgm:chPref val="0"/>
+          <dgm:bulletEnabled val="1"/>
+        </dgm:varLst>
+        <dgm:alg type="tx">
+          <dgm:param type="txAnchorHorzCh" val="ctr"/>
+          <dgm:param type="txAnchorVertCh" val="mid"/>
+        </dgm:alg>
+        <dgm:shape xmlns:r="http://schemas.openxmlformats.org/officeDocument/2006/relationships" type="rect" r:blip="" hideGeom="1">
+          <dgm:adjLst/>
+        </dgm:shape>
+        <dgm:choose name="Name60">
+          <dgm:if name="Name61" func="var" arg="dir" op="equ" val="norm">
+            <dgm:presOf axis="desOrSelf" ptType="node"/>
+          </dgm:if>
+          <dgm:else name="Name62">
+            <dgm:choose name="Name63">
+              <dgm:if name="Name64" axis="root ch" ptType="all node" func="cnt" op="equ" val="2">
+                <dgm:presOf axis="root ch desOrSelf" ptType="all node node" st="1 1 1" cnt="1 1 0"/>
+              </dgm:if>
+              <dgm:if name="Name65" axis="root ch" ptType="all node" func="cnt" op="equ" val="3">
+                <dgm:presOf axis="root ch desOrSelf" ptType="all node node" st="1 3 1" cnt="1 1 0"/>
+              </dgm:if>
+              <dgm:if name="Name66" axis="root ch" ptType="all node" func="cnt" op="equ" val="4">
+                <dgm:presOf axis="root ch desOrSelf" ptType="all node node" st="1 4 1" cnt="1 1 0"/>
+              </dgm:if>
+              <dgm:if name="Name67" axis="root ch" ptType="all node" func="cnt" op="equ" val="5">
+                <dgm:presOf axis="root ch desOrSelf" ptType="all node node" st="1 5 1" cnt="1 1 0"/>
+              </dgm:if>
+              <dgm:if name="Name68" axis="root ch" ptType="all node" func="cnt" op="equ" val="6">
+                <dgm:presOf axis="root ch desOrSelf" ptType="all node node" st="1 6 1" cnt="1 1 0"/>
+              </dgm:if>
+              <dgm:else name="Name69">
+                <dgm:presOf axis="root ch desOrSelf" ptType="all node node" st="1 7 1" cnt="1 1 0"/>
+              </dgm:else>
+            </dgm:choose>
+          </dgm:else>
+        </dgm:choose>
+        <dgm:constrLst>
+          <dgm:constr type="tMarg"/>
+          <dgm:constr type="bMarg"/>
+          <dgm:constr type="lMarg"/>
+          <dgm:constr type="rMarg"/>
+          <dgm:constr type="primFontSz" val="65"/>
+        </dgm:constrLst>
+        <dgm:ruleLst>
+          <dgm:rule type="primFontSz" val="5" fact="NaN" max="NaN"/>
+        </dgm:ruleLst>
+      </dgm:layoutNode>
+    </dgm:forEach>
+    <dgm:forEach name="Name70" axis="ch" ptType="node" st="3" cnt="1">
+      <dgm:layoutNode name="circ3" styleLbl="vennNode1">
+        <dgm:alg type="sp"/>
+        <dgm:shape xmlns:r="http://schemas.openxmlformats.org/officeDocument/2006/relationships" type="ellipse" r:blip="">
+          <dgm:adjLst/>
+        </dgm:shape>
+        <dgm:choose name="Name71">
+          <dgm:if name="Name72" func="var" arg="dir" op="equ" val="norm">
+            <dgm:choose name="Name73">
+              <dgm:if name="Name74" axis="root ch" ptType="all node" func="cnt" op="lte" val="4">
+                <dgm:presOf axis="desOrSelf" ptType="node"/>
+              </dgm:if>
+              <dgm:else name="Name75">
+                <dgm:presOf/>
+              </dgm:else>
+            </dgm:choose>
+          </dgm:if>
+          <dgm:else name="Name76">
+            <dgm:choose name="Name77">
+              <dgm:if name="Name78" axis="root ch" ptType="all node" func="cnt" op="equ" val="3">
+                <dgm:presOf axis="root ch desOrSelf" ptType="all node node" st="1 2 1" cnt="1 1 0"/>
+              </dgm:if>
+              <dgm:if name="Name79" axis="root ch" ptType="all node" func="cnt" op="equ" val="4">
+                <dgm:presOf axis="root ch desOrSelf" ptType="all node node" st="1 3 1" cnt="1 1 0"/>
+              </dgm:if>
+              <dgm:else name="Name80">
+                <dgm:presOf/>
+              </dgm:else>
+            </dgm:choose>
+          </dgm:else>
+        </dgm:choose>
+        <dgm:constrLst/>
+        <dgm:ruleLst/>
+      </dgm:layoutNode>
+      <dgm:layoutNode name="circ3Tx" styleLbl="revTx">
+        <dgm:varLst>
+          <dgm:chMax val="0"/>
+          <dgm:chPref val="0"/>
+          <dgm:bulletEnabled val="1"/>
+        </dgm:varLst>
+        <dgm:alg type="tx">
+          <dgm:param type="txAnchorHorzCh" val="ctr"/>
+          <dgm:param type="txAnchorVertCh" val="mid"/>
+        </dgm:alg>
+        <dgm:shape xmlns:r="http://schemas.openxmlformats.org/officeDocument/2006/relationships" type="rect" r:blip="" hideGeom="1">
+          <dgm:adjLst/>
+        </dgm:shape>
+        <dgm:choose name="Name81">
+          <dgm:if name="Name82" func="var" arg="dir" op="equ" val="norm">
+            <dgm:presOf axis="desOrSelf" ptType="node"/>
+          </dgm:if>
+          <dgm:else name="Name83">
+            <dgm:choose name="Name84">
+              <dgm:if name="Name85" axis="root ch" ptType="all node" func="cnt" op="equ" val="3">
+                <dgm:presOf axis="root ch desOrSelf" ptType="all node node" st="1 2 1" cnt="1 1 0"/>
+              </dgm:if>
+              <dgm:if name="Name86" axis="root ch" ptType="all node" func="cnt" op="equ" val="4">
+                <dgm:presOf axis="root ch desOrSelf" ptType="all node node" st="1 3 1" cnt="1 1 0"/>
+              </dgm:if>
+              <dgm:if name="Name87" axis="root ch" ptType="all node" func="cnt" op="equ" val="5">
+                <dgm:presOf axis="root ch desOrSelf" ptType="all node node" st="1 4 1" cnt="1 1 0"/>
+              </dgm:if>
+              <dgm:if name="Name88" axis="root ch" ptType="all node" func="cnt" op="equ" val="6">
+                <dgm:presOf axis="root ch desOrSelf" ptType="all node node" st="1 5 1" cnt="1 1 0"/>
+              </dgm:if>
+              <dgm:else name="Name89">
+                <dgm:presOf axis="root ch desOrSelf" ptType="all node node" st="1 6 1" cnt="1 1 0"/>
+              </dgm:else>
+            </dgm:choose>
+          </dgm:else>
+        </dgm:choose>
+        <dgm:constrLst>
+          <dgm:constr type="tMarg"/>
+          <dgm:constr type="bMarg"/>
+          <dgm:constr type="lMarg"/>
+          <dgm:constr type="rMarg"/>
+          <dgm:constr type="primFontSz" val="65"/>
+        </dgm:constrLst>
+        <dgm:ruleLst>
+          <dgm:rule type="primFontSz" val="5" fact="NaN" max="NaN"/>
+        </dgm:ruleLst>
+      </dgm:layoutNode>
+    </dgm:forEach>
+    <dgm:forEach name="Name90" axis="ch" ptType="node" st="4" cnt="1">
+      <dgm:layoutNode name="circ4" styleLbl="vennNode1">
+        <dgm:alg type="sp"/>
+        <dgm:shape xmlns:r="http://schemas.openxmlformats.org/officeDocument/2006/relationships" type="ellipse" r:blip="">
+          <dgm:adjLst/>
+        </dgm:shape>
+        <dgm:choose name="Name91">
+          <dgm:if name="Name92" func="var" arg="dir" op="equ" val="norm">
+            <dgm:choose name="Name93">
+              <dgm:if name="Name94" axis="root ch" ptType="all node" func="cnt" op="lte" val="4">
+                <dgm:presOf axis="desOrSelf" ptType="node"/>
+              </dgm:if>
+              <dgm:else name="Name95">
+                <dgm:presOf/>
+              </dgm:else>
+            </dgm:choose>
+          </dgm:if>
+          <dgm:else name="Name96">
+            <dgm:choose name="Name97">
+              <dgm:if name="Name98" axis="root ch" ptType="all node" func="cnt" op="equ" val="4">
+                <dgm:presOf axis="root ch desOrSelf" ptType="all node node" st="1 2 1" cnt="1 1 0"/>
+              </dgm:if>
+              <dgm:else name="Name99">
+                <dgm:presOf/>
+              </dgm:else>
+            </dgm:choose>
+          </dgm:else>
+        </dgm:choose>
+        <dgm:constrLst/>
+        <dgm:ruleLst/>
+      </dgm:layoutNode>
+      <dgm:layoutNode name="circ4Tx" styleLbl="revTx">
+        <dgm:varLst>
+          <dgm:chMax val="0"/>
+          <dgm:chPref val="0"/>
+          <dgm:bulletEnabled val="1"/>
+        </dgm:varLst>
+        <dgm:alg type="tx">
+          <dgm:param type="txAnchorHorzCh" val="ctr"/>
+          <dgm:param type="txAnchorVertCh" val="mid"/>
+        </dgm:alg>
+        <dgm:shape xmlns:r="http://schemas.openxmlformats.org/officeDocument/2006/relationships" type="rect" r:blip="" hideGeom="1">
+          <dgm:adjLst/>
+        </dgm:shape>
+        <dgm:choose name="Name100">
+          <dgm:if name="Name101" func="var" arg="dir" op="equ" val="norm">
+            <dgm:presOf axis="desOrSelf" ptType="node"/>
+          </dgm:if>
+          <dgm:else name="Name102">
+            <dgm:choose name="Name103">
+              <dgm:if name="Name104" axis="root ch" ptType="all node" func="cnt" op="equ" val="4">
+                <dgm:presOf axis="root ch desOrSelf" ptType="all node node" st="1 2 1" cnt="1 1 0"/>
+              </dgm:if>
+              <dgm:if name="Name105" axis="root ch" ptType="all node" func="cnt" op="equ" val="5">
+                <dgm:presOf axis="root ch desOrSelf" ptType="all node node" st="1 3 1" cnt="1 1 0"/>
+              </dgm:if>
+              <dgm:if name="Name106" axis="root ch" ptType="all node" func="cnt" op="equ" val="6">
+                <dgm:presOf axis="root ch desOrSelf" ptType="all node node" st="1 4 1" cnt="1 1 0"/>
+              </dgm:if>
+              <dgm:else name="Name107">
+                <dgm:presOf axis="root ch desOrSelf" ptType="all node node" st="1 5 1" cnt="1 1 0"/>
+              </dgm:else>
+            </dgm:choose>
+          </dgm:else>
+        </dgm:choose>
+        <dgm:constrLst>
+          <dgm:constr type="tMarg"/>
+          <dgm:constr type="bMarg"/>
+          <dgm:constr type="lMarg"/>
+          <dgm:constr type="rMarg"/>
+          <dgm:constr type="primFontSz" val="65"/>
+        </dgm:constrLst>
+        <dgm:ruleLst>
+          <dgm:rule type="primFontSz" val="5" fact="NaN" max="NaN"/>
+        </dgm:ruleLst>
+      </dgm:layoutNode>
+    </dgm:forEach>
+    <dgm:forEach name="Name108" axis="ch" ptType="node" st="5" cnt="1">
+      <dgm:layoutNode name="circ5" styleLbl="vennNode1">
+        <dgm:alg type="sp"/>
+        <dgm:shape xmlns:r="http://schemas.openxmlformats.org/officeDocument/2006/relationships" type="ellipse" r:blip="">
+          <dgm:adjLst/>
+        </dgm:shape>
+        <dgm:presOf/>
+        <dgm:constrLst/>
+        <dgm:ruleLst/>
+      </dgm:layoutNode>
+      <dgm:layoutNode name="circ5Tx" styleLbl="revTx">
+        <dgm:varLst>
+          <dgm:chMax val="0"/>
+          <dgm:chPref val="0"/>
+          <dgm:bulletEnabled val="1"/>
+        </dgm:varLst>
+        <dgm:alg type="tx">
+          <dgm:param type="txAnchorHorzCh" val="ctr"/>
+          <dgm:param type="txAnchorVertCh" val="mid"/>
+        </dgm:alg>
+        <dgm:shape xmlns:r="http://schemas.openxmlformats.org/officeDocument/2006/relationships" type="rect" r:blip="" hideGeom="1">
+          <dgm:adjLst/>
+        </dgm:shape>
+        <dgm:choose name="Name109">
+          <dgm:if name="Name110" func="var" arg="dir" op="equ" val="norm">
+            <dgm:presOf axis="desOrSelf" ptType="node"/>
+          </dgm:if>
+          <dgm:else name="Name111">
+            <dgm:choose name="Name112">
+              <dgm:if name="Name113" axis="root ch" ptType="all node" func="cnt" op="equ" val="5">
+                <dgm:presOf axis="root ch desOrSelf" ptType="all node node" st="1 2 1" cnt="1 1 0"/>
+              </dgm:if>
+              <dgm:if name="Name114" axis="root ch" ptType="all node" func="cnt" op="equ" val="6">
+                <dgm:presOf axis="root ch desOrSelf" ptType="all node node" st="1 3 1" cnt="1 1 0"/>
+              </dgm:if>
+              <dgm:else name="Name115">
+                <dgm:presOf axis="root ch desOrSelf" ptType="all node node" st="1 4 1" cnt="1 1 0"/>
+              </dgm:else>
+            </dgm:choose>
+          </dgm:else>
+        </dgm:choose>
+        <dgm:constrLst>
+          <dgm:constr type="tMarg"/>
+          <dgm:constr type="bMarg"/>
+          <dgm:constr type="lMarg"/>
+          <dgm:constr type="rMarg"/>
+          <dgm:constr type="primFontSz" val="65"/>
+        </dgm:constrLst>
+        <dgm:ruleLst>
+          <dgm:rule type="primFontSz" val="5" fact="NaN" max="NaN"/>
+        </dgm:ruleLst>
+      </dgm:layoutNode>
+    </dgm:forEach>
+    <dgm:forEach name="Name116" axis="ch" ptType="node" st="6" cnt="1">
+      <dgm:layoutNode name="circ6" styleLbl="vennNode1">
+        <dgm:alg type="sp"/>
+        <dgm:shape xmlns:r="http://schemas.openxmlformats.org/officeDocument/2006/relationships" type="ellipse" r:blip="">
+          <dgm:adjLst/>
+        </dgm:shape>
+        <dgm:presOf/>
+        <dgm:constrLst/>
+        <dgm:ruleLst/>
+      </dgm:layoutNode>
+      <dgm:layoutNode name="circ6Tx" styleLbl="revTx">
+        <dgm:varLst>
+          <dgm:chMax val="0"/>
+          <dgm:chPref val="0"/>
+          <dgm:bulletEnabled val="1"/>
+        </dgm:varLst>
+        <dgm:alg type="tx">
+          <dgm:param type="txAnchorHorzCh" val="ctr"/>
+          <dgm:param type="txAnchorVertCh" val="mid"/>
+        </dgm:alg>
+        <dgm:shape xmlns:r="http://schemas.openxmlformats.org/officeDocument/2006/relationships" type="rect" r:blip="" hideGeom="1">
+          <dgm:adjLst/>
+        </dgm:shape>
+        <dgm:choose name="Name117">
+          <dgm:if name="Name118" func="var" arg="dir" op="equ" val="norm">
+            <dgm:presOf axis="desOrSelf" ptType="node"/>
+          </dgm:if>
+          <dgm:else name="Name119">
+            <dgm:choose name="Name120">
+              <dgm:if name="Name121" axis="root ch" ptType="all node" func="cnt" op="equ" val="6">
+                <dgm:presOf axis="root ch desOrSelf" ptType="all node node" st="1 2 1" cnt="1 1 0"/>
+              </dgm:if>
+              <dgm:else name="Name122">
+                <dgm:presOf axis="root ch desOrSelf" ptType="all node node" st="1 3 1" cnt="1 1 0"/>
+              </dgm:else>
+            </dgm:choose>
+          </dgm:else>
+        </dgm:choose>
+        <dgm:constrLst>
+          <dgm:constr type="tMarg"/>
+          <dgm:constr type="bMarg"/>
+          <dgm:constr type="lMarg"/>
+          <dgm:constr type="rMarg"/>
+          <dgm:constr type="primFontSz" val="65"/>
+        </dgm:constrLst>
+        <dgm:ruleLst>
+          <dgm:rule type="primFontSz" val="5" fact="NaN" max="NaN"/>
+        </dgm:ruleLst>
+      </dgm:layoutNode>
+    </dgm:forEach>
+    <dgm:forEach name="Name123" axis="ch" ptType="node" st="7" cnt="1">
+      <dgm:layoutNode name="circ7" styleLbl="vennNode1">
+        <dgm:alg type="sp"/>
+        <dgm:shape xmlns:r="http://schemas.openxmlformats.org/officeDocument/2006/relationships" type="ellipse" r:blip="">
+          <dgm:adjLst/>
+        </dgm:shape>
+        <dgm:presOf/>
+        <dgm:constrLst/>
+        <dgm:ruleLst/>
+      </dgm:layoutNode>
+      <dgm:layoutNode name="circ7Tx" styleLbl="revTx">
+        <dgm:varLst>
+          <dgm:chMax val="0"/>
+          <dgm:chPref val="0"/>
+          <dgm:bulletEnabled val="1"/>
+        </dgm:varLst>
+        <dgm:alg type="tx">
+          <dgm:param type="txAnchorHorzCh" val="ctr"/>
+          <dgm:param type="txAnchorVertCh" val="mid"/>
+        </dgm:alg>
+        <dgm:shape xmlns:r="http://schemas.openxmlformats.org/officeDocument/2006/relationships" type="rect" r:blip="" hideGeom="1">
+          <dgm:adjLst/>
+        </dgm:shape>
+        <dgm:choose name="Name124">
+          <dgm:if name="Name125" func="var" arg="dir" op="equ" val="norm">
+            <dgm:presOf axis="desOrSelf" ptType="node"/>
+          </dgm:if>
+          <dgm:else name="Name126">
+            <dgm:presOf axis="root ch desOrSelf" ptType="all node node" st="1 2 1" cnt="1 1 0"/>
+          </dgm:else>
+        </dgm:choose>
+        <dgm:constrLst>
+          <dgm:constr type="tMarg"/>
+          <dgm:constr type="bMarg"/>
+          <dgm:constr type="lMarg"/>
+          <dgm:constr type="rMarg"/>
+          <dgm:constr type="primFontSz" val="65"/>
+        </dgm:constrLst>
+        <dgm:ruleLst>
+          <dgm:rule type="primFontSz" val="5" fact="NaN" max="NaN"/>
+        </dgm:ruleLst>
+      </dgm:layoutNode>
+    </dgm:forEach>
+  </dgm:layoutNode>
+</dgm:layoutDef>
+</file>
+
 <file path=ppt/diagrams/quickStyle1.xml><?xml version="1.0" encoding="utf-8"?>
 <dgm:styleDef xmlns:dgm="http://schemas.openxmlformats.org/drawingml/2006/diagram" xmlns:a="http://schemas.openxmlformats.org/drawingml/2006/main" uniqueId="urn:microsoft.com/office/officeart/2005/8/quickstyle/simple4">
   <dgm:title val=""/>
@@ -3246,6 +6059,1040 @@
         <a:scrgbClr r="0" g="0" b="0"/>
       </a:fillRef>
       <a:effectRef idx="2">
+        <a:scrgbClr r="0" g="0" b="0"/>
+      </a:effectRef>
+      <a:fontRef idx="minor"/>
+    </dgm:style>
+  </dgm:styleLbl>
+  <dgm:styleLbl name="revTx">
+    <dgm:scene3d>
+      <a:camera prst="orthographicFront"/>
+      <a:lightRig rig="threePt" dir="t"/>
+    </dgm:scene3d>
+    <dgm:sp3d/>
+    <dgm:txPr/>
+    <dgm:style>
+      <a:lnRef idx="0">
+        <a:scrgbClr r="0" g="0" b="0"/>
+      </a:lnRef>
+      <a:fillRef idx="0">
+        <a:scrgbClr r="0" g="0" b="0"/>
+      </a:fillRef>
+      <a:effectRef idx="0">
+        <a:scrgbClr r="0" g="0" b="0"/>
+      </a:effectRef>
+      <a:fontRef idx="minor"/>
+    </dgm:style>
+  </dgm:styleLbl>
+</dgm:styleDef>
+</file>
+
+<file path=ppt/diagrams/quickStyle2.xml><?xml version="1.0" encoding="utf-8"?>
+<dgm:styleDef xmlns:dgm="http://schemas.openxmlformats.org/drawingml/2006/diagram" xmlns:a="http://schemas.openxmlformats.org/drawingml/2006/main" uniqueId="urn:microsoft.com/office/officeart/2005/8/quickstyle/simple1">
+  <dgm:title val=""/>
+  <dgm:desc val=""/>
+  <dgm:catLst>
+    <dgm:cat type="simple" pri="10100"/>
+  </dgm:catLst>
+  <dgm:scene3d>
+    <a:camera prst="orthographicFront"/>
+    <a:lightRig rig="threePt" dir="t"/>
+  </dgm:scene3d>
+  <dgm:styleLbl name="node0">
+    <dgm:scene3d>
+      <a:camera prst="orthographicFront"/>
+      <a:lightRig rig="threePt" dir="t"/>
+    </dgm:scene3d>
+    <dgm:sp3d/>
+    <dgm:txPr/>
+    <dgm:style>
+      <a:lnRef idx="2">
+        <a:scrgbClr r="0" g="0" b="0"/>
+      </a:lnRef>
+      <a:fillRef idx="1">
+        <a:scrgbClr r="0" g="0" b="0"/>
+      </a:fillRef>
+      <a:effectRef idx="0">
+        <a:scrgbClr r="0" g="0" b="0"/>
+      </a:effectRef>
+      <a:fontRef idx="minor">
+        <a:schemeClr val="lt1"/>
+      </a:fontRef>
+    </dgm:style>
+  </dgm:styleLbl>
+  <dgm:styleLbl name="lnNode1">
+    <dgm:scene3d>
+      <a:camera prst="orthographicFront"/>
+      <a:lightRig rig="threePt" dir="t"/>
+    </dgm:scene3d>
+    <dgm:sp3d/>
+    <dgm:txPr/>
+    <dgm:style>
+      <a:lnRef idx="2">
+        <a:scrgbClr r="0" g="0" b="0"/>
+      </a:lnRef>
+      <a:fillRef idx="1">
+        <a:scrgbClr r="0" g="0" b="0"/>
+      </a:fillRef>
+      <a:effectRef idx="0">
+        <a:scrgbClr r="0" g="0" b="0"/>
+      </a:effectRef>
+      <a:fontRef idx="minor">
+        <a:schemeClr val="lt1"/>
+      </a:fontRef>
+    </dgm:style>
+  </dgm:styleLbl>
+  <dgm:styleLbl name="vennNode1">
+    <dgm:scene3d>
+      <a:camera prst="orthographicFront"/>
+      <a:lightRig rig="threePt" dir="t"/>
+    </dgm:scene3d>
+    <dgm:sp3d/>
+    <dgm:txPr/>
+    <dgm:style>
+      <a:lnRef idx="2">
+        <a:scrgbClr r="0" g="0" b="0"/>
+      </a:lnRef>
+      <a:fillRef idx="1">
+        <a:scrgbClr r="0" g="0" b="0"/>
+      </a:fillRef>
+      <a:effectRef idx="0">
+        <a:scrgbClr r="0" g="0" b="0"/>
+      </a:effectRef>
+      <a:fontRef idx="minor">
+        <a:schemeClr val="tx1"/>
+      </a:fontRef>
+    </dgm:style>
+  </dgm:styleLbl>
+  <dgm:styleLbl name="alignNode1">
+    <dgm:scene3d>
+      <a:camera prst="orthographicFront"/>
+      <a:lightRig rig="threePt" dir="t"/>
+    </dgm:scene3d>
+    <dgm:sp3d/>
+    <dgm:txPr/>
+    <dgm:style>
+      <a:lnRef idx="2">
+        <a:scrgbClr r="0" g="0" b="0"/>
+      </a:lnRef>
+      <a:fillRef idx="1">
+        <a:scrgbClr r="0" g="0" b="0"/>
+      </a:fillRef>
+      <a:effectRef idx="0">
+        <a:scrgbClr r="0" g="0" b="0"/>
+      </a:effectRef>
+      <a:fontRef idx="minor">
+        <a:schemeClr val="lt1"/>
+      </a:fontRef>
+    </dgm:style>
+  </dgm:styleLbl>
+  <dgm:styleLbl name="node1">
+    <dgm:scene3d>
+      <a:camera prst="orthographicFront"/>
+      <a:lightRig rig="threePt" dir="t"/>
+    </dgm:scene3d>
+    <dgm:sp3d/>
+    <dgm:txPr/>
+    <dgm:style>
+      <a:lnRef idx="2">
+        <a:scrgbClr r="0" g="0" b="0"/>
+      </a:lnRef>
+      <a:fillRef idx="1">
+        <a:scrgbClr r="0" g="0" b="0"/>
+      </a:fillRef>
+      <a:effectRef idx="0">
+        <a:scrgbClr r="0" g="0" b="0"/>
+      </a:effectRef>
+      <a:fontRef idx="minor">
+        <a:schemeClr val="lt1"/>
+      </a:fontRef>
+    </dgm:style>
+  </dgm:styleLbl>
+  <dgm:styleLbl name="node2">
+    <dgm:scene3d>
+      <a:camera prst="orthographicFront"/>
+      <a:lightRig rig="threePt" dir="t"/>
+    </dgm:scene3d>
+    <dgm:sp3d/>
+    <dgm:txPr/>
+    <dgm:style>
+      <a:lnRef idx="2">
+        <a:scrgbClr r="0" g="0" b="0"/>
+      </a:lnRef>
+      <a:fillRef idx="1">
+        <a:scrgbClr r="0" g="0" b="0"/>
+      </a:fillRef>
+      <a:effectRef idx="0">
+        <a:scrgbClr r="0" g="0" b="0"/>
+      </a:effectRef>
+      <a:fontRef idx="minor">
+        <a:schemeClr val="lt1"/>
+      </a:fontRef>
+    </dgm:style>
+  </dgm:styleLbl>
+  <dgm:styleLbl name="node3">
+    <dgm:scene3d>
+      <a:camera prst="orthographicFront"/>
+      <a:lightRig rig="threePt" dir="t"/>
+    </dgm:scene3d>
+    <dgm:sp3d/>
+    <dgm:txPr/>
+    <dgm:style>
+      <a:lnRef idx="2">
+        <a:scrgbClr r="0" g="0" b="0"/>
+      </a:lnRef>
+      <a:fillRef idx="1">
+        <a:scrgbClr r="0" g="0" b="0"/>
+      </a:fillRef>
+      <a:effectRef idx="0">
+        <a:scrgbClr r="0" g="0" b="0"/>
+      </a:effectRef>
+      <a:fontRef idx="minor">
+        <a:schemeClr val="lt1"/>
+      </a:fontRef>
+    </dgm:style>
+  </dgm:styleLbl>
+  <dgm:styleLbl name="node4">
+    <dgm:scene3d>
+      <a:camera prst="orthographicFront"/>
+      <a:lightRig rig="threePt" dir="t"/>
+    </dgm:scene3d>
+    <dgm:sp3d/>
+    <dgm:txPr/>
+    <dgm:style>
+      <a:lnRef idx="2">
+        <a:scrgbClr r="0" g="0" b="0"/>
+      </a:lnRef>
+      <a:fillRef idx="1">
+        <a:scrgbClr r="0" g="0" b="0"/>
+      </a:fillRef>
+      <a:effectRef idx="0">
+        <a:scrgbClr r="0" g="0" b="0"/>
+      </a:effectRef>
+      <a:fontRef idx="minor">
+        <a:schemeClr val="lt1"/>
+      </a:fontRef>
+    </dgm:style>
+  </dgm:styleLbl>
+  <dgm:styleLbl name="fgImgPlace1">
+    <dgm:scene3d>
+      <a:camera prst="orthographicFront"/>
+      <a:lightRig rig="threePt" dir="t"/>
+    </dgm:scene3d>
+    <dgm:sp3d/>
+    <dgm:txPr/>
+    <dgm:style>
+      <a:lnRef idx="2">
+        <a:scrgbClr r="0" g="0" b="0"/>
+      </a:lnRef>
+      <a:fillRef idx="1">
+        <a:scrgbClr r="0" g="0" b="0"/>
+      </a:fillRef>
+      <a:effectRef idx="0">
+        <a:scrgbClr r="0" g="0" b="0"/>
+      </a:effectRef>
+      <a:fontRef idx="minor"/>
+    </dgm:style>
+  </dgm:styleLbl>
+  <dgm:styleLbl name="alignImgPlace1">
+    <dgm:scene3d>
+      <a:camera prst="orthographicFront"/>
+      <a:lightRig rig="threePt" dir="t"/>
+    </dgm:scene3d>
+    <dgm:sp3d/>
+    <dgm:txPr/>
+    <dgm:style>
+      <a:lnRef idx="2">
+        <a:scrgbClr r="0" g="0" b="0"/>
+      </a:lnRef>
+      <a:fillRef idx="1">
+        <a:scrgbClr r="0" g="0" b="0"/>
+      </a:fillRef>
+      <a:effectRef idx="0">
+        <a:scrgbClr r="0" g="0" b="0"/>
+      </a:effectRef>
+      <a:fontRef idx="minor"/>
+    </dgm:style>
+  </dgm:styleLbl>
+  <dgm:styleLbl name="bgImgPlace1">
+    <dgm:scene3d>
+      <a:camera prst="orthographicFront"/>
+      <a:lightRig rig="threePt" dir="t"/>
+    </dgm:scene3d>
+    <dgm:sp3d/>
+    <dgm:txPr/>
+    <dgm:style>
+      <a:lnRef idx="2">
+        <a:scrgbClr r="0" g="0" b="0"/>
+      </a:lnRef>
+      <a:fillRef idx="1">
+        <a:scrgbClr r="0" g="0" b="0"/>
+      </a:fillRef>
+      <a:effectRef idx="0">
+        <a:scrgbClr r="0" g="0" b="0"/>
+      </a:effectRef>
+      <a:fontRef idx="minor"/>
+    </dgm:style>
+  </dgm:styleLbl>
+  <dgm:styleLbl name="sibTrans2D1">
+    <dgm:scene3d>
+      <a:camera prst="orthographicFront"/>
+      <a:lightRig rig="threePt" dir="t"/>
+    </dgm:scene3d>
+    <dgm:sp3d/>
+    <dgm:txPr/>
+    <dgm:style>
+      <a:lnRef idx="0">
+        <a:scrgbClr r="0" g="0" b="0"/>
+      </a:lnRef>
+      <a:fillRef idx="1">
+        <a:scrgbClr r="0" g="0" b="0"/>
+      </a:fillRef>
+      <a:effectRef idx="0">
+        <a:scrgbClr r="0" g="0" b="0"/>
+      </a:effectRef>
+      <a:fontRef idx="minor">
+        <a:schemeClr val="lt1"/>
+      </a:fontRef>
+    </dgm:style>
+  </dgm:styleLbl>
+  <dgm:styleLbl name="fgSibTrans2D1">
+    <dgm:scene3d>
+      <a:camera prst="orthographicFront"/>
+      <a:lightRig rig="threePt" dir="t"/>
+    </dgm:scene3d>
+    <dgm:sp3d/>
+    <dgm:txPr/>
+    <dgm:style>
+      <a:lnRef idx="0">
+        <a:scrgbClr r="0" g="0" b="0"/>
+      </a:lnRef>
+      <a:fillRef idx="1">
+        <a:scrgbClr r="0" g="0" b="0"/>
+      </a:fillRef>
+      <a:effectRef idx="0">
+        <a:scrgbClr r="0" g="0" b="0"/>
+      </a:effectRef>
+      <a:fontRef idx="minor">
+        <a:schemeClr val="lt1"/>
+      </a:fontRef>
+    </dgm:style>
+  </dgm:styleLbl>
+  <dgm:styleLbl name="bgSibTrans2D1">
+    <dgm:scene3d>
+      <a:camera prst="orthographicFront"/>
+      <a:lightRig rig="threePt" dir="t"/>
+    </dgm:scene3d>
+    <dgm:sp3d/>
+    <dgm:txPr/>
+    <dgm:style>
+      <a:lnRef idx="0">
+        <a:scrgbClr r="0" g="0" b="0"/>
+      </a:lnRef>
+      <a:fillRef idx="1">
+        <a:scrgbClr r="0" g="0" b="0"/>
+      </a:fillRef>
+      <a:effectRef idx="0">
+        <a:scrgbClr r="0" g="0" b="0"/>
+      </a:effectRef>
+      <a:fontRef idx="minor">
+        <a:schemeClr val="lt1"/>
+      </a:fontRef>
+    </dgm:style>
+  </dgm:styleLbl>
+  <dgm:styleLbl name="sibTrans1D1">
+    <dgm:scene3d>
+      <a:camera prst="orthographicFront"/>
+      <a:lightRig rig="threePt" dir="t"/>
+    </dgm:scene3d>
+    <dgm:sp3d/>
+    <dgm:txPr/>
+    <dgm:style>
+      <a:lnRef idx="1">
+        <a:scrgbClr r="0" g="0" b="0"/>
+      </a:lnRef>
+      <a:fillRef idx="0">
+        <a:scrgbClr r="0" g="0" b="0"/>
+      </a:fillRef>
+      <a:effectRef idx="0">
+        <a:scrgbClr r="0" g="0" b="0"/>
+      </a:effectRef>
+      <a:fontRef idx="minor"/>
+    </dgm:style>
+  </dgm:styleLbl>
+  <dgm:styleLbl name="callout">
+    <dgm:scene3d>
+      <a:camera prst="orthographicFront"/>
+      <a:lightRig rig="threePt" dir="t"/>
+    </dgm:scene3d>
+    <dgm:sp3d/>
+    <dgm:txPr/>
+    <dgm:style>
+      <a:lnRef idx="2">
+        <a:scrgbClr r="0" g="0" b="0"/>
+      </a:lnRef>
+      <a:fillRef idx="1">
+        <a:scrgbClr r="0" g="0" b="0"/>
+      </a:fillRef>
+      <a:effectRef idx="0">
+        <a:scrgbClr r="0" g="0" b="0"/>
+      </a:effectRef>
+      <a:fontRef idx="minor"/>
+    </dgm:style>
+  </dgm:styleLbl>
+  <dgm:styleLbl name="asst0">
+    <dgm:scene3d>
+      <a:camera prst="orthographicFront"/>
+      <a:lightRig rig="threePt" dir="t"/>
+    </dgm:scene3d>
+    <dgm:sp3d/>
+    <dgm:txPr/>
+    <dgm:style>
+      <a:lnRef idx="2">
+        <a:scrgbClr r="0" g="0" b="0"/>
+      </a:lnRef>
+      <a:fillRef idx="1">
+        <a:scrgbClr r="0" g="0" b="0"/>
+      </a:fillRef>
+      <a:effectRef idx="0">
+        <a:scrgbClr r="0" g="0" b="0"/>
+      </a:effectRef>
+      <a:fontRef idx="minor">
+        <a:schemeClr val="lt1"/>
+      </a:fontRef>
+    </dgm:style>
+  </dgm:styleLbl>
+  <dgm:styleLbl name="asst1">
+    <dgm:scene3d>
+      <a:camera prst="orthographicFront"/>
+      <a:lightRig rig="threePt" dir="t"/>
+    </dgm:scene3d>
+    <dgm:sp3d/>
+    <dgm:txPr/>
+    <dgm:style>
+      <a:lnRef idx="2">
+        <a:scrgbClr r="0" g="0" b="0"/>
+      </a:lnRef>
+      <a:fillRef idx="1">
+        <a:scrgbClr r="0" g="0" b="0"/>
+      </a:fillRef>
+      <a:effectRef idx="0">
+        <a:scrgbClr r="0" g="0" b="0"/>
+      </a:effectRef>
+      <a:fontRef idx="minor">
+        <a:schemeClr val="lt1"/>
+      </a:fontRef>
+    </dgm:style>
+  </dgm:styleLbl>
+  <dgm:styleLbl name="asst2">
+    <dgm:scene3d>
+      <a:camera prst="orthographicFront"/>
+      <a:lightRig rig="threePt" dir="t"/>
+    </dgm:scene3d>
+    <dgm:sp3d/>
+    <dgm:txPr/>
+    <dgm:style>
+      <a:lnRef idx="2">
+        <a:scrgbClr r="0" g="0" b="0"/>
+      </a:lnRef>
+      <a:fillRef idx="1">
+        <a:scrgbClr r="0" g="0" b="0"/>
+      </a:fillRef>
+      <a:effectRef idx="0">
+        <a:scrgbClr r="0" g="0" b="0"/>
+      </a:effectRef>
+      <a:fontRef idx="minor">
+        <a:schemeClr val="lt1"/>
+      </a:fontRef>
+    </dgm:style>
+  </dgm:styleLbl>
+  <dgm:styleLbl name="asst3">
+    <dgm:scene3d>
+      <a:camera prst="orthographicFront"/>
+      <a:lightRig rig="threePt" dir="t"/>
+    </dgm:scene3d>
+    <dgm:sp3d/>
+    <dgm:txPr/>
+    <dgm:style>
+      <a:lnRef idx="2">
+        <a:scrgbClr r="0" g="0" b="0"/>
+      </a:lnRef>
+      <a:fillRef idx="1">
+        <a:scrgbClr r="0" g="0" b="0"/>
+      </a:fillRef>
+      <a:effectRef idx="0">
+        <a:scrgbClr r="0" g="0" b="0"/>
+      </a:effectRef>
+      <a:fontRef idx="minor">
+        <a:schemeClr val="lt1"/>
+      </a:fontRef>
+    </dgm:style>
+  </dgm:styleLbl>
+  <dgm:styleLbl name="asst4">
+    <dgm:scene3d>
+      <a:camera prst="orthographicFront"/>
+      <a:lightRig rig="threePt" dir="t"/>
+    </dgm:scene3d>
+    <dgm:sp3d/>
+    <dgm:txPr/>
+    <dgm:style>
+      <a:lnRef idx="2">
+        <a:scrgbClr r="0" g="0" b="0"/>
+      </a:lnRef>
+      <a:fillRef idx="1">
+        <a:scrgbClr r="0" g="0" b="0"/>
+      </a:fillRef>
+      <a:effectRef idx="0">
+        <a:scrgbClr r="0" g="0" b="0"/>
+      </a:effectRef>
+      <a:fontRef idx="minor">
+        <a:schemeClr val="lt1"/>
+      </a:fontRef>
+    </dgm:style>
+  </dgm:styleLbl>
+  <dgm:styleLbl name="parChTrans2D1">
+    <dgm:scene3d>
+      <a:camera prst="orthographicFront"/>
+      <a:lightRig rig="threePt" dir="t"/>
+    </dgm:scene3d>
+    <dgm:sp3d/>
+    <dgm:txPr/>
+    <dgm:style>
+      <a:lnRef idx="2">
+        <a:scrgbClr r="0" g="0" b="0"/>
+      </a:lnRef>
+      <a:fillRef idx="1">
+        <a:scrgbClr r="0" g="0" b="0"/>
+      </a:fillRef>
+      <a:effectRef idx="0">
+        <a:scrgbClr r="0" g="0" b="0"/>
+      </a:effectRef>
+      <a:fontRef idx="minor">
+        <a:schemeClr val="lt1"/>
+      </a:fontRef>
+    </dgm:style>
+  </dgm:styleLbl>
+  <dgm:styleLbl name="parChTrans2D2">
+    <dgm:scene3d>
+      <a:camera prst="orthographicFront"/>
+      <a:lightRig rig="threePt" dir="t"/>
+    </dgm:scene3d>
+    <dgm:sp3d/>
+    <dgm:txPr/>
+    <dgm:style>
+      <a:lnRef idx="2">
+        <a:scrgbClr r="0" g="0" b="0"/>
+      </a:lnRef>
+      <a:fillRef idx="1">
+        <a:scrgbClr r="0" g="0" b="0"/>
+      </a:fillRef>
+      <a:effectRef idx="0">
+        <a:scrgbClr r="0" g="0" b="0"/>
+      </a:effectRef>
+      <a:fontRef idx="minor">
+        <a:schemeClr val="lt1"/>
+      </a:fontRef>
+    </dgm:style>
+  </dgm:styleLbl>
+  <dgm:styleLbl name="parChTrans2D3">
+    <dgm:scene3d>
+      <a:camera prst="orthographicFront"/>
+      <a:lightRig rig="threePt" dir="t"/>
+    </dgm:scene3d>
+    <dgm:sp3d/>
+    <dgm:txPr/>
+    <dgm:style>
+      <a:lnRef idx="2">
+        <a:scrgbClr r="0" g="0" b="0"/>
+      </a:lnRef>
+      <a:fillRef idx="1">
+        <a:scrgbClr r="0" g="0" b="0"/>
+      </a:fillRef>
+      <a:effectRef idx="0">
+        <a:scrgbClr r="0" g="0" b="0"/>
+      </a:effectRef>
+      <a:fontRef idx="minor">
+        <a:schemeClr val="lt1"/>
+      </a:fontRef>
+    </dgm:style>
+  </dgm:styleLbl>
+  <dgm:styleLbl name="parChTrans2D4">
+    <dgm:scene3d>
+      <a:camera prst="orthographicFront"/>
+      <a:lightRig rig="threePt" dir="t"/>
+    </dgm:scene3d>
+    <dgm:sp3d/>
+    <dgm:txPr/>
+    <dgm:style>
+      <a:lnRef idx="2">
+        <a:scrgbClr r="0" g="0" b="0"/>
+      </a:lnRef>
+      <a:fillRef idx="1">
+        <a:scrgbClr r="0" g="0" b="0"/>
+      </a:fillRef>
+      <a:effectRef idx="0">
+        <a:scrgbClr r="0" g="0" b="0"/>
+      </a:effectRef>
+      <a:fontRef idx="minor">
+        <a:schemeClr val="lt1"/>
+      </a:fontRef>
+    </dgm:style>
+  </dgm:styleLbl>
+  <dgm:styleLbl name="parChTrans1D1">
+    <dgm:scene3d>
+      <a:camera prst="orthographicFront"/>
+      <a:lightRig rig="threePt" dir="t"/>
+    </dgm:scene3d>
+    <dgm:sp3d/>
+    <dgm:txPr/>
+    <dgm:style>
+      <a:lnRef idx="2">
+        <a:scrgbClr r="0" g="0" b="0"/>
+      </a:lnRef>
+      <a:fillRef idx="0">
+        <a:scrgbClr r="0" g="0" b="0"/>
+      </a:fillRef>
+      <a:effectRef idx="0">
+        <a:scrgbClr r="0" g="0" b="0"/>
+      </a:effectRef>
+      <a:fontRef idx="minor"/>
+    </dgm:style>
+  </dgm:styleLbl>
+  <dgm:styleLbl name="parChTrans1D2">
+    <dgm:scene3d>
+      <a:camera prst="orthographicFront"/>
+      <a:lightRig rig="threePt" dir="t"/>
+    </dgm:scene3d>
+    <dgm:sp3d/>
+    <dgm:txPr/>
+    <dgm:style>
+      <a:lnRef idx="2">
+        <a:scrgbClr r="0" g="0" b="0"/>
+      </a:lnRef>
+      <a:fillRef idx="0">
+        <a:scrgbClr r="0" g="0" b="0"/>
+      </a:fillRef>
+      <a:effectRef idx="0">
+        <a:scrgbClr r="0" g="0" b="0"/>
+      </a:effectRef>
+      <a:fontRef idx="minor"/>
+    </dgm:style>
+  </dgm:styleLbl>
+  <dgm:styleLbl name="parChTrans1D3">
+    <dgm:scene3d>
+      <a:camera prst="orthographicFront"/>
+      <a:lightRig rig="threePt" dir="t"/>
+    </dgm:scene3d>
+    <dgm:sp3d/>
+    <dgm:txPr/>
+    <dgm:style>
+      <a:lnRef idx="2">
+        <a:scrgbClr r="0" g="0" b="0"/>
+      </a:lnRef>
+      <a:fillRef idx="0">
+        <a:scrgbClr r="0" g="0" b="0"/>
+      </a:fillRef>
+      <a:effectRef idx="0">
+        <a:scrgbClr r="0" g="0" b="0"/>
+      </a:effectRef>
+      <a:fontRef idx="minor"/>
+    </dgm:style>
+  </dgm:styleLbl>
+  <dgm:styleLbl name="parChTrans1D4">
+    <dgm:scene3d>
+      <a:camera prst="orthographicFront"/>
+      <a:lightRig rig="threePt" dir="t"/>
+    </dgm:scene3d>
+    <dgm:sp3d/>
+    <dgm:txPr/>
+    <dgm:style>
+      <a:lnRef idx="2">
+        <a:scrgbClr r="0" g="0" b="0"/>
+      </a:lnRef>
+      <a:fillRef idx="0">
+        <a:scrgbClr r="0" g="0" b="0"/>
+      </a:fillRef>
+      <a:effectRef idx="0">
+        <a:scrgbClr r="0" g="0" b="0"/>
+      </a:effectRef>
+      <a:fontRef idx="minor"/>
+    </dgm:style>
+  </dgm:styleLbl>
+  <dgm:styleLbl name="fgAcc1">
+    <dgm:scene3d>
+      <a:camera prst="orthographicFront"/>
+      <a:lightRig rig="threePt" dir="t"/>
+    </dgm:scene3d>
+    <dgm:sp3d/>
+    <dgm:txPr/>
+    <dgm:style>
+      <a:lnRef idx="2">
+        <a:scrgbClr r="0" g="0" b="0"/>
+      </a:lnRef>
+      <a:fillRef idx="1">
+        <a:scrgbClr r="0" g="0" b="0"/>
+      </a:fillRef>
+      <a:effectRef idx="0">
+        <a:scrgbClr r="0" g="0" b="0"/>
+      </a:effectRef>
+      <a:fontRef idx="minor"/>
+    </dgm:style>
+  </dgm:styleLbl>
+  <dgm:styleLbl name="conFgAcc1">
+    <dgm:scene3d>
+      <a:camera prst="orthographicFront"/>
+      <a:lightRig rig="threePt" dir="t"/>
+    </dgm:scene3d>
+    <dgm:sp3d/>
+    <dgm:txPr/>
+    <dgm:style>
+      <a:lnRef idx="2">
+        <a:scrgbClr r="0" g="0" b="0"/>
+      </a:lnRef>
+      <a:fillRef idx="1">
+        <a:scrgbClr r="0" g="0" b="0"/>
+      </a:fillRef>
+      <a:effectRef idx="0">
+        <a:scrgbClr r="0" g="0" b="0"/>
+      </a:effectRef>
+      <a:fontRef idx="minor"/>
+    </dgm:style>
+  </dgm:styleLbl>
+  <dgm:styleLbl name="alignAcc1">
+    <dgm:scene3d>
+      <a:camera prst="orthographicFront"/>
+      <a:lightRig rig="threePt" dir="t"/>
+    </dgm:scene3d>
+    <dgm:sp3d/>
+    <dgm:txPr/>
+    <dgm:style>
+      <a:lnRef idx="2">
+        <a:scrgbClr r="0" g="0" b="0"/>
+      </a:lnRef>
+      <a:fillRef idx="1">
+        <a:scrgbClr r="0" g="0" b="0"/>
+      </a:fillRef>
+      <a:effectRef idx="0">
+        <a:scrgbClr r="0" g="0" b="0"/>
+      </a:effectRef>
+      <a:fontRef idx="minor"/>
+    </dgm:style>
+  </dgm:styleLbl>
+  <dgm:styleLbl name="trAlignAcc1">
+    <dgm:scene3d>
+      <a:camera prst="orthographicFront"/>
+      <a:lightRig rig="threePt" dir="t"/>
+    </dgm:scene3d>
+    <dgm:sp3d/>
+    <dgm:txPr/>
+    <dgm:style>
+      <a:lnRef idx="1">
+        <a:scrgbClr r="0" g="0" b="0"/>
+      </a:lnRef>
+      <a:fillRef idx="1">
+        <a:scrgbClr r="0" g="0" b="0"/>
+      </a:fillRef>
+      <a:effectRef idx="0">
+        <a:scrgbClr r="0" g="0" b="0"/>
+      </a:effectRef>
+      <a:fontRef idx="minor"/>
+    </dgm:style>
+  </dgm:styleLbl>
+  <dgm:styleLbl name="bgAcc1">
+    <dgm:scene3d>
+      <a:camera prst="orthographicFront"/>
+      <a:lightRig rig="threePt" dir="t"/>
+    </dgm:scene3d>
+    <dgm:sp3d/>
+    <dgm:txPr/>
+    <dgm:style>
+      <a:lnRef idx="2">
+        <a:scrgbClr r="0" g="0" b="0"/>
+      </a:lnRef>
+      <a:fillRef idx="1">
+        <a:scrgbClr r="0" g="0" b="0"/>
+      </a:fillRef>
+      <a:effectRef idx="0">
+        <a:scrgbClr r="0" g="0" b="0"/>
+      </a:effectRef>
+      <a:fontRef idx="minor"/>
+    </dgm:style>
+  </dgm:styleLbl>
+  <dgm:styleLbl name="solidFgAcc1">
+    <dgm:scene3d>
+      <a:camera prst="orthographicFront"/>
+      <a:lightRig rig="threePt" dir="t"/>
+    </dgm:scene3d>
+    <dgm:sp3d/>
+    <dgm:txPr/>
+    <dgm:style>
+      <a:lnRef idx="2">
+        <a:scrgbClr r="0" g="0" b="0"/>
+      </a:lnRef>
+      <a:fillRef idx="1">
+        <a:scrgbClr r="0" g="0" b="0"/>
+      </a:fillRef>
+      <a:effectRef idx="0">
+        <a:scrgbClr r="0" g="0" b="0"/>
+      </a:effectRef>
+      <a:fontRef idx="minor"/>
+    </dgm:style>
+  </dgm:styleLbl>
+  <dgm:styleLbl name="solidAlignAcc1">
+    <dgm:scene3d>
+      <a:camera prst="orthographicFront"/>
+      <a:lightRig rig="threePt" dir="t"/>
+    </dgm:scene3d>
+    <dgm:sp3d/>
+    <dgm:txPr/>
+    <dgm:style>
+      <a:lnRef idx="2">
+        <a:scrgbClr r="0" g="0" b="0"/>
+      </a:lnRef>
+      <a:fillRef idx="1">
+        <a:scrgbClr r="0" g="0" b="0"/>
+      </a:fillRef>
+      <a:effectRef idx="0">
+        <a:scrgbClr r="0" g="0" b="0"/>
+      </a:effectRef>
+      <a:fontRef idx="minor"/>
+    </dgm:style>
+  </dgm:styleLbl>
+  <dgm:styleLbl name="solidBgAcc1">
+    <dgm:scene3d>
+      <a:camera prst="orthographicFront"/>
+      <a:lightRig rig="threePt" dir="t"/>
+    </dgm:scene3d>
+    <dgm:sp3d/>
+    <dgm:txPr/>
+    <dgm:style>
+      <a:lnRef idx="2">
+        <a:scrgbClr r="0" g="0" b="0"/>
+      </a:lnRef>
+      <a:fillRef idx="1">
+        <a:scrgbClr r="0" g="0" b="0"/>
+      </a:fillRef>
+      <a:effectRef idx="0">
+        <a:scrgbClr r="0" g="0" b="0"/>
+      </a:effectRef>
+      <a:fontRef idx="minor"/>
+    </dgm:style>
+  </dgm:styleLbl>
+  <dgm:styleLbl name="fgAccFollowNode1">
+    <dgm:scene3d>
+      <a:camera prst="orthographicFront"/>
+      <a:lightRig rig="threePt" dir="t"/>
+    </dgm:scene3d>
+    <dgm:sp3d/>
+    <dgm:txPr/>
+    <dgm:style>
+      <a:lnRef idx="2">
+        <a:scrgbClr r="0" g="0" b="0"/>
+      </a:lnRef>
+      <a:fillRef idx="1">
+        <a:scrgbClr r="0" g="0" b="0"/>
+      </a:fillRef>
+      <a:effectRef idx="0">
+        <a:scrgbClr r="0" g="0" b="0"/>
+      </a:effectRef>
+      <a:fontRef idx="minor"/>
+    </dgm:style>
+  </dgm:styleLbl>
+  <dgm:styleLbl name="alignAccFollowNode1">
+    <dgm:scene3d>
+      <a:camera prst="orthographicFront"/>
+      <a:lightRig rig="threePt" dir="t"/>
+    </dgm:scene3d>
+    <dgm:sp3d/>
+    <dgm:txPr/>
+    <dgm:style>
+      <a:lnRef idx="2">
+        <a:scrgbClr r="0" g="0" b="0"/>
+      </a:lnRef>
+      <a:fillRef idx="1">
+        <a:scrgbClr r="0" g="0" b="0"/>
+      </a:fillRef>
+      <a:effectRef idx="0">
+        <a:scrgbClr r="0" g="0" b="0"/>
+      </a:effectRef>
+      <a:fontRef idx="minor"/>
+    </dgm:style>
+  </dgm:styleLbl>
+  <dgm:styleLbl name="bgAccFollowNode1">
+    <dgm:scene3d>
+      <a:camera prst="orthographicFront"/>
+      <a:lightRig rig="threePt" dir="t"/>
+    </dgm:scene3d>
+    <dgm:sp3d/>
+    <dgm:txPr/>
+    <dgm:style>
+      <a:lnRef idx="2">
+        <a:scrgbClr r="0" g="0" b="0"/>
+      </a:lnRef>
+      <a:fillRef idx="1">
+        <a:scrgbClr r="0" g="0" b="0"/>
+      </a:fillRef>
+      <a:effectRef idx="0">
+        <a:scrgbClr r="0" g="0" b="0"/>
+      </a:effectRef>
+      <a:fontRef idx="minor"/>
+    </dgm:style>
+  </dgm:styleLbl>
+  <dgm:styleLbl name="fgAcc0">
+    <dgm:scene3d>
+      <a:camera prst="orthographicFront"/>
+      <a:lightRig rig="threePt" dir="t"/>
+    </dgm:scene3d>
+    <dgm:sp3d/>
+    <dgm:txPr/>
+    <dgm:style>
+      <a:lnRef idx="2">
+        <a:scrgbClr r="0" g="0" b="0"/>
+      </a:lnRef>
+      <a:fillRef idx="1">
+        <a:scrgbClr r="0" g="0" b="0"/>
+      </a:fillRef>
+      <a:effectRef idx="0">
+        <a:scrgbClr r="0" g="0" b="0"/>
+      </a:effectRef>
+      <a:fontRef idx="minor"/>
+    </dgm:style>
+  </dgm:styleLbl>
+  <dgm:styleLbl name="fgAcc2">
+    <dgm:scene3d>
+      <a:camera prst="orthographicFront"/>
+      <a:lightRig rig="threePt" dir="t"/>
+    </dgm:scene3d>
+    <dgm:sp3d/>
+    <dgm:txPr/>
+    <dgm:style>
+      <a:lnRef idx="2">
+        <a:scrgbClr r="0" g="0" b="0"/>
+      </a:lnRef>
+      <a:fillRef idx="1">
+        <a:scrgbClr r="0" g="0" b="0"/>
+      </a:fillRef>
+      <a:effectRef idx="0">
+        <a:scrgbClr r="0" g="0" b="0"/>
+      </a:effectRef>
+      <a:fontRef idx="minor"/>
+    </dgm:style>
+  </dgm:styleLbl>
+  <dgm:styleLbl name="fgAcc3">
+    <dgm:scene3d>
+      <a:camera prst="orthographicFront"/>
+      <a:lightRig rig="threePt" dir="t"/>
+    </dgm:scene3d>
+    <dgm:sp3d/>
+    <dgm:txPr/>
+    <dgm:style>
+      <a:lnRef idx="2">
+        <a:scrgbClr r="0" g="0" b="0"/>
+      </a:lnRef>
+      <a:fillRef idx="1">
+        <a:scrgbClr r="0" g="0" b="0"/>
+      </a:fillRef>
+      <a:effectRef idx="0">
+        <a:scrgbClr r="0" g="0" b="0"/>
+      </a:effectRef>
+      <a:fontRef idx="minor"/>
+    </dgm:style>
+  </dgm:styleLbl>
+  <dgm:styleLbl name="fgAcc4">
+    <dgm:scene3d>
+      <a:camera prst="orthographicFront"/>
+      <a:lightRig rig="threePt" dir="t"/>
+    </dgm:scene3d>
+    <dgm:sp3d/>
+    <dgm:txPr/>
+    <dgm:style>
+      <a:lnRef idx="2">
+        <a:scrgbClr r="0" g="0" b="0"/>
+      </a:lnRef>
+      <a:fillRef idx="1">
+        <a:scrgbClr r="0" g="0" b="0"/>
+      </a:fillRef>
+      <a:effectRef idx="0">
+        <a:scrgbClr r="0" g="0" b="0"/>
+      </a:effectRef>
+      <a:fontRef idx="minor"/>
+    </dgm:style>
+  </dgm:styleLbl>
+  <dgm:styleLbl name="bgShp">
+    <dgm:scene3d>
+      <a:camera prst="orthographicFront"/>
+      <a:lightRig rig="threePt" dir="t"/>
+    </dgm:scene3d>
+    <dgm:sp3d/>
+    <dgm:txPr/>
+    <dgm:style>
+      <a:lnRef idx="0">
+        <a:scrgbClr r="0" g="0" b="0"/>
+      </a:lnRef>
+      <a:fillRef idx="1">
+        <a:scrgbClr r="0" g="0" b="0"/>
+      </a:fillRef>
+      <a:effectRef idx="0">
+        <a:scrgbClr r="0" g="0" b="0"/>
+      </a:effectRef>
+      <a:fontRef idx="minor"/>
+    </dgm:style>
+  </dgm:styleLbl>
+  <dgm:styleLbl name="dkBgShp">
+    <dgm:scene3d>
+      <a:camera prst="orthographicFront"/>
+      <a:lightRig rig="threePt" dir="t"/>
+    </dgm:scene3d>
+    <dgm:sp3d/>
+    <dgm:txPr/>
+    <dgm:style>
+      <a:lnRef idx="0">
+        <a:scrgbClr r="0" g="0" b="0"/>
+      </a:lnRef>
+      <a:fillRef idx="1">
+        <a:scrgbClr r="0" g="0" b="0"/>
+      </a:fillRef>
+      <a:effectRef idx="0">
+        <a:scrgbClr r="0" g="0" b="0"/>
+      </a:effectRef>
+      <a:fontRef idx="minor"/>
+    </dgm:style>
+  </dgm:styleLbl>
+  <dgm:styleLbl name="trBgShp">
+    <dgm:scene3d>
+      <a:camera prst="orthographicFront"/>
+      <a:lightRig rig="threePt" dir="t"/>
+    </dgm:scene3d>
+    <dgm:sp3d/>
+    <dgm:txPr/>
+    <dgm:style>
+      <a:lnRef idx="0">
+        <a:scrgbClr r="0" g="0" b="0"/>
+      </a:lnRef>
+      <a:fillRef idx="1">
+        <a:scrgbClr r="0" g="0" b="0"/>
+      </a:fillRef>
+      <a:effectRef idx="0">
+        <a:scrgbClr r="0" g="0" b="0"/>
+      </a:effectRef>
+      <a:fontRef idx="minor"/>
+    </dgm:style>
+  </dgm:styleLbl>
+  <dgm:styleLbl name="fgShp">
+    <dgm:scene3d>
+      <a:camera prst="orthographicFront"/>
+      <a:lightRig rig="threePt" dir="t"/>
+    </dgm:scene3d>
+    <dgm:sp3d/>
+    <dgm:txPr/>
+    <dgm:style>
+      <a:lnRef idx="2">
+        <a:scrgbClr r="0" g="0" b="0"/>
+      </a:lnRef>
+      <a:fillRef idx="1">
+        <a:scrgbClr r="0" g="0" b="0"/>
+      </a:fillRef>
+      <a:effectRef idx="0">
         <a:scrgbClr r="0" g="0" b="0"/>
       </a:effectRef>
       <a:fontRef idx="minor"/>
@@ -4198,6 +8045,151 @@
 </file>
 
 <file path=ppt/notesSlides/notesSlide3.xml><?xml version="1.0" encoding="utf-8"?>
+<p:notes xmlns:a="http://schemas.openxmlformats.org/drawingml/2006/main" xmlns:r="http://schemas.openxmlformats.org/officeDocument/2006/relationships" xmlns:p="http://schemas.openxmlformats.org/presentationml/2006/main">
+  <p:cSld>
+    <p:spTree>
+      <p:nvGrpSpPr>
+        <p:cNvPr id="1" name=""/>
+        <p:cNvGrpSpPr/>
+        <p:nvPr/>
+      </p:nvGrpSpPr>
+      <p:grpSpPr>
+        <a:xfrm>
+          <a:off x="0" y="0"/>
+          <a:ext cx="0" cy="0"/>
+          <a:chOff x="0" y="0"/>
+          <a:chExt cx="0" cy="0"/>
+        </a:xfrm>
+      </p:grpSpPr>
+      <p:sp>
+        <p:nvSpPr>
+          <p:cNvPr id="2" name="Folienbildplatzhalter 1"/>
+          <p:cNvSpPr>
+            <a:spLocks noGrp="1" noRot="1" noChangeAspect="1"/>
+          </p:cNvSpPr>
+          <p:nvPr>
+            <p:ph type="sldImg"/>
+          </p:nvPr>
+        </p:nvSpPr>
+        <p:spPr/>
+      </p:sp>
+      <p:sp>
+        <p:nvSpPr>
+          <p:cNvPr id="3" name="Notizenplatzhalter 2"/>
+          <p:cNvSpPr>
+            <a:spLocks noGrp="1"/>
+          </p:cNvSpPr>
+          <p:nvPr>
+            <p:ph type="body" idx="1"/>
+          </p:nvPr>
+        </p:nvSpPr>
+        <p:spPr/>
+        <p:txBody>
+          <a:bodyPr/>
+          <a:lstStyle/>
+          <a:p>
+            <a:pPr marL="171450" indent="-171450">
+              <a:buFont typeface="Arial" panose="020B0604020202020204" pitchFamily="34" charset="0"/>
+              <a:buChar char="•"/>
+            </a:pPr>
+            <a:r>
+              <a:rPr lang="de-DE" dirty="0"/>
+              <a:t>Umsetzung aller User-Stories (mehr als MVP) </a:t>
+            </a:r>
+          </a:p>
+          <a:p>
+            <a:pPr marL="171450" indent="-171450">
+              <a:buFont typeface="Arial" panose="020B0604020202020204" pitchFamily="34" charset="0"/>
+              <a:buChar char="•"/>
+            </a:pPr>
+            <a:r>
+              <a:rPr lang="de-DE" dirty="0"/>
+              <a:t>Testen ist wichtig und richtig</a:t>
+            </a:r>
+          </a:p>
+          <a:p>
+            <a:pPr marL="171450" indent="-171450">
+              <a:buFont typeface="Arial" panose="020B0604020202020204" pitchFamily="34" charset="0"/>
+              <a:buChar char="•"/>
+            </a:pPr>
+            <a:r>
+              <a:rPr lang="de-DE" dirty="0"/>
+              <a:t>Eher schwieriges Projekt, da viele Technologien</a:t>
+            </a:r>
+          </a:p>
+          <a:p>
+            <a:pPr marL="171450" indent="-171450">
+              <a:buFont typeface="Arial" panose="020B0604020202020204" pitchFamily="34" charset="0"/>
+              <a:buChar char="•"/>
+            </a:pPr>
+            <a:r>
+              <a:rPr lang="de-DE" dirty="0"/>
+              <a:t>Mentor-Mentee-Beziehungen sehr sinnvoll</a:t>
+            </a:r>
+          </a:p>
+          <a:p>
+            <a:pPr marL="171450" indent="-171450">
+              <a:buFont typeface="Arial" panose="020B0604020202020204" pitchFamily="34" charset="0"/>
+              <a:buChar char="•"/>
+            </a:pPr>
+            <a:r>
+              <a:rPr lang="de-DE" dirty="0"/>
+              <a:t>Persönliche Meetings besser als online</a:t>
+            </a:r>
+          </a:p>
+          <a:p>
+            <a:pPr marL="171450" indent="-171450">
+              <a:buFont typeface="Arial" panose="020B0604020202020204" pitchFamily="34" charset="0"/>
+              <a:buChar char="•"/>
+            </a:pPr>
+            <a:r>
+              <a:rPr lang="de-DE" dirty="0"/>
+              <a:t>Mockup hat sehr geholfen</a:t>
+            </a:r>
+          </a:p>
+          <a:p>
+            <a:endParaRPr lang="de-DE" dirty="0"/>
+          </a:p>
+        </p:txBody>
+      </p:sp>
+      <p:sp>
+        <p:nvSpPr>
+          <p:cNvPr id="4" name="Foliennummernplatzhalter 3"/>
+          <p:cNvSpPr>
+            <a:spLocks noGrp="1"/>
+          </p:cNvSpPr>
+          <p:nvPr>
+            <p:ph type="sldNum" sz="quarter" idx="5"/>
+          </p:nvPr>
+        </p:nvSpPr>
+        <p:spPr/>
+        <p:txBody>
+          <a:bodyPr/>
+          <a:lstStyle/>
+          <a:p>
+            <a:fld id="{6E291615-FAF7-4493-A686-6F4E1EA06A90}" type="slidenum">
+              <a:rPr lang="de-DE" smtClean="0"/>
+              <a:pPr/>
+              <a:t>10</a:t>
+            </a:fld>
+            <a:endParaRPr lang="de-DE" dirty="0"/>
+          </a:p>
+        </p:txBody>
+      </p:sp>
+    </p:spTree>
+    <p:extLst>
+      <p:ext uri="{BB962C8B-B14F-4D97-AF65-F5344CB8AC3E}">
+        <p14:creationId xmlns:p14="http://schemas.microsoft.com/office/powerpoint/2010/main" val="1175522425"/>
+      </p:ext>
+    </p:extLst>
+  </p:cSld>
+  <p:clrMapOvr>
+    <a:masterClrMapping/>
+  </p:clrMapOvr>
+</p:notes>
+</file>
+
+<file path=ppt/notesSlides/notesSlide4.xml><?xml version="1.0" encoding="utf-8"?>
 <p:notes xmlns:a="http://schemas.openxmlformats.org/drawingml/2006/main" xmlns:r="http://schemas.openxmlformats.org/officeDocument/2006/relationships" xmlns:p="http://schemas.openxmlformats.org/presentationml/2006/main">
   <p:cSld>
     <p:spTree>
@@ -8331,64 +12323,37 @@
           </a:p>
         </p:txBody>
       </p:sp>
-      <p:sp>
-        <p:nvSpPr>
-          <p:cNvPr id="6" name="Inhaltsplatzhalter 5">
+      <p:graphicFrame>
+        <p:nvGraphicFramePr>
+          <p:cNvPr id="7" name="Inhaltsplatzhalter 6">
             <a:extLst>
               <a:ext uri="{FF2B5EF4-FFF2-40B4-BE49-F238E27FC236}">
-                <a16:creationId xmlns:a16="http://schemas.microsoft.com/office/drawing/2014/main" id="{A44FB14D-9E03-B84B-DED4-8A2695B6E5A7}"/>
+                <a16:creationId xmlns:a16="http://schemas.microsoft.com/office/drawing/2014/main" id="{73B5B173-DC15-8606-FD0E-D45CA4A35237}"/>
               </a:ext>
             </a:extLst>
           </p:cNvPr>
-          <p:cNvSpPr>
-            <a:spLocks noGrp="1"/>
-          </p:cNvSpPr>
+          <p:cNvGraphicFramePr>
+            <a:graphicFrameLocks noGrp="1"/>
+          </p:cNvGraphicFramePr>
           <p:nvPr>
             <p:ph idx="11"/>
+            <p:extLst>
+              <p:ext uri="{D42A27DB-BD31-4B8C-83A1-F6EECF244321}">
+                <p14:modId xmlns:p14="http://schemas.microsoft.com/office/powerpoint/2010/main" val="203633049"/>
+              </p:ext>
+            </p:extLst>
           </p:nvPr>
-        </p:nvSpPr>
-        <p:spPr/>
-        <p:txBody>
-          <a:bodyPr/>
-          <a:lstStyle/>
-          <a:p>
-            <a:r>
-              <a:rPr lang="de-DE" dirty="0"/>
-              <a:t>Alle User-Stories umgesetzt (mehr als MVP) </a:t>
-            </a:r>
-          </a:p>
-          <a:p>
-            <a:r>
-              <a:rPr lang="de-DE" dirty="0"/>
-              <a:t>Testen ist wichtig und richtig</a:t>
-            </a:r>
-          </a:p>
-          <a:p>
-            <a:r>
-              <a:rPr lang="de-DE" dirty="0"/>
-              <a:t>Eher schwieriges Projekt, da viele Technologien</a:t>
-            </a:r>
-          </a:p>
-          <a:p>
-            <a:r>
-              <a:rPr lang="de-DE" dirty="0"/>
-              <a:t>Mentor-Mentee-Beziehungen sehr sinnvoll</a:t>
-            </a:r>
-          </a:p>
-          <a:p>
-            <a:r>
-              <a:rPr lang="de-DE" dirty="0"/>
-              <a:t>Persönliche Meetings besser als online</a:t>
-            </a:r>
-          </a:p>
-          <a:p>
-            <a:r>
-              <a:rPr lang="de-DE" dirty="0"/>
-              <a:t>Mockup hat sehr geholfen</a:t>
-            </a:r>
-          </a:p>
-        </p:txBody>
-      </p:sp>
+        </p:nvGraphicFramePr>
+        <p:xfrm>
+          <a:off x="211138" y="1339314"/>
+          <a:ext cx="8753475" cy="4875768"/>
+        </p:xfrm>
+        <a:graphic>
+          <a:graphicData uri="http://schemas.openxmlformats.org/drawingml/2006/diagram">
+            <dgm:relIds xmlns:dgm="http://schemas.openxmlformats.org/drawingml/2006/diagram" xmlns:r="http://schemas.openxmlformats.org/officeDocument/2006/relationships" r:dm="rId3" r:lo="rId4" r:qs="rId5" r:cs="rId6"/>
+          </a:graphicData>
+        </a:graphic>
+      </p:graphicFrame>
     </p:spTree>
     <p:extLst>
       <p:ext uri="{BB962C8B-B14F-4D97-AF65-F5344CB8AC3E}">
